--- a/Poster/Poster Template.pptx
+++ b/Poster/Poster Template.pptx
@@ -4147,7 +4147,7 @@
                     <a:schemeClr val="bg1"/>
                   </a:solidFill>
                 </a:rPr>
-                <a:t>SECTION TITLE</a:t>
+                <a:t>Initial Conditions</a:t>
               </a:r>
             </a:p>
           </p:txBody>
@@ -4302,7 +4302,7 @@
                     <a:schemeClr val="bg1"/>
                   </a:solidFill>
                 </a:rPr>
-                <a:t>SECTION TITLE</a:t>
+                <a:t>Lambert’s Method</a:t>
               </a:r>
             </a:p>
           </p:txBody>
@@ -4457,7 +4457,7 @@
                     <a:schemeClr val="bg1"/>
                   </a:solidFill>
                 </a:rPr>
-                <a:t>SECTION TITLE</a:t>
+                <a:t>Software: How-to</a:t>
               </a:r>
             </a:p>
           </p:txBody>
@@ -4612,7 +4612,7 @@
                     <a:schemeClr val="bg1"/>
                   </a:solidFill>
                 </a:rPr>
-                <a:t>SECTION TITLE</a:t>
+                <a:t>Results </a:t>
               </a:r>
             </a:p>
           </p:txBody>
@@ -4767,7 +4767,7 @@
                     <a:schemeClr val="bg1"/>
                   </a:solidFill>
                 </a:rPr>
-                <a:t>SECTION TITLE</a:t>
+                <a:t>Plots</a:t>
               </a:r>
             </a:p>
           </p:txBody>
@@ -4922,7 +4922,7 @@
                     <a:schemeClr val="bg1"/>
                   </a:solidFill>
                 </a:rPr>
-                <a:t>SECTION TITLE</a:t>
+                <a:t>Conclusions</a:t>
               </a:r>
             </a:p>
           </p:txBody>
@@ -5077,7 +5077,7 @@
                     <a:schemeClr val="bg1"/>
                   </a:solidFill>
                 </a:rPr>
-                <a:t>SECTION TITLE</a:t>
+                <a:t>References</a:t>
               </a:r>
             </a:p>
           </p:txBody>
@@ -5160,7 +5160,7 @@
             <p:spPr>
               <a:xfrm>
                 <a:off x="1066800" y="4267200"/>
-                <a:ext cx="6629400" cy="5078313"/>
+                <a:ext cx="6629400" cy="5355312"/>
               </a:xfrm>
               <a:prstGeom prst="rect">
                 <a:avLst/>
@@ -5349,7 +5349,7 @@
                 </a14:m>
                 <a:r>
                   <a:rPr lang="en-US" dirty="0"/>
-                  <a:t> the space station’s orbit is to be propagated 30 days into the future. At which time an optimal maneuver is to be initiated in order to be the station back to initial orbit and saving it from its demise.</a:t>
+                  <a:t> the space station’s orbit is to be propagated at least 30 days into the future. At which time an optimal maneuver is to be initiated in order to be the station back to initial orbit and saving it from its demise.</a:t>
                 </a:r>
               </a:p>
               <a:p>
@@ -5380,7 +5380,7 @@
             <p:spPr>
               <a:xfrm>
                 <a:off x="1066800" y="4267200"/>
-                <a:ext cx="6629400" cy="5078313"/>
+                <a:ext cx="6629400" cy="5355312"/>
               </a:xfrm>
               <a:prstGeom prst="rect">
                 <a:avLst/>
@@ -5388,7 +5388,7 @@
               <a:blipFill>
                 <a:blip r:embed="rId4"/>
                 <a:stretch>
-                  <a:fillRect l="-551" t="-600"/>
+                  <a:fillRect l="-551" t="-569" r="-827"/>
                 </a:stretch>
               </a:blipFill>
             </p:spPr>
@@ -5454,6 +5454,523 @@
           </a:extLst>
         </p:spPr>
       </p:pic>
+      <mc:AlternateContent xmlns:mc="http://schemas.openxmlformats.org/markup-compatibility/2006">
+        <mc:Choice xmlns:a14="http://schemas.microsoft.com/office/drawing/2010/main" Requires="a14">
+          <p:sp>
+            <p:nvSpPr>
+              <p:cNvPr id="11" name="TextBox 10">
+                <a:extLst>
+                  <a:ext uri="{FF2B5EF4-FFF2-40B4-BE49-F238E27FC236}">
+                    <a16:creationId xmlns:a16="http://schemas.microsoft.com/office/drawing/2014/main" id="{2267FBF5-8145-4ECA-876B-917612680778}"/>
+                  </a:ext>
+                </a:extLst>
+              </p:cNvPr>
+              <p:cNvSpPr txBox="1"/>
+              <p:nvPr/>
+            </p:nvSpPr>
+            <p:spPr>
+              <a:xfrm>
+                <a:off x="1143000" y="10744200"/>
+                <a:ext cx="6553200" cy="1885453"/>
+              </a:xfrm>
+              <a:prstGeom prst="rect">
+                <a:avLst/>
+              </a:prstGeom>
+              <a:noFill/>
+            </p:spPr>
+            <p:txBody>
+              <a:bodyPr wrap="square" rtlCol="0">
+                <a:spAutoFit/>
+              </a:bodyPr>
+              <a:lstStyle/>
+              <a:p>
+                <a:pPr marL="285750" indent="-285750">
+                  <a:buFont typeface="Arial" panose="020B0604020202020204" pitchFamily="34" charset="0"/>
+                  <a:buChar char="•"/>
+                </a:pPr>
+                <a:r>
+                  <a:rPr lang="en-US" dirty="0"/>
+                  <a:t>Keplerian Elements at epoch:</a:t>
+                </a:r>
+              </a:p>
+              <a:p>
+                <a:pPr marL="742950" lvl="1" indent="-285750">
+                  <a:buFont typeface="Arial" panose="020B0604020202020204" pitchFamily="34" charset="0"/>
+                  <a:buChar char="•"/>
+                </a:pPr>
+                <a14:m>
+                  <m:oMath xmlns:m="http://schemas.openxmlformats.org/officeDocument/2006/math">
+                    <m:d>
+                      <m:dPr>
+                        <m:begChr m:val="["/>
+                        <m:endChr m:val="]"/>
+                        <m:ctrlPr>
+                          <a:rPr lang="en-US" i="1">
+                            <a:latin typeface="Cambria Math" panose="02040503050406030204" pitchFamily="18" charset="0"/>
+                          </a:rPr>
+                        </m:ctrlPr>
+                      </m:dPr>
+                      <m:e>
+                        <m:m>
+                          <m:mPr>
+                            <m:mcs>
+                              <m:mc>
+                                <m:mcPr>
+                                  <m:count m:val="1"/>
+                                  <m:mcJc m:val="center"/>
+                                </m:mcPr>
+                              </m:mc>
+                            </m:mcs>
+                            <m:ctrlPr>
+                              <a:rPr lang="en-US" i="1">
+                                <a:latin typeface="Cambria Math" panose="02040503050406030204" pitchFamily="18" charset="0"/>
+                              </a:rPr>
+                            </m:ctrlPr>
+                          </m:mPr>
+                          <m:mr>
+                            <m:e>
+                              <m:m>
+                                <m:mPr>
+                                  <m:mcs>
+                                    <m:mc>
+                                      <m:mcPr>
+                                        <m:count m:val="1"/>
+                                        <m:mcJc m:val="center"/>
+                                      </m:mcPr>
+                                    </m:mc>
+                                  </m:mcs>
+                                  <m:ctrlPr>
+                                    <a:rPr lang="en-US" i="1">
+                                      <a:latin typeface="Cambria Math" panose="02040503050406030204" pitchFamily="18" charset="0"/>
+                                    </a:rPr>
+                                  </m:ctrlPr>
+                                </m:mPr>
+                                <m:mr>
+                                  <m:e>
+                                    <m:r>
+                                      <m:rPr>
+                                        <m:brk m:alnAt="7"/>
+                                      </m:rPr>
+                                      <a:rPr lang="en-US" i="1">
+                                        <a:latin typeface="Cambria Math" panose="02040503050406030204" pitchFamily="18" charset="0"/>
+                                      </a:rPr>
+                                      <m:t>𝑎</m:t>
+                                    </m:r>
+                                  </m:e>
+                                </m:mr>
+                                <m:mr>
+                                  <m:e>
+                                    <m:r>
+                                      <a:rPr lang="en-US" i="1">
+                                        <a:latin typeface="Cambria Math" panose="02040503050406030204" pitchFamily="18" charset="0"/>
+                                      </a:rPr>
+                                      <m:t>𝑒</m:t>
+                                    </m:r>
+                                  </m:e>
+                                </m:mr>
+                                <m:mr>
+                                  <m:e>
+                                    <m:r>
+                                      <a:rPr lang="en-US" i="1">
+                                        <a:latin typeface="Cambria Math" panose="02040503050406030204" pitchFamily="18" charset="0"/>
+                                      </a:rPr>
+                                      <m:t>𝑖</m:t>
+                                    </m:r>
+                                  </m:e>
+                                </m:mr>
+                              </m:m>
+                            </m:e>
+                          </m:mr>
+                          <m:mr>
+                            <m:e>
+                              <m:m>
+                                <m:mPr>
+                                  <m:mcs>
+                                    <m:mc>
+                                      <m:mcPr>
+                                        <m:count m:val="1"/>
+                                        <m:mcJc m:val="center"/>
+                                      </m:mcPr>
+                                    </m:mc>
+                                  </m:mcs>
+                                  <m:ctrlPr>
+                                    <a:rPr lang="en-US" i="1">
+                                      <a:latin typeface="Cambria Math" panose="02040503050406030204" pitchFamily="18" charset="0"/>
+                                    </a:rPr>
+                                  </m:ctrlPr>
+                                </m:mPr>
+                                <m:mr>
+                                  <m:e>
+                                    <m:r>
+                                      <m:rPr>
+                                        <m:sty m:val="p"/>
+                                        <m:brk m:alnAt="7"/>
+                                      </m:rPr>
+                                      <a:rPr lang="el-GR" i="1">
+                                        <a:latin typeface="Cambria Math" panose="02040503050406030204" pitchFamily="18" charset="0"/>
+                                        <a:ea typeface="Cambria Math" panose="02040503050406030204" pitchFamily="18" charset="0"/>
+                                      </a:rPr>
+                                      <m:t>Ω</m:t>
+                                    </m:r>
+                                  </m:e>
+                                </m:mr>
+                                <m:mr>
+                                  <m:e>
+                                    <m:r>
+                                      <a:rPr lang="en-US" i="1">
+                                        <a:latin typeface="Cambria Math" panose="02040503050406030204" pitchFamily="18" charset="0"/>
+                                        <a:ea typeface="Cambria Math" panose="02040503050406030204" pitchFamily="18" charset="0"/>
+                                      </a:rPr>
+                                      <m:t>𝜔</m:t>
+                                    </m:r>
+                                  </m:e>
+                                </m:mr>
+                                <m:mr>
+                                  <m:e>
+                                    <m:r>
+                                      <a:rPr lang="en-US" i="1">
+                                        <a:latin typeface="Cambria Math" panose="02040503050406030204" pitchFamily="18" charset="0"/>
+                                      </a:rPr>
+                                      <m:t>𝑓</m:t>
+                                    </m:r>
+                                  </m:e>
+                                </m:mr>
+                              </m:m>
+                            </m:e>
+                          </m:mr>
+                        </m:m>
+                      </m:e>
+                    </m:d>
+                    <m:r>
+                      <a:rPr lang="en-US" i="1">
+                        <a:latin typeface="Cambria Math" panose="02040503050406030204" pitchFamily="18" charset="0"/>
+                      </a:rPr>
+                      <m:t>=</m:t>
+                    </m:r>
+                    <m:d>
+                      <m:dPr>
+                        <m:begChr m:val="["/>
+                        <m:endChr m:val="]"/>
+                        <m:ctrlPr>
+                          <a:rPr lang="en-US" i="1">
+                            <a:latin typeface="Cambria Math" panose="02040503050406030204" pitchFamily="18" charset="0"/>
+                          </a:rPr>
+                        </m:ctrlPr>
+                      </m:dPr>
+                      <m:e>
+                        <m:m>
+                          <m:mPr>
+                            <m:mcs>
+                              <m:mc>
+                                <m:mcPr>
+                                  <m:count m:val="1"/>
+                                  <m:mcJc m:val="center"/>
+                                </m:mcPr>
+                              </m:mc>
+                            </m:mcs>
+                            <m:ctrlPr>
+                              <a:rPr lang="en-US" i="1">
+                                <a:latin typeface="Cambria Math" panose="02040503050406030204" pitchFamily="18" charset="0"/>
+                              </a:rPr>
+                            </m:ctrlPr>
+                          </m:mPr>
+                          <m:mr>
+                            <m:e>
+                              <m:m>
+                                <m:mPr>
+                                  <m:mcs>
+                                    <m:mc>
+                                      <m:mcPr>
+                                        <m:count m:val="1"/>
+                                        <m:mcJc m:val="center"/>
+                                      </m:mcPr>
+                                    </m:mc>
+                                  </m:mcs>
+                                  <m:ctrlPr>
+                                    <a:rPr lang="en-US" i="1">
+                                      <a:latin typeface="Cambria Math" panose="02040503050406030204" pitchFamily="18" charset="0"/>
+                                    </a:rPr>
+                                  </m:ctrlPr>
+                                </m:mPr>
+                                <m:mr>
+                                  <m:e>
+                                    <m:r>
+                                      <m:rPr>
+                                        <m:brk m:alnAt="7"/>
+                                      </m:rPr>
+                                      <a:rPr lang="en-US" i="1">
+                                        <a:latin typeface="Cambria Math" panose="02040503050406030204" pitchFamily="18" charset="0"/>
+                                      </a:rPr>
+                                      <m:t>6</m:t>
+                                    </m:r>
+                                    <m:r>
+                                      <a:rPr lang="en-US" i="1">
+                                        <a:latin typeface="Cambria Math" panose="02040503050406030204" pitchFamily="18" charset="0"/>
+                                      </a:rPr>
+                                      <m:t>657.391</m:t>
+                                    </m:r>
+                                  </m:e>
+                                </m:mr>
+                                <m:mr>
+                                  <m:e>
+                                    <m:r>
+                                      <a:rPr lang="en-US" i="1">
+                                        <a:latin typeface="Cambria Math" panose="02040503050406030204" pitchFamily="18" charset="0"/>
+                                      </a:rPr>
+                                      <m:t>.002594</m:t>
+                                    </m:r>
+                                  </m:e>
+                                </m:mr>
+                                <m:mr>
+                                  <m:e>
+                                    <m:r>
+                                      <a:rPr lang="en-US" i="1">
+                                        <a:latin typeface="Cambria Math" panose="02040503050406030204" pitchFamily="18" charset="0"/>
+                                      </a:rPr>
+                                      <m:t>42.7480</m:t>
+                                    </m:r>
+                                  </m:e>
+                                </m:mr>
+                              </m:m>
+                            </m:e>
+                          </m:mr>
+                          <m:mr>
+                            <m:e>
+                              <m:m>
+                                <m:mPr>
+                                  <m:mcs>
+                                    <m:mc>
+                                      <m:mcPr>
+                                        <m:count m:val="1"/>
+                                        <m:mcJc m:val="center"/>
+                                      </m:mcPr>
+                                    </m:mc>
+                                  </m:mcs>
+                                  <m:ctrlPr>
+                                    <a:rPr lang="en-US" i="1">
+                                      <a:latin typeface="Cambria Math" panose="02040503050406030204" pitchFamily="18" charset="0"/>
+                                    </a:rPr>
+                                  </m:ctrlPr>
+                                </m:mPr>
+                                <m:mr>
+                                  <m:e>
+                                    <m:r>
+                                      <m:rPr>
+                                        <m:brk m:alnAt="7"/>
+                                      </m:rPr>
+                                      <a:rPr lang="en-US" i="1">
+                                        <a:latin typeface="Cambria Math" panose="02040503050406030204" pitchFamily="18" charset="0"/>
+                                      </a:rPr>
+                                      <m:t>3</m:t>
+                                    </m:r>
+                                    <m:r>
+                                      <a:rPr lang="en-US" i="1">
+                                        <a:latin typeface="Cambria Math" panose="02040503050406030204" pitchFamily="18" charset="0"/>
+                                      </a:rPr>
+                                      <m:t>45.3258</m:t>
+                                    </m:r>
+                                  </m:e>
+                                </m:mr>
+                                <m:mr>
+                                  <m:e>
+                                    <m:r>
+                                      <a:rPr lang="en-US" i="1">
+                                        <a:latin typeface="Cambria Math" panose="02040503050406030204" pitchFamily="18" charset="0"/>
+                                      </a:rPr>
+                                      <m:t>124.4125</m:t>
+                                    </m:r>
+                                  </m:e>
+                                </m:mr>
+                                <m:mr>
+                                  <m:e>
+                                    <m:r>
+                                      <a:rPr lang="en-US" i="1">
+                                        <a:latin typeface="Cambria Math" panose="02040503050406030204" pitchFamily="18" charset="0"/>
+                                      </a:rPr>
+                                      <m:t>287.3948</m:t>
+                                    </m:r>
+                                  </m:e>
+                                </m:mr>
+                              </m:m>
+                            </m:e>
+                          </m:mr>
+                        </m:m>
+                      </m:e>
+                    </m:d>
+                  </m:oMath>
+                </a14:m>
+                <a:endParaRPr lang="en-US" dirty="0"/>
+              </a:p>
+            </p:txBody>
+          </p:sp>
+        </mc:Choice>
+        <mc:Fallback>
+          <p:sp>
+            <p:nvSpPr>
+              <p:cNvPr id="11" name="TextBox 10">
+                <a:extLst>
+                  <a:ext uri="{FF2B5EF4-FFF2-40B4-BE49-F238E27FC236}">
+                    <a16:creationId xmlns:a16="http://schemas.microsoft.com/office/drawing/2014/main" id="{2267FBF5-8145-4ECA-876B-917612680778}"/>
+                  </a:ext>
+                </a:extLst>
+              </p:cNvPr>
+              <p:cNvSpPr txBox="1">
+                <a:spLocks noRot="1" noChangeAspect="1" noMove="1" noResize="1" noEditPoints="1" noAdjustHandles="1" noChangeArrowheads="1" noChangeShapeType="1" noTextEdit="1"/>
+              </p:cNvSpPr>
+              <p:nvPr/>
+            </p:nvSpPr>
+            <p:spPr>
+              <a:xfrm>
+                <a:off x="1143000" y="10744200"/>
+                <a:ext cx="6553200" cy="1885453"/>
+              </a:xfrm>
+              <a:prstGeom prst="rect">
+                <a:avLst/>
+              </a:prstGeom>
+              <a:blipFill>
+                <a:blip r:embed="rId6"/>
+                <a:stretch>
+                  <a:fillRect l="-651" t="-1942"/>
+                </a:stretch>
+              </a:blipFill>
+            </p:spPr>
+            <p:txBody>
+              <a:bodyPr/>
+              <a:lstStyle/>
+              <a:p>
+                <a:r>
+                  <a:rPr lang="en-US">
+                    <a:noFill/>
+                  </a:rPr>
+                  <a:t> </a:t>
+                </a:r>
+              </a:p>
+            </p:txBody>
+          </p:sp>
+        </mc:Fallback>
+      </mc:AlternateContent>
+      <p:sp>
+        <p:nvSpPr>
+          <p:cNvPr id="12" name="TextBox 11">
+            <a:extLst>
+              <a:ext uri="{FF2B5EF4-FFF2-40B4-BE49-F238E27FC236}">
+                <a16:creationId xmlns:a16="http://schemas.microsoft.com/office/drawing/2014/main" id="{BD07BB07-B91B-4E7B-A663-7AD78F686F1A}"/>
+              </a:ext>
+            </a:extLst>
+          </p:cNvPr>
+          <p:cNvSpPr txBox="1"/>
+          <p:nvPr/>
+        </p:nvSpPr>
+        <p:spPr>
+          <a:xfrm>
+            <a:off x="9372600" y="10765012"/>
+            <a:ext cx="6309360" cy="2585323"/>
+          </a:xfrm>
+          <a:prstGeom prst="rect">
+            <a:avLst/>
+          </a:prstGeom>
+          <a:noFill/>
+        </p:spPr>
+        <p:txBody>
+          <a:bodyPr wrap="square" rtlCol="0">
+            <a:spAutoFit/>
+          </a:bodyPr>
+          <a:lstStyle/>
+          <a:p>
+            <a:pPr marL="285750" indent="-285750">
+              <a:buFont typeface="Arial" panose="020B0604020202020204" pitchFamily="34" charset="0"/>
+              <a:buChar char="•"/>
+            </a:pPr>
+            <a:r>
+              <a:rPr lang="en-US" dirty="0"/>
+              <a:t>Inputs:</a:t>
+            </a:r>
+          </a:p>
+          <a:p>
+            <a:pPr marL="742950" lvl="1" indent="-285750">
+              <a:buFont typeface="Arial" panose="020B0604020202020204" pitchFamily="34" charset="0"/>
+              <a:buChar char="•"/>
+            </a:pPr>
+            <a:r>
+              <a:rPr lang="en-US" dirty="0" err="1"/>
+              <a:t>Tiangong</a:t>
+            </a:r>
+            <a:r>
+              <a:rPr lang="en-US" dirty="0"/>
+              <a:t> 1’s initial position and velocity vectors at epoch</a:t>
+            </a:r>
+          </a:p>
+          <a:p>
+            <a:pPr marL="742950" lvl="1" indent="-285750">
+              <a:buFont typeface="Arial" panose="020B0604020202020204" pitchFamily="34" charset="0"/>
+              <a:buChar char="•"/>
+            </a:pPr>
+            <a:r>
+              <a:rPr lang="en-US" dirty="0"/>
+              <a:t>Additional inputs???</a:t>
+            </a:r>
+          </a:p>
+          <a:p>
+            <a:pPr lvl="1"/>
+            <a:endParaRPr lang="en-US" dirty="0"/>
+          </a:p>
+          <a:p>
+            <a:pPr marL="285750" indent="-285750">
+              <a:buFont typeface="Arial" panose="020B0604020202020204" pitchFamily="34" charset="0"/>
+              <a:buChar char="•"/>
+            </a:pPr>
+            <a:r>
+              <a:rPr lang="en-US" dirty="0"/>
+              <a:t>Outputs:</a:t>
+            </a:r>
+          </a:p>
+          <a:p>
+            <a:pPr marL="742950" lvl="1" indent="-285750">
+              <a:buFont typeface="Arial" panose="020B0604020202020204" pitchFamily="34" charset="0"/>
+              <a:buChar char="•"/>
+            </a:pPr>
+            <a:r>
+              <a:rPr lang="en-US" dirty="0"/>
+              <a:t>Total cost of the maneuvers (total </a:t>
+            </a:r>
+            <a:r>
+              <a:rPr lang="el-GR" dirty="0"/>
+              <a:t>Δ</a:t>
+            </a:r>
+            <a:r>
+              <a:rPr lang="en-US" dirty="0"/>
+              <a:t>V)</a:t>
+            </a:r>
+          </a:p>
+          <a:p>
+            <a:pPr marL="742950" lvl="1" indent="-285750">
+              <a:buFont typeface="Arial" panose="020B0604020202020204" pitchFamily="34" charset="0"/>
+              <a:buChar char="•"/>
+            </a:pPr>
+            <a:r>
+              <a:rPr lang="en-US" dirty="0"/>
+              <a:t>Additional outputs???</a:t>
+            </a:r>
+          </a:p>
+          <a:p>
+            <a:pPr marL="742950" lvl="1" indent="-285750">
+              <a:buFont typeface="Arial" panose="020B0604020202020204" pitchFamily="34" charset="0"/>
+              <a:buChar char="•"/>
+            </a:pPr>
+            <a:endParaRPr lang="en-US" dirty="0"/>
+          </a:p>
+          <a:p>
+            <a:pPr marL="285750" indent="-285750">
+              <a:buFont typeface="Arial" panose="020B0604020202020204" pitchFamily="34" charset="0"/>
+              <a:buChar char="•"/>
+            </a:pPr>
+            <a:r>
+              <a:rPr lang="en-US" dirty="0"/>
+              <a:t>Describe how to use our code…..</a:t>
+            </a:r>
+          </a:p>
+        </p:txBody>
+      </p:sp>
     </p:spTree>
     <p:extLst>
       <p:ext uri="{BB962C8B-B14F-4D97-AF65-F5344CB8AC3E}">
@@ -6251,31 +6768,31 @@
 </file>
 
 <file path=customXml/item1.xml><?xml version="1.0" encoding="utf-8"?>
+<WrappedLabelHistory xmlns:xsi="http://www.w3.org/2001/XMLSchema-instance" xmlns:xsd="http://www.w3.org/2001/XMLSchema" xmlns="http://www.boldonjames.com/2016/02/Classifier/internal/wrappedLabelHistory">
+  <Value>PD94bWwgdmVyc2lvbj0iMS4wIiBlbmNvZGluZz0idXMtYXNjaWkiPz48bGFiZWxIaXN0b3J5IHhtbG5zOnhzaT0iaHR0cDovL3d3dy53My5vcmcvMjAwMS9YTUxTY2hlbWEtaW5zdGFuY2UiIHhtbG5zOnhzZD0iaHR0cDovL3d3dy53My5vcmcvMjAwMS9YTUxTY2hlbWEiIHhtbG5zPSJodHRwOi8vd3d3LmJvbGRvbmphbWVzLmNvbS8yMDE2LzAyL0NsYXNzaWZpZXIvaW50ZXJuYWwvbGFiZWxIaXN0b3J5Ij48aXRlbT48c2lzbCBzaXNsVmVyc2lvbj0iMCIgcG9saWN5PSJjZGU1M2FjMS1iZjVmLTRhYWUtOWNmMS0wNzUwOWUyM2E0YjAiIG9yaWdpbj0iZGVmYXVsdFZhbHVlIj48ZWxlbWVudCB1aWQ9ImJiYTk0YzY1LWFjM2QtNGYzNC1iMmUxLThkZTExZWY2ZjAxYyIgdmFsdWU9IiIgeG1sbnM9Imh0dHA6Ly93d3cuYm9sZG9uamFtZXMuY29tLzIwMDgvMDEvc2llL2ludGVybmFsL2xhYmVsIiAvPjwvc2lzbD48VXNlck5hbWU+VVNcejEwODk4Mjk8L1VzZXJOYW1lPjxEYXRlVGltZT4xMS8yOC8yMDE4IDI6MTY6MTkgUE08L0RhdGVUaW1lPjxMYWJlbFN0cmluZz5PcmlnaW4gSnVyaXNkaWN0aW9uOiBVUyA8L0xhYmVsU3RyaW5nPjwvaXRlbT48L2xhYmVsSGlzdG9yeT4=</Value>
+</WrappedLabelHistory>
+</file>
+
+<file path=customXml/item2.xml><?xml version="1.0" encoding="utf-8"?>
 <sisl xmlns:xsi="http://www.w3.org/2001/XMLSchema-instance" xmlns:xsd="http://www.w3.org/2001/XMLSchema" xmlns="http://www.boldonjames.com/2008/01/sie/internal/label" sislVersion="0" policy="cde53ac1-bf5f-4aae-9cf1-07509e23a4b0" origin="defaultValue">
   <element uid="bba94c65-ac3d-4f34-b2e1-8de11ef6f01c" value=""/>
 </sisl>
 </file>
 
-<file path=customXml/item2.xml><?xml version="1.0" encoding="utf-8"?>
-<WrappedLabelHistory xmlns:xsi="http://www.w3.org/2001/XMLSchema-instance" xmlns:xsd="http://www.w3.org/2001/XMLSchema" xmlns="http://www.boldonjames.com/2016/02/Classifier/internal/wrappedLabelHistory">
-  <Value>PD94bWwgdmVyc2lvbj0iMS4wIiBlbmNvZGluZz0idXMtYXNjaWkiPz48bGFiZWxIaXN0b3J5IHhtbG5zOnhzaT0iaHR0cDovL3d3dy53My5vcmcvMjAwMS9YTUxTY2hlbWEtaW5zdGFuY2UiIHhtbG5zOnhzZD0iaHR0cDovL3d3dy53My5vcmcvMjAwMS9YTUxTY2hlbWEiIHhtbG5zPSJodHRwOi8vd3d3LmJvbGRvbmphbWVzLmNvbS8yMDE2LzAyL0NsYXNzaWZpZXIvaW50ZXJuYWwvbGFiZWxIaXN0b3J5Ij48aXRlbT48c2lzbCBzaXNsVmVyc2lvbj0iMCIgcG9saWN5PSJjZGU1M2FjMS1iZjVmLTRhYWUtOWNmMS0wNzUwOWUyM2E0YjAiIG9yaWdpbj0iZGVmYXVsdFZhbHVlIj48ZWxlbWVudCB1aWQ9ImJiYTk0YzY1LWFjM2QtNGYzNC1iMmUxLThkZTExZWY2ZjAxYyIgdmFsdWU9IiIgeG1sbnM9Imh0dHA6Ly93d3cuYm9sZG9uamFtZXMuY29tLzIwMDgvMDEvc2llL2ludGVybmFsL2xhYmVsIiAvPjwvc2lzbD48VXNlck5hbWU+VVNcejEwODk4Mjk8L1VzZXJOYW1lPjxEYXRlVGltZT4xMS8yOC8yMDE4IDI6MTY6MTkgUE08L0RhdGVUaW1lPjxMYWJlbFN0cmluZz5PcmlnaW4gSnVyaXNkaWN0aW9uOiBVUyA8L0xhYmVsU3RyaW5nPjwvaXRlbT48L2xhYmVsSGlzdG9yeT4=</Value>
-</WrappedLabelHistory>
+<file path=customXml/itemProps1.xml><?xml version="1.0" encoding="utf-8"?>
+<ds:datastoreItem xmlns:ds="http://schemas.openxmlformats.org/officeDocument/2006/customXml" ds:itemID="{71421722-5443-4C69-B004-1FBA66B7B2A8}">
+  <ds:schemaRefs>
+    <ds:schemaRef ds:uri="http://www.w3.org/2001/XMLSchema"/>
+    <ds:schemaRef ds:uri="http://www.boldonjames.com/2016/02/Classifier/internal/wrappedLabelHistory"/>
+  </ds:schemaRefs>
+</ds:datastoreItem>
 </file>
 
-<file path=customXml/itemProps1.xml><?xml version="1.0" encoding="utf-8"?>
+<file path=customXml/itemProps2.xml><?xml version="1.0" encoding="utf-8"?>
 <ds:datastoreItem xmlns:ds="http://schemas.openxmlformats.org/officeDocument/2006/customXml" ds:itemID="{BA6C0C64-B176-4C86-99D5-A6070E26EF67}">
   <ds:schemaRefs>
     <ds:schemaRef ds:uri="http://www.w3.org/2001/XMLSchema"/>
     <ds:schemaRef ds:uri="http://www.boldonjames.com/2008/01/sie/internal/label"/>
   </ds:schemaRefs>
 </ds:datastoreItem>
-</file>
-
-<file path=customXml/itemProps2.xml><?xml version="1.0" encoding="utf-8"?>
-<ds:datastoreItem xmlns:ds="http://schemas.openxmlformats.org/officeDocument/2006/customXml" ds:itemID="{71421722-5443-4C69-B004-1FBA66B7B2A8}">
-  <ds:schemaRefs>
-    <ds:schemaRef ds:uri="http://www.w3.org/2001/XMLSchema"/>
-    <ds:schemaRef ds:uri="http://www.boldonjames.com/2016/02/Classifier/internal/wrappedLabelHistory"/>
-  </ds:schemaRefs>
-</ds:datastoreItem>
 </file>
--- a/Poster/Poster Template.pptx
+++ b/Poster/Poster Template.pptx
@@ -211,7 +211,7 @@
           <a:p>
             <a:fld id="{1B47E5ED-7BB7-480E-9ABA-42FB907A65D9}" type="datetimeFigureOut">
               <a:rPr lang="en-US" smtClean="0"/>
-              <a:t>12/2/2018</a:t>
+              <a:t>12/6/2018</a:t>
             </a:fld>
             <a:endParaRPr lang="en-US"/>
           </a:p>
@@ -376,7 +376,7 @@
           <a:p>
             <a:fld id="{CF28E66E-B2C5-4F64-9E97-0389691D7007}" type="datetimeFigureOut">
               <a:rPr lang="en-US" smtClean="0"/>
-              <a:t>12/2/2018</a:t>
+              <a:t>12/6/2018</a:t>
             </a:fld>
             <a:endParaRPr lang="en-US"/>
           </a:p>
@@ -902,7 +902,7 @@
           <a:p>
             <a:fld id="{C21A8B2B-5BE1-4832-9D7D-1F1925BEBBFE}" type="datetimeFigureOut">
               <a:rPr lang="en-US" smtClean="0"/>
-              <a:t>12/2/2018</a:t>
+              <a:t>12/6/2018</a:t>
             </a:fld>
             <a:endParaRPr lang="en-US"/>
           </a:p>
@@ -1072,7 +1072,7 @@
           <a:p>
             <a:fld id="{C21A8B2B-5BE1-4832-9D7D-1F1925BEBBFE}" type="datetimeFigureOut">
               <a:rPr lang="en-US" smtClean="0"/>
-              <a:t>12/2/2018</a:t>
+              <a:t>12/6/2018</a:t>
             </a:fld>
             <a:endParaRPr lang="en-US"/>
           </a:p>
@@ -1252,7 +1252,7 @@
           <a:p>
             <a:fld id="{C21A8B2B-5BE1-4832-9D7D-1F1925BEBBFE}" type="datetimeFigureOut">
               <a:rPr lang="en-US" smtClean="0"/>
-              <a:t>12/2/2018</a:t>
+              <a:t>12/6/2018</a:t>
             </a:fld>
             <a:endParaRPr lang="en-US"/>
           </a:p>
@@ -1422,7 +1422,7 @@
           <a:p>
             <a:fld id="{C21A8B2B-5BE1-4832-9D7D-1F1925BEBBFE}" type="datetimeFigureOut">
               <a:rPr lang="en-US" smtClean="0"/>
-              <a:t>12/2/2018</a:t>
+              <a:t>12/6/2018</a:t>
             </a:fld>
             <a:endParaRPr lang="en-US"/>
           </a:p>
@@ -1668,7 +1668,7 @@
           <a:p>
             <a:fld id="{C21A8B2B-5BE1-4832-9D7D-1F1925BEBBFE}" type="datetimeFigureOut">
               <a:rPr lang="en-US" smtClean="0"/>
-              <a:t>12/2/2018</a:t>
+              <a:t>12/6/2018</a:t>
             </a:fld>
             <a:endParaRPr lang="en-US"/>
           </a:p>
@@ -1900,7 +1900,7 @@
           <a:p>
             <a:fld id="{C21A8B2B-5BE1-4832-9D7D-1F1925BEBBFE}" type="datetimeFigureOut">
               <a:rPr lang="en-US" smtClean="0"/>
-              <a:t>12/2/2018</a:t>
+              <a:t>12/6/2018</a:t>
             </a:fld>
             <a:endParaRPr lang="en-US"/>
           </a:p>
@@ -2267,7 +2267,7 @@
           <a:p>
             <a:fld id="{C21A8B2B-5BE1-4832-9D7D-1F1925BEBBFE}" type="datetimeFigureOut">
               <a:rPr lang="en-US" smtClean="0"/>
-              <a:t>12/2/2018</a:t>
+              <a:t>12/6/2018</a:t>
             </a:fld>
             <a:endParaRPr lang="en-US"/>
           </a:p>
@@ -2385,7 +2385,7 @@
           <a:p>
             <a:fld id="{C21A8B2B-5BE1-4832-9D7D-1F1925BEBBFE}" type="datetimeFigureOut">
               <a:rPr lang="en-US" smtClean="0"/>
-              <a:t>12/2/2018</a:t>
+              <a:t>12/6/2018</a:t>
             </a:fld>
             <a:endParaRPr lang="en-US"/>
           </a:p>
@@ -2480,7 +2480,7 @@
           <a:p>
             <a:fld id="{C21A8B2B-5BE1-4832-9D7D-1F1925BEBBFE}" type="datetimeFigureOut">
               <a:rPr lang="en-US" smtClean="0"/>
-              <a:t>12/2/2018</a:t>
+              <a:t>12/6/2018</a:t>
             </a:fld>
             <a:endParaRPr lang="en-US"/>
           </a:p>
@@ -2757,7 +2757,7 @@
           <a:p>
             <a:fld id="{C21A8B2B-5BE1-4832-9D7D-1F1925BEBBFE}" type="datetimeFigureOut">
               <a:rPr lang="en-US" smtClean="0"/>
-              <a:t>12/2/2018</a:t>
+              <a:t>12/6/2018</a:t>
             </a:fld>
             <a:endParaRPr lang="en-US"/>
           </a:p>
@@ -3014,7 +3014,7 @@
           <a:p>
             <a:fld id="{C21A8B2B-5BE1-4832-9D7D-1F1925BEBBFE}" type="datetimeFigureOut">
               <a:rPr lang="en-US" smtClean="0"/>
-              <a:t>12/2/2018</a:t>
+              <a:t>12/6/2018</a:t>
             </a:fld>
             <a:endParaRPr lang="en-US"/>
           </a:p>
@@ -3227,7 +3227,7 @@
           <a:p>
             <a:fld id="{C21A8B2B-5BE1-4832-9D7D-1F1925BEBBFE}" type="datetimeFigureOut">
               <a:rPr lang="en-US" smtClean="0"/>
-              <a:t>12/2/2018</a:t>
+              <a:t>12/6/2018</a:t>
             </a:fld>
             <a:endParaRPr lang="en-US"/>
           </a:p>
@@ -4007,7 +4007,7 @@
         <p:grpSpPr>
           <a:xfrm>
             <a:off x="914400" y="9692640"/>
-            <a:ext cx="6934200" cy="6477000"/>
+            <a:ext cx="6934200" cy="5481232"/>
             <a:chOff x="914400" y="3145536"/>
             <a:chExt cx="6934200" cy="6477000"/>
           </a:xfrm>
@@ -4153,161 +4153,136 @@
           </p:txBody>
         </p:sp>
       </p:grpSp>
-      <p:grpSp>
-        <p:nvGrpSpPr>
-          <p:cNvPr id="38" name="Group 37"/>
-          <p:cNvGrpSpPr/>
+      <p:sp>
+        <p:nvSpPr>
+          <p:cNvPr id="41" name="Rectangle 40"/>
+          <p:cNvSpPr/>
           <p:nvPr/>
-        </p:nvGrpSpPr>
-        <p:grpSpPr>
+        </p:nvSpPr>
+        <p:spPr>
           <a:xfrm>
-            <a:off x="9075420" y="3145536"/>
-            <a:ext cx="6934200" cy="6477000"/>
-            <a:chOff x="914400" y="3145536"/>
-            <a:chExt cx="6934200" cy="6477000"/>
+            <a:off x="9075420" y="3145535"/>
+            <a:ext cx="6934200" cy="7461505"/>
           </a:xfrm>
-        </p:grpSpPr>
-        <p:grpSp>
-          <p:nvGrpSpPr>
-            <p:cNvPr id="39" name="Group 38"/>
-            <p:cNvGrpSpPr/>
-            <p:nvPr/>
-          </p:nvGrpSpPr>
-          <p:grpSpPr>
-            <a:xfrm>
-              <a:off x="914400" y="3145536"/>
-              <a:ext cx="6934200" cy="6477000"/>
-              <a:chOff x="1447800" y="3352800"/>
-              <a:chExt cx="6934200" cy="6477000"/>
-            </a:xfrm>
-          </p:grpSpPr>
-          <p:sp>
-            <p:nvSpPr>
-              <p:cNvPr id="41" name="Rectangle 40"/>
-              <p:cNvSpPr/>
-              <p:nvPr/>
-            </p:nvSpPr>
-            <p:spPr>
-              <a:xfrm>
-                <a:off x="1447800" y="3352800"/>
-                <a:ext cx="6934200" cy="6477000"/>
-              </a:xfrm>
-              <a:prstGeom prst="rect">
-                <a:avLst/>
-              </a:prstGeom>
+          <a:prstGeom prst="rect">
+            <a:avLst/>
+          </a:prstGeom>
+          <a:solidFill>
+            <a:schemeClr val="bg1"/>
+          </a:solidFill>
+          <a:ln w="76200">
+            <a:solidFill>
+              <a:srgbClr val="002060"/>
+            </a:solidFill>
+          </a:ln>
+        </p:spPr>
+        <p:style>
+          <a:lnRef idx="2">
+            <a:schemeClr val="accent1">
+              <a:shade val="50000"/>
+            </a:schemeClr>
+          </a:lnRef>
+          <a:fillRef idx="1">
+            <a:schemeClr val="accent1"/>
+          </a:fillRef>
+          <a:effectRef idx="0">
+            <a:schemeClr val="accent1"/>
+          </a:effectRef>
+          <a:fontRef idx="minor">
+            <a:schemeClr val="lt1"/>
+          </a:fontRef>
+        </p:style>
+        <p:txBody>
+          <a:bodyPr rtlCol="0" anchor="ctr"/>
+          <a:lstStyle/>
+          <a:p>
+            <a:pPr algn="ctr"/>
+            <a:endParaRPr lang="en-US"/>
+          </a:p>
+        </p:txBody>
+      </p:sp>
+      <p:sp>
+        <p:nvSpPr>
+          <p:cNvPr id="42" name="Rectangle 41"/>
+          <p:cNvSpPr/>
+          <p:nvPr/>
+        </p:nvSpPr>
+        <p:spPr>
+          <a:xfrm>
+            <a:off x="9075420" y="3145535"/>
+            <a:ext cx="6934200" cy="914401"/>
+          </a:xfrm>
+          <a:prstGeom prst="rect">
+            <a:avLst/>
+          </a:prstGeom>
+          <a:solidFill>
+            <a:srgbClr val="002060"/>
+          </a:solidFill>
+        </p:spPr>
+        <p:style>
+          <a:lnRef idx="2">
+            <a:schemeClr val="accent1">
+              <a:shade val="50000"/>
+            </a:schemeClr>
+          </a:lnRef>
+          <a:fillRef idx="1">
+            <a:schemeClr val="accent1"/>
+          </a:fillRef>
+          <a:effectRef idx="0">
+            <a:schemeClr val="accent1"/>
+          </a:effectRef>
+          <a:fontRef idx="minor">
+            <a:schemeClr val="lt1"/>
+          </a:fontRef>
+        </p:style>
+        <p:txBody>
+          <a:bodyPr rtlCol="0" anchor="ctr"/>
+          <a:lstStyle/>
+          <a:p>
+            <a:pPr algn="ctr"/>
+            <a:endParaRPr lang="en-US"/>
+          </a:p>
+        </p:txBody>
+      </p:sp>
+      <p:sp>
+        <p:nvSpPr>
+          <p:cNvPr id="40" name="TextBox 39"/>
+          <p:cNvSpPr txBox="1"/>
+          <p:nvPr/>
+        </p:nvSpPr>
+        <p:spPr>
+          <a:xfrm>
+            <a:off x="10368534" y="3352029"/>
+            <a:ext cx="4724400" cy="844856"/>
+          </a:xfrm>
+          <a:prstGeom prst="rect">
+            <a:avLst/>
+          </a:prstGeom>
+          <a:noFill/>
+        </p:spPr>
+        <p:txBody>
+          <a:bodyPr wrap="square" rtlCol="0">
+            <a:spAutoFit/>
+          </a:bodyPr>
+          <a:lstStyle/>
+          <a:p>
+            <a:pPr algn="ctr"/>
+            <a:r>
+              <a:rPr lang="en-US" sz="3600" dirty="0" smtClean="0">
+                <a:solidFill>
+                  <a:schemeClr val="bg1"/>
+                </a:solidFill>
+              </a:rPr>
+              <a:t>Maneuver Methodology </a:t>
+            </a:r>
+            <a:endParaRPr lang="en-US" sz="3600" dirty="0">
               <a:solidFill>
                 <a:schemeClr val="bg1"/>
               </a:solidFill>
-              <a:ln w="76200">
-                <a:solidFill>
-                  <a:srgbClr val="002060"/>
-                </a:solidFill>
-              </a:ln>
-            </p:spPr>
-            <p:style>
-              <a:lnRef idx="2">
-                <a:schemeClr val="accent1">
-                  <a:shade val="50000"/>
-                </a:schemeClr>
-              </a:lnRef>
-              <a:fillRef idx="1">
-                <a:schemeClr val="accent1"/>
-              </a:fillRef>
-              <a:effectRef idx="0">
-                <a:schemeClr val="accent1"/>
-              </a:effectRef>
-              <a:fontRef idx="minor">
-                <a:schemeClr val="lt1"/>
-              </a:fontRef>
-            </p:style>
-            <p:txBody>
-              <a:bodyPr rtlCol="0" anchor="ctr"/>
-              <a:lstStyle/>
-              <a:p>
-                <a:pPr algn="ctr"/>
-                <a:endParaRPr lang="en-US"/>
-              </a:p>
-            </p:txBody>
-          </p:sp>
-          <p:sp>
-            <p:nvSpPr>
-              <p:cNvPr id="42" name="Rectangle 41"/>
-              <p:cNvSpPr/>
-              <p:nvPr/>
-            </p:nvSpPr>
-            <p:spPr>
-              <a:xfrm>
-                <a:off x="1447800" y="3352800"/>
-                <a:ext cx="6934200" cy="914400"/>
-              </a:xfrm>
-              <a:prstGeom prst="rect">
-                <a:avLst/>
-              </a:prstGeom>
-              <a:solidFill>
-                <a:srgbClr val="002060"/>
-              </a:solidFill>
-            </p:spPr>
-            <p:style>
-              <a:lnRef idx="2">
-                <a:schemeClr val="accent1">
-                  <a:shade val="50000"/>
-                </a:schemeClr>
-              </a:lnRef>
-              <a:fillRef idx="1">
-                <a:schemeClr val="accent1"/>
-              </a:fillRef>
-              <a:effectRef idx="0">
-                <a:schemeClr val="accent1"/>
-              </a:effectRef>
-              <a:fontRef idx="minor">
-                <a:schemeClr val="lt1"/>
-              </a:fontRef>
-            </p:style>
-            <p:txBody>
-              <a:bodyPr rtlCol="0" anchor="ctr"/>
-              <a:lstStyle/>
-              <a:p>
-                <a:pPr algn="ctr"/>
-                <a:endParaRPr lang="en-US"/>
-              </a:p>
-            </p:txBody>
-          </p:sp>
-        </p:grpSp>
-        <p:sp>
-          <p:nvSpPr>
-            <p:cNvPr id="40" name="TextBox 39"/>
-            <p:cNvSpPr txBox="1"/>
-            <p:nvPr/>
-          </p:nvSpPr>
-          <p:spPr>
-            <a:xfrm>
-              <a:off x="2207514" y="3303508"/>
-              <a:ext cx="4724400" cy="646331"/>
-            </a:xfrm>
-            <a:prstGeom prst="rect">
-              <a:avLst/>
-            </a:prstGeom>
-            <a:noFill/>
-          </p:spPr>
-          <p:txBody>
-            <a:bodyPr wrap="square" rtlCol="0">
-              <a:spAutoFit/>
-            </a:bodyPr>
-            <a:lstStyle/>
-            <a:p>
-              <a:pPr algn="ctr"/>
-              <a:r>
-                <a:rPr lang="en-US" sz="3600" dirty="0">
-                  <a:solidFill>
-                    <a:schemeClr val="bg1"/>
-                  </a:solidFill>
-                </a:rPr>
-                <a:t>Lambert’s Method</a:t>
-              </a:r>
-            </a:p>
-          </p:txBody>
-        </p:sp>
-      </p:grpSp>
+            </a:endParaRPr>
+          </a:p>
+        </p:txBody>
+      </p:sp>
       <p:grpSp>
         <p:nvGrpSpPr>
           <p:cNvPr id="43" name="Group 42"/>
@@ -4316,8 +4291,8 @@
         </p:nvGrpSpPr>
         <p:grpSpPr>
           <a:xfrm>
-            <a:off x="9075420" y="9692640"/>
-            <a:ext cx="6934200" cy="6477000"/>
+            <a:off x="9075420" y="10662832"/>
+            <a:ext cx="6934200" cy="4511040"/>
             <a:chOff x="914400" y="3145536"/>
             <a:chExt cx="6934200" cy="6477000"/>
           </a:xfrm>
@@ -4463,316 +4438,256 @@
           </p:txBody>
         </p:sp>
       </p:grpSp>
-      <p:grpSp>
-        <p:nvGrpSpPr>
-          <p:cNvPr id="48" name="Group 47"/>
-          <p:cNvGrpSpPr/>
+      <p:sp>
+        <p:nvSpPr>
+          <p:cNvPr id="51" name="Rectangle 50"/>
+          <p:cNvSpPr/>
           <p:nvPr/>
-        </p:nvGrpSpPr>
-        <p:grpSpPr>
+        </p:nvSpPr>
+        <p:spPr>
           <a:xfrm>
             <a:off x="16908780" y="3136392"/>
-            <a:ext cx="6934200" cy="6477000"/>
-            <a:chOff x="914400" y="3145536"/>
-            <a:chExt cx="6934200" cy="6477000"/>
+            <a:ext cx="6934200" cy="5248656"/>
           </a:xfrm>
-        </p:grpSpPr>
-        <p:grpSp>
-          <p:nvGrpSpPr>
-            <p:cNvPr id="49" name="Group 48"/>
-            <p:cNvGrpSpPr/>
-            <p:nvPr/>
-          </p:nvGrpSpPr>
-          <p:grpSpPr>
-            <a:xfrm>
-              <a:off x="914400" y="3145536"/>
-              <a:ext cx="6934200" cy="6477000"/>
-              <a:chOff x="1447800" y="3352800"/>
-              <a:chExt cx="6934200" cy="6477000"/>
-            </a:xfrm>
-          </p:grpSpPr>
-          <p:sp>
-            <p:nvSpPr>
-              <p:cNvPr id="51" name="Rectangle 50"/>
-              <p:cNvSpPr/>
-              <p:nvPr/>
-            </p:nvSpPr>
-            <p:spPr>
-              <a:xfrm>
-                <a:off x="1447800" y="3352800"/>
-                <a:ext cx="6934200" cy="6477000"/>
-              </a:xfrm>
-              <a:prstGeom prst="rect">
-                <a:avLst/>
-              </a:prstGeom>
-              <a:solidFill>
-                <a:schemeClr val="bg1"/>
-              </a:solidFill>
-              <a:ln w="76200">
+          <a:prstGeom prst="rect">
+            <a:avLst/>
+          </a:prstGeom>
+          <a:solidFill>
+            <a:schemeClr val="bg1"/>
+          </a:solidFill>
+          <a:ln w="76200">
+            <a:solidFill>
+              <a:srgbClr val="002060"/>
+            </a:solidFill>
+          </a:ln>
+        </p:spPr>
+        <p:style>
+          <a:lnRef idx="2">
+            <a:schemeClr val="accent1">
+              <a:shade val="50000"/>
+            </a:schemeClr>
+          </a:lnRef>
+          <a:fillRef idx="1">
+            <a:schemeClr val="accent1"/>
+          </a:fillRef>
+          <a:effectRef idx="0">
+            <a:schemeClr val="accent1"/>
+          </a:effectRef>
+          <a:fontRef idx="minor">
+            <a:schemeClr val="lt1"/>
+          </a:fontRef>
+        </p:style>
+        <p:txBody>
+          <a:bodyPr rtlCol="0" anchor="ctr"/>
+          <a:lstStyle/>
+          <a:p>
+            <a:pPr algn="ctr"/>
+            <a:endParaRPr lang="en-US"/>
+          </a:p>
+        </p:txBody>
+      </p:sp>
+      <p:sp>
+        <p:nvSpPr>
+          <p:cNvPr id="52" name="Rectangle 51"/>
+          <p:cNvSpPr/>
+          <p:nvPr/>
+        </p:nvSpPr>
+        <p:spPr>
+          <a:xfrm>
+            <a:off x="16908780" y="3136392"/>
+            <a:ext cx="6934200" cy="914400"/>
+          </a:xfrm>
+          <a:prstGeom prst="rect">
+            <a:avLst/>
+          </a:prstGeom>
+          <a:solidFill>
+            <a:srgbClr val="002060"/>
+          </a:solidFill>
+        </p:spPr>
+        <p:style>
+          <a:lnRef idx="2">
+            <a:schemeClr val="accent1">
+              <a:shade val="50000"/>
+            </a:schemeClr>
+          </a:lnRef>
+          <a:fillRef idx="1">
+            <a:schemeClr val="accent1"/>
+          </a:fillRef>
+          <a:effectRef idx="0">
+            <a:schemeClr val="accent1"/>
+          </a:effectRef>
+          <a:fontRef idx="minor">
+            <a:schemeClr val="lt1"/>
+          </a:fontRef>
+        </p:style>
+        <p:txBody>
+          <a:bodyPr rtlCol="0" anchor="ctr"/>
+          <a:lstStyle/>
+          <a:p>
+            <a:pPr algn="ctr"/>
+            <a:endParaRPr lang="en-US"/>
+          </a:p>
+        </p:txBody>
+      </p:sp>
+      <p:sp>
+        <p:nvSpPr>
+          <p:cNvPr id="50" name="TextBox 49"/>
+          <p:cNvSpPr txBox="1"/>
+          <p:nvPr/>
+        </p:nvSpPr>
+        <p:spPr>
+          <a:xfrm>
+            <a:off x="18201894" y="3294364"/>
+            <a:ext cx="4724400" cy="646331"/>
+          </a:xfrm>
+          <a:prstGeom prst="rect">
+            <a:avLst/>
+          </a:prstGeom>
+          <a:noFill/>
+        </p:spPr>
+        <p:txBody>
+          <a:bodyPr wrap="square" rtlCol="0">
+            <a:spAutoFit/>
+          </a:bodyPr>
+          <a:lstStyle/>
+          <a:p>
+            <a:pPr algn="ctr"/>
+            <a:r>
+              <a:rPr lang="en-US" sz="3600" dirty="0">
                 <a:solidFill>
-                  <a:srgbClr val="002060"/>
+                  <a:schemeClr val="bg1"/>
                 </a:solidFill>
-              </a:ln>
-            </p:spPr>
-            <p:style>
-              <a:lnRef idx="2">
-                <a:schemeClr val="accent1">
-                  <a:shade val="50000"/>
-                </a:schemeClr>
-              </a:lnRef>
-              <a:fillRef idx="1">
-                <a:schemeClr val="accent1"/>
-              </a:fillRef>
-              <a:effectRef idx="0">
-                <a:schemeClr val="accent1"/>
-              </a:effectRef>
-              <a:fontRef idx="minor">
-                <a:schemeClr val="lt1"/>
-              </a:fontRef>
-            </p:style>
-            <p:txBody>
-              <a:bodyPr rtlCol="0" anchor="ctr"/>
-              <a:lstStyle/>
-              <a:p>
-                <a:pPr algn="ctr"/>
-                <a:endParaRPr lang="en-US"/>
-              </a:p>
-            </p:txBody>
-          </p:sp>
-          <p:sp>
-            <p:nvSpPr>
-              <p:cNvPr id="52" name="Rectangle 51"/>
-              <p:cNvSpPr/>
-              <p:nvPr/>
-            </p:nvSpPr>
-            <p:spPr>
-              <a:xfrm>
-                <a:off x="1447800" y="3352800"/>
-                <a:ext cx="6934200" cy="914400"/>
-              </a:xfrm>
-              <a:prstGeom prst="rect">
-                <a:avLst/>
-              </a:prstGeom>
-              <a:solidFill>
-                <a:srgbClr val="002060"/>
-              </a:solidFill>
-            </p:spPr>
-            <p:style>
-              <a:lnRef idx="2">
-                <a:schemeClr val="accent1">
-                  <a:shade val="50000"/>
-                </a:schemeClr>
-              </a:lnRef>
-              <a:fillRef idx="1">
-                <a:schemeClr val="accent1"/>
-              </a:fillRef>
-              <a:effectRef idx="0">
-                <a:schemeClr val="accent1"/>
-              </a:effectRef>
-              <a:fontRef idx="minor">
-                <a:schemeClr val="lt1"/>
-              </a:fontRef>
-            </p:style>
-            <p:txBody>
-              <a:bodyPr rtlCol="0" anchor="ctr"/>
-              <a:lstStyle/>
-              <a:p>
-                <a:pPr algn="ctr"/>
-                <a:endParaRPr lang="en-US"/>
-              </a:p>
-            </p:txBody>
-          </p:sp>
-        </p:grpSp>
-        <p:sp>
-          <p:nvSpPr>
-            <p:cNvPr id="50" name="TextBox 49"/>
-            <p:cNvSpPr txBox="1"/>
-            <p:nvPr/>
-          </p:nvSpPr>
-          <p:spPr>
-            <a:xfrm>
-              <a:off x="2207514" y="3303508"/>
-              <a:ext cx="4724400" cy="646331"/>
-            </a:xfrm>
-            <a:prstGeom prst="rect">
-              <a:avLst/>
-            </a:prstGeom>
-            <a:noFill/>
-          </p:spPr>
-          <p:txBody>
-            <a:bodyPr wrap="square" rtlCol="0">
-              <a:spAutoFit/>
-            </a:bodyPr>
-            <a:lstStyle/>
-            <a:p>
-              <a:pPr algn="ctr"/>
-              <a:r>
-                <a:rPr lang="en-US" sz="3600" dirty="0">
-                  <a:solidFill>
-                    <a:schemeClr val="bg1"/>
-                  </a:solidFill>
-                </a:rPr>
-                <a:t>Results </a:t>
-              </a:r>
-            </a:p>
-          </p:txBody>
-        </p:sp>
-      </p:grpSp>
-      <p:grpSp>
-        <p:nvGrpSpPr>
-          <p:cNvPr id="53" name="Group 52"/>
-          <p:cNvGrpSpPr/>
+              </a:rPr>
+              <a:t>Results </a:t>
+            </a:r>
+          </a:p>
+        </p:txBody>
+      </p:sp>
+      <p:sp>
+        <p:nvSpPr>
+          <p:cNvPr id="56" name="Rectangle 55"/>
+          <p:cNvSpPr/>
           <p:nvPr/>
-        </p:nvGrpSpPr>
-        <p:grpSpPr>
+        </p:nvSpPr>
+        <p:spPr>
           <a:xfrm>
-            <a:off x="16908780" y="9692640"/>
-            <a:ext cx="6934200" cy="6477000"/>
-            <a:chOff x="914400" y="3145536"/>
-            <a:chExt cx="6934200" cy="6477000"/>
+            <a:off x="16908780" y="8464296"/>
+            <a:ext cx="6934200" cy="6709576"/>
           </a:xfrm>
-        </p:grpSpPr>
-        <p:grpSp>
-          <p:nvGrpSpPr>
-            <p:cNvPr id="54" name="Group 53"/>
-            <p:cNvGrpSpPr/>
-            <p:nvPr/>
-          </p:nvGrpSpPr>
-          <p:grpSpPr>
-            <a:xfrm>
-              <a:off x="914400" y="3145536"/>
-              <a:ext cx="6934200" cy="6477000"/>
-              <a:chOff x="1447800" y="3352800"/>
-              <a:chExt cx="6934200" cy="6477000"/>
-            </a:xfrm>
-          </p:grpSpPr>
-          <p:sp>
-            <p:nvSpPr>
-              <p:cNvPr id="56" name="Rectangle 55"/>
-              <p:cNvSpPr/>
-              <p:nvPr/>
-            </p:nvSpPr>
-            <p:spPr>
-              <a:xfrm>
-                <a:off x="1447800" y="3352800"/>
-                <a:ext cx="6934200" cy="6477000"/>
-              </a:xfrm>
-              <a:prstGeom prst="rect">
-                <a:avLst/>
-              </a:prstGeom>
-              <a:solidFill>
-                <a:schemeClr val="bg1"/>
-              </a:solidFill>
-              <a:ln w="76200">
+          <a:prstGeom prst="rect">
+            <a:avLst/>
+          </a:prstGeom>
+          <a:solidFill>
+            <a:schemeClr val="bg1"/>
+          </a:solidFill>
+          <a:ln w="76200">
+            <a:solidFill>
+              <a:srgbClr val="002060"/>
+            </a:solidFill>
+          </a:ln>
+        </p:spPr>
+        <p:style>
+          <a:lnRef idx="2">
+            <a:schemeClr val="accent1">
+              <a:shade val="50000"/>
+            </a:schemeClr>
+          </a:lnRef>
+          <a:fillRef idx="1">
+            <a:schemeClr val="accent1"/>
+          </a:fillRef>
+          <a:effectRef idx="0">
+            <a:schemeClr val="accent1"/>
+          </a:effectRef>
+          <a:fontRef idx="minor">
+            <a:schemeClr val="lt1"/>
+          </a:fontRef>
+        </p:style>
+        <p:txBody>
+          <a:bodyPr rtlCol="0" anchor="ctr"/>
+          <a:lstStyle/>
+          <a:p>
+            <a:pPr algn="ctr"/>
+            <a:endParaRPr lang="en-US"/>
+          </a:p>
+        </p:txBody>
+      </p:sp>
+      <p:sp>
+        <p:nvSpPr>
+          <p:cNvPr id="57" name="Rectangle 56"/>
+          <p:cNvSpPr/>
+          <p:nvPr/>
+        </p:nvSpPr>
+        <p:spPr>
+          <a:xfrm>
+            <a:off x="16908780" y="8464295"/>
+            <a:ext cx="6934200" cy="947235"/>
+          </a:xfrm>
+          <a:prstGeom prst="rect">
+            <a:avLst/>
+          </a:prstGeom>
+          <a:solidFill>
+            <a:srgbClr val="002060"/>
+          </a:solidFill>
+        </p:spPr>
+        <p:style>
+          <a:lnRef idx="2">
+            <a:schemeClr val="accent1">
+              <a:shade val="50000"/>
+            </a:schemeClr>
+          </a:lnRef>
+          <a:fillRef idx="1">
+            <a:schemeClr val="accent1"/>
+          </a:fillRef>
+          <a:effectRef idx="0">
+            <a:schemeClr val="accent1"/>
+          </a:effectRef>
+          <a:fontRef idx="minor">
+            <a:schemeClr val="lt1"/>
+          </a:fontRef>
+        </p:style>
+        <p:txBody>
+          <a:bodyPr rtlCol="0" anchor="ctr"/>
+          <a:lstStyle/>
+          <a:p>
+            <a:pPr algn="ctr"/>
+            <a:endParaRPr lang="en-US"/>
+          </a:p>
+        </p:txBody>
+      </p:sp>
+      <p:sp>
+        <p:nvSpPr>
+          <p:cNvPr id="55" name="TextBox 54"/>
+          <p:cNvSpPr txBox="1"/>
+          <p:nvPr/>
+        </p:nvSpPr>
+        <p:spPr>
+          <a:xfrm>
+            <a:off x="18201894" y="8612455"/>
+            <a:ext cx="4724400" cy="606182"/>
+          </a:xfrm>
+          <a:prstGeom prst="rect">
+            <a:avLst/>
+          </a:prstGeom>
+          <a:noFill/>
+        </p:spPr>
+        <p:txBody>
+          <a:bodyPr wrap="square" rtlCol="0">
+            <a:spAutoFit/>
+          </a:bodyPr>
+          <a:lstStyle/>
+          <a:p>
+            <a:pPr algn="ctr"/>
+            <a:r>
+              <a:rPr lang="en-US" sz="3600" dirty="0">
                 <a:solidFill>
-                  <a:srgbClr val="002060"/>
+                  <a:schemeClr val="bg1"/>
                 </a:solidFill>
-              </a:ln>
-            </p:spPr>
-            <p:style>
-              <a:lnRef idx="2">
-                <a:schemeClr val="accent1">
-                  <a:shade val="50000"/>
-                </a:schemeClr>
-              </a:lnRef>
-              <a:fillRef idx="1">
-                <a:schemeClr val="accent1"/>
-              </a:fillRef>
-              <a:effectRef idx="0">
-                <a:schemeClr val="accent1"/>
-              </a:effectRef>
-              <a:fontRef idx="minor">
-                <a:schemeClr val="lt1"/>
-              </a:fontRef>
-            </p:style>
-            <p:txBody>
-              <a:bodyPr rtlCol="0" anchor="ctr"/>
-              <a:lstStyle/>
-              <a:p>
-                <a:pPr algn="ctr"/>
-                <a:endParaRPr lang="en-US"/>
-              </a:p>
-            </p:txBody>
-          </p:sp>
-          <p:sp>
-            <p:nvSpPr>
-              <p:cNvPr id="57" name="Rectangle 56"/>
-              <p:cNvSpPr/>
-              <p:nvPr/>
-            </p:nvSpPr>
-            <p:spPr>
-              <a:xfrm>
-                <a:off x="1447800" y="3352800"/>
-                <a:ext cx="6934200" cy="914400"/>
-              </a:xfrm>
-              <a:prstGeom prst="rect">
-                <a:avLst/>
-              </a:prstGeom>
-              <a:solidFill>
-                <a:srgbClr val="002060"/>
-              </a:solidFill>
-            </p:spPr>
-            <p:style>
-              <a:lnRef idx="2">
-                <a:schemeClr val="accent1">
-                  <a:shade val="50000"/>
-                </a:schemeClr>
-              </a:lnRef>
-              <a:fillRef idx="1">
-                <a:schemeClr val="accent1"/>
-              </a:fillRef>
-              <a:effectRef idx="0">
-                <a:schemeClr val="accent1"/>
-              </a:effectRef>
-              <a:fontRef idx="minor">
-                <a:schemeClr val="lt1"/>
-              </a:fontRef>
-            </p:style>
-            <p:txBody>
-              <a:bodyPr rtlCol="0" anchor="ctr"/>
-              <a:lstStyle/>
-              <a:p>
-                <a:pPr algn="ctr"/>
-                <a:endParaRPr lang="en-US"/>
-              </a:p>
-            </p:txBody>
-          </p:sp>
-        </p:grpSp>
-        <p:sp>
-          <p:nvSpPr>
-            <p:cNvPr id="55" name="TextBox 54"/>
-            <p:cNvSpPr txBox="1"/>
-            <p:nvPr/>
-          </p:nvSpPr>
-          <p:spPr>
-            <a:xfrm>
-              <a:off x="2207514" y="3303508"/>
-              <a:ext cx="4724400" cy="646331"/>
-            </a:xfrm>
-            <a:prstGeom prst="rect">
-              <a:avLst/>
-            </a:prstGeom>
-            <a:noFill/>
-          </p:spPr>
-          <p:txBody>
-            <a:bodyPr wrap="square" rtlCol="0">
-              <a:spAutoFit/>
-            </a:bodyPr>
-            <a:lstStyle/>
-            <a:p>
-              <a:pPr algn="ctr"/>
-              <a:r>
-                <a:rPr lang="en-US" sz="3600" dirty="0">
-                  <a:solidFill>
-                    <a:schemeClr val="bg1"/>
-                  </a:solidFill>
-                </a:rPr>
-                <a:t>Plots</a:t>
-              </a:r>
-            </a:p>
-          </p:txBody>
-        </p:sp>
-      </p:grpSp>
+              </a:rPr>
+              <a:t>Plots</a:t>
+            </a:r>
+          </a:p>
+        </p:txBody>
+      </p:sp>
       <p:grpSp>
         <p:nvGrpSpPr>
           <p:cNvPr id="63" name="Group 62"/>
@@ -4937,7 +4852,7 @@
         <p:grpSpPr>
           <a:xfrm>
             <a:off x="25069800" y="9692640"/>
-            <a:ext cx="6934200" cy="6477000"/>
+            <a:ext cx="6934200" cy="6080760"/>
             <a:chOff x="914400" y="3145536"/>
             <a:chExt cx="6934200" cy="6477000"/>
           </a:xfrm>
@@ -5143,8 +5058,8 @@
           </a:prstGeom>
         </p:spPr>
       </p:pic>
-      <mc:AlternateContent xmlns:mc="http://schemas.openxmlformats.org/markup-compatibility/2006">
-        <mc:Choice xmlns:a14="http://schemas.microsoft.com/office/drawing/2010/main" Requires="a14">
+      <mc:AlternateContent xmlns:mc="http://schemas.openxmlformats.org/markup-compatibility/2006" xmlns:a14="http://schemas.microsoft.com/office/drawing/2010/main">
+        <mc:Choice Requires="a14">
           <p:sp>
             <p:nvSpPr>
               <p:cNvPr id="10" name="TextBox 9">
@@ -5362,7 +5277,7 @@
             </p:txBody>
           </p:sp>
         </mc:Choice>
-        <mc:Fallback>
+        <mc:Fallback xmlns="">
           <p:sp>
             <p:nvSpPr>
               <p:cNvPr id="10" name="TextBox 9">
@@ -5471,7 +5386,7 @@
             <p:spPr>
               <a:xfrm>
                 <a:off x="1143000" y="10744200"/>
-                <a:ext cx="6553200" cy="1885453"/>
+                <a:ext cx="6553200" cy="4279248"/>
               </a:xfrm>
               <a:prstGeom prst="rect">
                 <a:avLst/>
@@ -5489,7 +5404,7 @@
                   <a:buChar char="•"/>
                 </a:pPr>
                 <a:r>
-                  <a:rPr lang="en-US" dirty="0"/>
+                  <a:rPr lang="en-US" dirty="0" smtClean="0"/>
                   <a:t>Keplerian Elements at epoch:</a:t>
                 </a:r>
               </a:p>
@@ -5799,6 +5714,366 @@
                     </m:d>
                   </m:oMath>
                 </a14:m>
+                <a:endParaRPr lang="en-US" dirty="0" smtClean="0"/>
+              </a:p>
+              <a:p>
+                <a:pPr marL="742950" lvl="1" indent="-285750">
+                  <a:buFont typeface="Arial" panose="020B0604020202020204" pitchFamily="34" charset="0"/>
+                  <a:buChar char="•"/>
+                </a:pPr>
+                <a:endParaRPr lang="en-US" dirty="0" smtClean="0"/>
+              </a:p>
+              <a:p>
+                <a:pPr marL="742950" lvl="1" indent="-285750">
+                  <a:buFont typeface="Arial" panose="020B0604020202020204" pitchFamily="34" charset="0"/>
+                  <a:buChar char="•"/>
+                </a:pPr>
+                <a:endParaRPr lang="en-US" dirty="0"/>
+              </a:p>
+              <a:p>
+                <a:pPr marL="285750" indent="-285750">
+                  <a:buFont typeface="Arial" panose="020B0604020202020204" pitchFamily="34" charset="0"/>
+                  <a:buChar char="•"/>
+                </a:pPr>
+                <a:r>
+                  <a:rPr lang="en-US" dirty="0" err="1" smtClean="0"/>
+                  <a:t>Keplerian</a:t>
+                </a:r>
+                <a:r>
+                  <a:rPr lang="en-US" dirty="0" smtClean="0"/>
+                  <a:t> Elements after 30 days of decay:</a:t>
+                </a:r>
+              </a:p>
+              <a:p>
+                <a:pPr marL="742950" lvl="1" indent="-285750">
+                  <a:buFont typeface="Arial" panose="020B0604020202020204" pitchFamily="34" charset="0"/>
+                  <a:buChar char="•"/>
+                </a:pPr>
+                <a14:m>
+                  <m:oMath xmlns:m="http://schemas.openxmlformats.org/officeDocument/2006/math">
+                    <m:d>
+                      <m:dPr>
+                        <m:begChr m:val="["/>
+                        <m:endChr m:val="]"/>
+                        <m:ctrlPr>
+                          <a:rPr lang="en-US" i="1">
+                            <a:latin typeface="Cambria Math" panose="02040503050406030204" pitchFamily="18" charset="0"/>
+                          </a:rPr>
+                        </m:ctrlPr>
+                      </m:dPr>
+                      <m:e>
+                        <m:m>
+                          <m:mPr>
+                            <m:mcs>
+                              <m:mc>
+                                <m:mcPr>
+                                  <m:count m:val="1"/>
+                                  <m:mcJc m:val="center"/>
+                                </m:mcPr>
+                              </m:mc>
+                            </m:mcs>
+                            <m:ctrlPr>
+                              <a:rPr lang="en-US" i="1">
+                                <a:latin typeface="Cambria Math" panose="02040503050406030204" pitchFamily="18" charset="0"/>
+                              </a:rPr>
+                            </m:ctrlPr>
+                          </m:mPr>
+                          <m:mr>
+                            <m:e>
+                              <m:m>
+                                <m:mPr>
+                                  <m:mcs>
+                                    <m:mc>
+                                      <m:mcPr>
+                                        <m:count m:val="1"/>
+                                        <m:mcJc m:val="center"/>
+                                      </m:mcPr>
+                                    </m:mc>
+                                  </m:mcs>
+                                  <m:ctrlPr>
+                                    <a:rPr lang="en-US" i="1">
+                                      <a:latin typeface="Cambria Math" panose="02040503050406030204" pitchFamily="18" charset="0"/>
+                                    </a:rPr>
+                                  </m:ctrlPr>
+                                </m:mPr>
+                                <m:mr>
+                                  <m:e>
+                                    <m:r>
+                                      <m:rPr>
+                                        <m:brk m:alnAt="7"/>
+                                      </m:rPr>
+                                      <a:rPr lang="en-US" i="1">
+                                        <a:latin typeface="Cambria Math" panose="02040503050406030204" pitchFamily="18" charset="0"/>
+                                      </a:rPr>
+                                      <m:t>𝑎</m:t>
+                                    </m:r>
+                                  </m:e>
+                                </m:mr>
+                                <m:mr>
+                                  <m:e>
+                                    <m:r>
+                                      <a:rPr lang="en-US" i="1">
+                                        <a:latin typeface="Cambria Math" panose="02040503050406030204" pitchFamily="18" charset="0"/>
+                                      </a:rPr>
+                                      <m:t>𝑒</m:t>
+                                    </m:r>
+                                  </m:e>
+                                </m:mr>
+                                <m:mr>
+                                  <m:e>
+                                    <m:r>
+                                      <a:rPr lang="en-US" i="1">
+                                        <a:latin typeface="Cambria Math" panose="02040503050406030204" pitchFamily="18" charset="0"/>
+                                      </a:rPr>
+                                      <m:t>𝑖</m:t>
+                                    </m:r>
+                                  </m:e>
+                                </m:mr>
+                              </m:m>
+                            </m:e>
+                          </m:mr>
+                          <m:mr>
+                            <m:e>
+                              <m:m>
+                                <m:mPr>
+                                  <m:mcs>
+                                    <m:mc>
+                                      <m:mcPr>
+                                        <m:count m:val="1"/>
+                                        <m:mcJc m:val="center"/>
+                                      </m:mcPr>
+                                    </m:mc>
+                                  </m:mcs>
+                                  <m:ctrlPr>
+                                    <a:rPr lang="en-US" i="1">
+                                      <a:latin typeface="Cambria Math" panose="02040503050406030204" pitchFamily="18" charset="0"/>
+                                    </a:rPr>
+                                  </m:ctrlPr>
+                                </m:mPr>
+                                <m:mr>
+                                  <m:e>
+                                    <m:r>
+                                      <m:rPr>
+                                        <m:sty m:val="p"/>
+                                        <m:brk m:alnAt="7"/>
+                                      </m:rPr>
+                                      <a:rPr lang="el-GR" i="1">
+                                        <a:latin typeface="Cambria Math" panose="02040503050406030204" pitchFamily="18" charset="0"/>
+                                        <a:ea typeface="Cambria Math" panose="02040503050406030204" pitchFamily="18" charset="0"/>
+                                      </a:rPr>
+                                      <m:t>Ω</m:t>
+                                    </m:r>
+                                  </m:e>
+                                </m:mr>
+                                <m:mr>
+                                  <m:e>
+                                    <m:r>
+                                      <a:rPr lang="en-US" i="1">
+                                        <a:latin typeface="Cambria Math" panose="02040503050406030204" pitchFamily="18" charset="0"/>
+                                        <a:ea typeface="Cambria Math" panose="02040503050406030204" pitchFamily="18" charset="0"/>
+                                      </a:rPr>
+                                      <m:t>𝜔</m:t>
+                                    </m:r>
+                                  </m:e>
+                                </m:mr>
+                                <m:mr>
+                                  <m:e>
+                                    <m:r>
+                                      <a:rPr lang="en-US" i="1">
+                                        <a:latin typeface="Cambria Math" panose="02040503050406030204" pitchFamily="18" charset="0"/>
+                                      </a:rPr>
+                                      <m:t>𝑓</m:t>
+                                    </m:r>
+                                  </m:e>
+                                </m:mr>
+                              </m:m>
+                            </m:e>
+                          </m:mr>
+                        </m:m>
+                      </m:e>
+                    </m:d>
+                    <m:r>
+                      <a:rPr lang="en-US" i="1">
+                        <a:latin typeface="Cambria Math" panose="02040503050406030204" pitchFamily="18" charset="0"/>
+                      </a:rPr>
+                      <m:t>=</m:t>
+                    </m:r>
+                    <m:d>
+                      <m:dPr>
+                        <m:begChr m:val="["/>
+                        <m:endChr m:val="]"/>
+                        <m:ctrlPr>
+                          <a:rPr lang="en-US" i="1">
+                            <a:latin typeface="Cambria Math" panose="02040503050406030204" pitchFamily="18" charset="0"/>
+                          </a:rPr>
+                        </m:ctrlPr>
+                      </m:dPr>
+                      <m:e>
+                        <m:m>
+                          <m:mPr>
+                            <m:mcs>
+                              <m:mc>
+                                <m:mcPr>
+                                  <m:count m:val="1"/>
+                                  <m:mcJc m:val="center"/>
+                                </m:mcPr>
+                              </m:mc>
+                            </m:mcs>
+                            <m:ctrlPr>
+                              <a:rPr lang="en-US" i="1">
+                                <a:latin typeface="Cambria Math" panose="02040503050406030204" pitchFamily="18" charset="0"/>
+                              </a:rPr>
+                            </m:ctrlPr>
+                          </m:mPr>
+                          <m:mr>
+                            <m:e>
+                              <m:m>
+                                <m:mPr>
+                                  <m:mcs>
+                                    <m:mc>
+                                      <m:mcPr>
+                                        <m:count m:val="1"/>
+                                        <m:mcJc m:val="center"/>
+                                      </m:mcPr>
+                                    </m:mc>
+                                  </m:mcs>
+                                  <m:ctrlPr>
+                                    <a:rPr lang="en-US" i="1">
+                                      <a:latin typeface="Cambria Math" panose="02040503050406030204" pitchFamily="18" charset="0"/>
+                                    </a:rPr>
+                                  </m:ctrlPr>
+                                </m:mPr>
+                                <m:mr>
+                                  <m:e>
+                                    <m:r>
+                                      <m:rPr>
+                                        <m:brk m:alnAt="7"/>
+                                      </m:rPr>
+                                      <a:rPr lang="en-US" i="1">
+                                        <a:latin typeface="Cambria Math" panose="02040503050406030204" pitchFamily="18" charset="0"/>
+                                      </a:rPr>
+                                      <m:t>6</m:t>
+                                    </m:r>
+                                    <m:r>
+                                      <a:rPr lang="en-US" i="1">
+                                        <a:latin typeface="Cambria Math" panose="02040503050406030204" pitchFamily="18" charset="0"/>
+                                      </a:rPr>
+                                      <m:t>6</m:t>
+                                    </m:r>
+                                    <m:r>
+                                      <a:rPr lang="en-US" b="0" i="1" smtClean="0">
+                                        <a:latin typeface="Cambria Math" panose="02040503050406030204" pitchFamily="18" charset="0"/>
+                                      </a:rPr>
+                                      <m:t>45</m:t>
+                                    </m:r>
+                                    <m:r>
+                                      <a:rPr lang="en-US" i="1">
+                                        <a:latin typeface="Cambria Math" panose="02040503050406030204" pitchFamily="18" charset="0"/>
+                                      </a:rPr>
+                                      <m:t>.</m:t>
+                                    </m:r>
+                                    <m:r>
+                                      <a:rPr lang="en-US" b="0" i="1" smtClean="0">
+                                        <a:latin typeface="Cambria Math" panose="02040503050406030204" pitchFamily="18" charset="0"/>
+                                      </a:rPr>
+                                      <m:t>829</m:t>
+                                    </m:r>
+                                  </m:e>
+                                </m:mr>
+                                <m:mr>
+                                  <m:e>
+                                    <m:r>
+                                      <a:rPr lang="en-US" i="1">
+                                        <a:latin typeface="Cambria Math" panose="02040503050406030204" pitchFamily="18" charset="0"/>
+                                      </a:rPr>
+                                      <m:t>.002</m:t>
+                                    </m:r>
+                                    <m:r>
+                                      <a:rPr lang="en-US" b="0" i="1" smtClean="0">
+                                        <a:latin typeface="Cambria Math" panose="02040503050406030204" pitchFamily="18" charset="0"/>
+                                      </a:rPr>
+                                      <m:t>069</m:t>
+                                    </m:r>
+                                  </m:e>
+                                </m:mr>
+                                <m:mr>
+                                  <m:e>
+                                    <m:r>
+                                      <a:rPr lang="en-US" i="1">
+                                        <a:latin typeface="Cambria Math" panose="02040503050406030204" pitchFamily="18" charset="0"/>
+                                      </a:rPr>
+                                      <m:t>42.7</m:t>
+                                    </m:r>
+                                    <m:r>
+                                      <a:rPr lang="en-US" b="0" i="1" smtClean="0">
+                                        <a:latin typeface="Cambria Math" panose="02040503050406030204" pitchFamily="18" charset="0"/>
+                                      </a:rPr>
+                                      <m:t>32</m:t>
+                                    </m:r>
+                                  </m:e>
+                                </m:mr>
+                              </m:m>
+                            </m:e>
+                          </m:mr>
+                          <m:mr>
+                            <m:e>
+                              <m:m>
+                                <m:mPr>
+                                  <m:mcs>
+                                    <m:mc>
+                                      <m:mcPr>
+                                        <m:count m:val="1"/>
+                                        <m:mcJc m:val="center"/>
+                                      </m:mcPr>
+                                    </m:mc>
+                                  </m:mcs>
+                                  <m:ctrlPr>
+                                    <a:rPr lang="en-US" i="1">
+                                      <a:latin typeface="Cambria Math" panose="02040503050406030204" pitchFamily="18" charset="0"/>
+                                    </a:rPr>
+                                  </m:ctrlPr>
+                                </m:mPr>
+                                <m:mr>
+                                  <m:e>
+                                    <m:r>
+                                      <m:rPr>
+                                        <m:brk m:alnAt="7"/>
+                                      </m:rPr>
+                                      <a:rPr lang="en-US" b="0" i="1" smtClean="0">
+                                        <a:latin typeface="Cambria Math" panose="02040503050406030204" pitchFamily="18" charset="0"/>
+                                      </a:rPr>
+                                      <m:t>156.2116</m:t>
+                                    </m:r>
+                                  </m:e>
+                                </m:mr>
+                                <m:mr>
+                                  <m:e>
+                                    <m:r>
+                                      <a:rPr lang="en-US" b="0" i="1" smtClean="0">
+                                        <a:latin typeface="Cambria Math" panose="02040503050406030204" pitchFamily="18" charset="0"/>
+                                      </a:rPr>
+                                      <m:t>8.1985</m:t>
+                                    </m:r>
+                                  </m:e>
+                                </m:mr>
+                                <m:mr>
+                                  <m:e>
+                                    <m:r>
+                                      <a:rPr lang="en-US" b="0" i="1" smtClean="0">
+                                        <a:latin typeface="Cambria Math" panose="02040503050406030204" pitchFamily="18" charset="0"/>
+                                      </a:rPr>
+                                      <m:t>80.7678</m:t>
+                                    </m:r>
+                                  </m:e>
+                                </m:mr>
+                              </m:m>
+                            </m:e>
+                          </m:mr>
+                        </m:m>
+                      </m:e>
+                    </m:d>
+                  </m:oMath>
+                </a14:m>
                 <a:endParaRPr lang="en-US" dirty="0"/>
               </a:p>
             </p:txBody>
@@ -5822,7 +6097,7 @@
             <p:spPr>
               <a:xfrm>
                 <a:off x="1143000" y="10744200"/>
-                <a:ext cx="6553200" cy="1885453"/>
+                <a:ext cx="6553200" cy="4279248"/>
               </a:xfrm>
               <a:prstGeom prst="rect">
                 <a:avLst/>
@@ -5830,7 +6105,7 @@
               <a:blipFill>
                 <a:blip r:embed="rId6"/>
                 <a:stretch>
-                  <a:fillRect l="-651" t="-1942"/>
+                  <a:fillRect l="-651" t="-856"/>
                 </a:stretch>
               </a:blipFill>
             </p:spPr>
@@ -5863,7 +6138,7 @@
         </p:nvSpPr>
         <p:spPr>
           <a:xfrm>
-            <a:off x="9372600" y="10765012"/>
+            <a:off x="9236710" y="11409708"/>
             <a:ext cx="6309360" cy="2585323"/>
           </a:xfrm>
           <a:prstGeom prst="rect">
@@ -5968,6 +6243,565 @@
               <a:rPr lang="en-US" dirty="0"/>
               <a:t>Describe how to use our code…..</a:t>
             </a:r>
+          </a:p>
+        </p:txBody>
+      </p:sp>
+      <mc:AlternateContent xmlns:mc="http://schemas.openxmlformats.org/markup-compatibility/2006">
+        <mc:Choice xmlns:a14="http://schemas.microsoft.com/office/drawing/2010/main" Requires="a14">
+          <p:sp>
+            <p:nvSpPr>
+              <p:cNvPr id="13" name="TextBox 12"/>
+              <p:cNvSpPr txBox="1"/>
+              <p:nvPr/>
+            </p:nvSpPr>
+            <p:spPr>
+              <a:xfrm>
+                <a:off x="9227820" y="4115728"/>
+                <a:ext cx="6629400" cy="6220421"/>
+              </a:xfrm>
+              <a:prstGeom prst="rect">
+                <a:avLst/>
+              </a:prstGeom>
+              <a:noFill/>
+            </p:spPr>
+            <p:txBody>
+              <a:bodyPr wrap="square" rtlCol="0">
+                <a:spAutoFit/>
+              </a:bodyPr>
+              <a:lstStyle/>
+              <a:p>
+                <a:pPr marL="285750" indent="-285750">
+                  <a:buFont typeface="Arial" panose="020B0604020202020204" pitchFamily="34" charset="0"/>
+                  <a:buChar char="•"/>
+                </a:pPr>
+                <a:r>
+                  <a:rPr lang="en-US" dirty="0" smtClean="0"/>
+                  <a:t>The decayed and desired orbits were propagated for orbit each.</a:t>
+                </a:r>
+              </a:p>
+              <a:p>
+                <a:pPr marL="742950" lvl="1" indent="-285750">
+                  <a:buFont typeface="Arial" panose="020B0604020202020204" pitchFamily="34" charset="0"/>
+                  <a:buChar char="•"/>
+                </a:pPr>
+                <a:r>
+                  <a:rPr lang="en-US" dirty="0" smtClean="0"/>
+                  <a:t>The true anomaly of the starting and end points were varied over the range of 0 to 2</a:t>
+                </a:r>
+                <a:r>
+                  <a:rPr lang="el-GR" dirty="0" smtClean="0"/>
+                  <a:t>π</a:t>
+                </a:r>
+                <a:r>
+                  <a:rPr lang="en-US" dirty="0" smtClean="0"/>
+                  <a:t>.</a:t>
+                </a:r>
+              </a:p>
+              <a:p>
+                <a:pPr marL="285750" indent="-285750">
+                  <a:buFont typeface="Arial" panose="020B0604020202020204" pitchFamily="34" charset="0"/>
+                  <a:buChar char="•"/>
+                </a:pPr>
+                <a:r>
+                  <a:rPr lang="en-US" dirty="0" smtClean="0"/>
+                  <a:t>The time of flight (TOF) between the points was varied over roughly 0 to 3 orbital periods (1.5 to 4.5 hours).</a:t>
+                </a:r>
+              </a:p>
+              <a:p>
+                <a:pPr marL="285750" indent="-285750">
+                  <a:buFont typeface="Arial" panose="020B0604020202020204" pitchFamily="34" charset="0"/>
+                  <a:buChar char="•"/>
+                </a:pPr>
+                <a:endParaRPr lang="en-US" dirty="0"/>
+              </a:p>
+              <a:p>
+                <a:pPr marL="285750" indent="-285750">
+                  <a:buFont typeface="Arial" panose="020B0604020202020204" pitchFamily="34" charset="0"/>
+                  <a:buChar char="•"/>
+                </a:pPr>
+                <a:r>
+                  <a:rPr lang="en-US" dirty="0" smtClean="0"/>
+                  <a:t>At each point in space, a set of initial and final position vectors are generated.</a:t>
+                </a:r>
+              </a:p>
+              <a:p>
+                <a:pPr marL="742950" lvl="1" indent="-285750">
+                  <a:buFont typeface="Arial" panose="020B0604020202020204" pitchFamily="34" charset="0"/>
+                  <a:buChar char="•"/>
+                </a:pPr>
+                <a:r>
+                  <a:rPr lang="en-US" dirty="0" smtClean="0"/>
+                  <a:t>These vectors along with the time of flight are fed into a Lambert Solver (via </a:t>
+                </a:r>
+                <a:r>
+                  <a:rPr lang="en-US" dirty="0" err="1" smtClean="0"/>
+                  <a:t>Izzo</a:t>
+                </a:r>
+                <a:r>
+                  <a:rPr lang="en-US" dirty="0" smtClean="0"/>
+                  <a:t> and Lancaster, Blanchard &amp; Gooding) to find the corresponding velocities to the arc between them.</a:t>
+                </a:r>
+              </a:p>
+              <a:p>
+                <a:pPr marL="285750" indent="-285750">
+                  <a:buFont typeface="Arial" panose="020B0604020202020204" pitchFamily="34" charset="0"/>
+                  <a:buChar char="•"/>
+                </a:pPr>
+                <a:r>
+                  <a:rPr lang="en-US" dirty="0" smtClean="0"/>
+                  <a:t>The resulting velocities were subtracted from the orbital velocity at the corresponding point in the orbit:</a:t>
+                </a:r>
+              </a:p>
+              <a:p>
+                <a:pPr marL="742950" lvl="1" indent="-285750">
+                  <a:buFont typeface="Arial" panose="020B0604020202020204" pitchFamily="34" charset="0"/>
+                  <a:buChar char="•"/>
+                </a:pPr>
+                <a14:m>
+                  <m:oMath xmlns:m="http://schemas.openxmlformats.org/officeDocument/2006/math">
+                    <m:sSub>
+                      <m:sSubPr>
+                        <m:ctrlPr>
+                          <a:rPr lang="en-US" b="0" i="1" smtClean="0">
+                            <a:latin typeface="Cambria Math" panose="02040503050406030204" pitchFamily="18" charset="0"/>
+                          </a:rPr>
+                        </m:ctrlPr>
+                      </m:sSubPr>
+                      <m:e>
+                        <m:r>
+                          <a:rPr lang="en-US" b="0" i="1" smtClean="0">
+                            <a:latin typeface="Cambria Math" panose="02040503050406030204" pitchFamily="18" charset="0"/>
+                          </a:rPr>
+                          <m:t>𝑑𝑉</m:t>
+                        </m:r>
+                      </m:e>
+                      <m:sub>
+                        <m:r>
+                          <a:rPr lang="en-US" b="0" i="1" smtClean="0">
+                            <a:latin typeface="Cambria Math" panose="02040503050406030204" pitchFamily="18" charset="0"/>
+                          </a:rPr>
+                          <m:t>1</m:t>
+                        </m:r>
+                      </m:sub>
+                    </m:sSub>
+                    <m:r>
+                      <a:rPr lang="en-US" b="0" i="1" smtClean="0">
+                        <a:latin typeface="Cambria Math" panose="02040503050406030204" pitchFamily="18" charset="0"/>
+                      </a:rPr>
+                      <m:t>= </m:t>
+                    </m:r>
+                    <m:sSub>
+                      <m:sSubPr>
+                        <m:ctrlPr>
+                          <a:rPr lang="en-US" b="0" i="1" smtClean="0">
+                            <a:latin typeface="Cambria Math" panose="02040503050406030204" pitchFamily="18" charset="0"/>
+                          </a:rPr>
+                        </m:ctrlPr>
+                      </m:sSubPr>
+                      <m:e>
+                        <m:r>
+                          <a:rPr lang="en-US" b="0" i="1" smtClean="0">
+                            <a:latin typeface="Cambria Math" panose="02040503050406030204" pitchFamily="18" charset="0"/>
+                          </a:rPr>
+                          <m:t>𝑉</m:t>
+                        </m:r>
+                      </m:e>
+                      <m:sub>
+                        <m:r>
+                          <a:rPr lang="en-US" b="0" i="1" smtClean="0">
+                            <a:latin typeface="Cambria Math" panose="02040503050406030204" pitchFamily="18" charset="0"/>
+                          </a:rPr>
+                          <m:t>1,</m:t>
+                        </m:r>
+                        <m:r>
+                          <a:rPr lang="en-US" b="0" i="1" smtClean="0">
+                            <a:latin typeface="Cambria Math" panose="02040503050406030204" pitchFamily="18" charset="0"/>
+                          </a:rPr>
+                          <m:t>𝐿𝑎𝑚𝑏𝑒𝑟𝑡</m:t>
+                        </m:r>
+                      </m:sub>
+                    </m:sSub>
+                    <m:r>
+                      <a:rPr lang="en-US" b="0" i="1" smtClean="0">
+                        <a:latin typeface="Cambria Math" panose="02040503050406030204" pitchFamily="18" charset="0"/>
+                      </a:rPr>
+                      <m:t>−</m:t>
+                    </m:r>
+                    <m:sSub>
+                      <m:sSubPr>
+                        <m:ctrlPr>
+                          <a:rPr lang="en-US" b="0" i="1" smtClean="0">
+                            <a:latin typeface="Cambria Math" panose="02040503050406030204" pitchFamily="18" charset="0"/>
+                          </a:rPr>
+                        </m:ctrlPr>
+                      </m:sSubPr>
+                      <m:e>
+                        <m:r>
+                          <a:rPr lang="en-US" b="0" i="1" smtClean="0">
+                            <a:latin typeface="Cambria Math" panose="02040503050406030204" pitchFamily="18" charset="0"/>
+                          </a:rPr>
+                          <m:t>𝑉</m:t>
+                        </m:r>
+                      </m:e>
+                      <m:sub>
+                        <m:r>
+                          <a:rPr lang="en-US" b="0" i="1" smtClean="0">
+                            <a:latin typeface="Cambria Math" panose="02040503050406030204" pitchFamily="18" charset="0"/>
+                          </a:rPr>
+                          <m:t>𝐷𝑒𝑐𝑎𝑦𝑒𝑑</m:t>
+                        </m:r>
+                      </m:sub>
+                    </m:sSub>
+                  </m:oMath>
+                </a14:m>
+                <a:endParaRPr lang="en-US" b="0" dirty="0" smtClean="0"/>
+              </a:p>
+              <a:p>
+                <a:pPr marL="742950" lvl="1" indent="-285750">
+                  <a:buFont typeface="Arial" panose="020B0604020202020204" pitchFamily="34" charset="0"/>
+                  <a:buChar char="•"/>
+                </a:pPr>
+                <a14:m>
+                  <m:oMath xmlns:m="http://schemas.openxmlformats.org/officeDocument/2006/math">
+                    <m:sSub>
+                      <m:sSubPr>
+                        <m:ctrlPr>
+                          <a:rPr lang="en-US" i="1">
+                            <a:latin typeface="Cambria Math" panose="02040503050406030204" pitchFamily="18" charset="0"/>
+                          </a:rPr>
+                        </m:ctrlPr>
+                      </m:sSubPr>
+                      <m:e>
+                        <m:r>
+                          <a:rPr lang="en-US" i="1">
+                            <a:latin typeface="Cambria Math" panose="02040503050406030204" pitchFamily="18" charset="0"/>
+                          </a:rPr>
+                          <m:t>𝑑𝑉</m:t>
+                        </m:r>
+                      </m:e>
+                      <m:sub>
+                        <m:r>
+                          <a:rPr lang="en-US" b="0" i="1" smtClean="0">
+                            <a:latin typeface="Cambria Math" panose="02040503050406030204" pitchFamily="18" charset="0"/>
+                          </a:rPr>
+                          <m:t>2</m:t>
+                        </m:r>
+                      </m:sub>
+                    </m:sSub>
+                    <m:r>
+                      <a:rPr lang="en-US" i="1">
+                        <a:latin typeface="Cambria Math" panose="02040503050406030204" pitchFamily="18" charset="0"/>
+                      </a:rPr>
+                      <m:t>= </m:t>
+                    </m:r>
+                    <m:sSub>
+                      <m:sSubPr>
+                        <m:ctrlPr>
+                          <a:rPr lang="en-US" i="1">
+                            <a:latin typeface="Cambria Math" panose="02040503050406030204" pitchFamily="18" charset="0"/>
+                          </a:rPr>
+                        </m:ctrlPr>
+                      </m:sSubPr>
+                      <m:e>
+                        <m:r>
+                          <a:rPr lang="en-US" i="1">
+                            <a:latin typeface="Cambria Math" panose="02040503050406030204" pitchFamily="18" charset="0"/>
+                          </a:rPr>
+                          <m:t>𝑉</m:t>
+                        </m:r>
+                      </m:e>
+                      <m:sub>
+                        <m:r>
+                          <a:rPr lang="en-US" b="0" i="1" smtClean="0">
+                            <a:latin typeface="Cambria Math" panose="02040503050406030204" pitchFamily="18" charset="0"/>
+                          </a:rPr>
+                          <m:t>2</m:t>
+                        </m:r>
+                        <m:r>
+                          <a:rPr lang="en-US" i="1">
+                            <a:latin typeface="Cambria Math" panose="02040503050406030204" pitchFamily="18" charset="0"/>
+                          </a:rPr>
+                          <m:t>,</m:t>
+                        </m:r>
+                        <m:r>
+                          <a:rPr lang="en-US" i="1">
+                            <a:latin typeface="Cambria Math" panose="02040503050406030204" pitchFamily="18" charset="0"/>
+                          </a:rPr>
+                          <m:t>𝐿𝑎𝑚𝑏𝑒𝑟𝑡</m:t>
+                        </m:r>
+                      </m:sub>
+                    </m:sSub>
+                    <m:r>
+                      <a:rPr lang="en-US" i="1">
+                        <a:latin typeface="Cambria Math" panose="02040503050406030204" pitchFamily="18" charset="0"/>
+                      </a:rPr>
+                      <m:t>−</m:t>
+                    </m:r>
+                    <m:sSub>
+                      <m:sSubPr>
+                        <m:ctrlPr>
+                          <a:rPr lang="en-US" i="1">
+                            <a:latin typeface="Cambria Math" panose="02040503050406030204" pitchFamily="18" charset="0"/>
+                          </a:rPr>
+                        </m:ctrlPr>
+                      </m:sSubPr>
+                      <m:e>
+                        <m:r>
+                          <a:rPr lang="en-US" i="1">
+                            <a:latin typeface="Cambria Math" panose="02040503050406030204" pitchFamily="18" charset="0"/>
+                          </a:rPr>
+                          <m:t>𝑉</m:t>
+                        </m:r>
+                      </m:e>
+                      <m:sub>
+                        <m:r>
+                          <a:rPr lang="en-US" b="0" i="1" smtClean="0">
+                            <a:latin typeface="Cambria Math" panose="02040503050406030204" pitchFamily="18" charset="0"/>
+                          </a:rPr>
+                          <m:t>𝐷𝑒𝑠𝑖𝑟𝑒𝑑</m:t>
+                        </m:r>
+                      </m:sub>
+                    </m:sSub>
+                  </m:oMath>
+                </a14:m>
+                <a:endParaRPr lang="en-US" dirty="0" smtClean="0"/>
+              </a:p>
+              <a:p>
+                <a:pPr marL="285750" indent="-285750">
+                  <a:buFont typeface="Arial" panose="020B0604020202020204" pitchFamily="34" charset="0"/>
+                  <a:buChar char="•"/>
+                </a:pPr>
+                <a:endParaRPr lang="en-US" dirty="0"/>
+              </a:p>
+              <a:p>
+                <a:pPr marL="285750" indent="-285750">
+                  <a:buFont typeface="Arial" panose="020B0604020202020204" pitchFamily="34" charset="0"/>
+                  <a:buChar char="•"/>
+                </a:pPr>
+                <a:r>
+                  <a:rPr lang="en-US" dirty="0" smtClean="0"/>
+                  <a:t>These impulsive delta velocities were stored, and the combination of their magnitudes were used as a cost function. </a:t>
+                </a:r>
+              </a:p>
+              <a:p>
+                <a:pPr marL="285750" indent="-285750">
+                  <a:buFont typeface="Arial" panose="020B0604020202020204" pitchFamily="34" charset="0"/>
+                  <a:buChar char="•"/>
+                </a:pPr>
+                <a:r>
+                  <a:rPr lang="en-US" dirty="0" smtClean="0"/>
+                  <a:t>After searching over the entire design space, the search mesh was refined iteratively to enclose a smaller region of design space, until a suitable convergence was reached. </a:t>
+                </a:r>
+                <a:endParaRPr lang="en-US" dirty="0"/>
+              </a:p>
+            </p:txBody>
+          </p:sp>
+        </mc:Choice>
+        <mc:Fallback>
+          <p:sp>
+            <p:nvSpPr>
+              <p:cNvPr id="13" name="TextBox 12"/>
+              <p:cNvSpPr txBox="1">
+                <a:spLocks noRot="1" noChangeAspect="1" noMove="1" noResize="1" noEditPoints="1" noAdjustHandles="1" noChangeArrowheads="1" noChangeShapeType="1" noTextEdit="1"/>
+              </p:cNvSpPr>
+              <p:nvPr/>
+            </p:nvSpPr>
+            <p:spPr>
+              <a:xfrm>
+                <a:off x="9227820" y="4115728"/>
+                <a:ext cx="6629400" cy="6220421"/>
+              </a:xfrm>
+              <a:prstGeom prst="rect">
+                <a:avLst/>
+              </a:prstGeom>
+              <a:blipFill>
+                <a:blip r:embed="rId7"/>
+                <a:stretch>
+                  <a:fillRect l="-644" t="-490" r="-1380" b="-588"/>
+                </a:stretch>
+              </a:blipFill>
+            </p:spPr>
+            <p:txBody>
+              <a:bodyPr/>
+              <a:lstStyle/>
+              <a:p>
+                <a:r>
+                  <a:rPr lang="en-US">
+                    <a:noFill/>
+                  </a:rPr>
+                  <a:t> </a:t>
+                </a:r>
+              </a:p>
+            </p:txBody>
+          </p:sp>
+        </mc:Fallback>
+      </mc:AlternateContent>
+      <p:sp>
+        <p:nvSpPr>
+          <p:cNvPr id="17" name="TextBox 16"/>
+          <p:cNvSpPr txBox="1"/>
+          <p:nvPr/>
+        </p:nvSpPr>
+        <p:spPr>
+          <a:xfrm>
+            <a:off x="17072610" y="4130040"/>
+            <a:ext cx="6633210" cy="3693319"/>
+          </a:xfrm>
+          <a:prstGeom prst="rect">
+            <a:avLst/>
+          </a:prstGeom>
+          <a:noFill/>
+        </p:spPr>
+        <p:txBody>
+          <a:bodyPr wrap="square" rtlCol="0">
+            <a:spAutoFit/>
+          </a:bodyPr>
+          <a:lstStyle/>
+          <a:p>
+            <a:r>
+              <a:rPr lang="en-US" dirty="0" smtClean="0"/>
+              <a:t>Minimum </a:t>
+            </a:r>
+            <a:r>
+              <a:rPr lang="en-US" dirty="0"/>
+              <a:t>Burn Cost: 11.3130 km/s </a:t>
+            </a:r>
+            <a:endParaRPr lang="en-US" dirty="0" smtClean="0"/>
+          </a:p>
+          <a:p>
+            <a:endParaRPr lang="en-US" dirty="0"/>
+          </a:p>
+          <a:p>
+            <a:r>
+              <a:rPr lang="en-US" dirty="0" smtClean="0"/>
+              <a:t>Position </a:t>
+            </a:r>
+            <a:r>
+              <a:rPr lang="en-US" dirty="0"/>
+              <a:t>for Burn One: 6263.6924 -2214.1144 -462.3803 km, ECI </a:t>
+            </a:r>
+          </a:p>
+          <a:p>
+            <a:r>
+              <a:rPr lang="en-US" dirty="0" smtClean="0"/>
+              <a:t>Delta </a:t>
+            </a:r>
+            <a:r>
+              <a:rPr lang="en-US" dirty="0"/>
+              <a:t>Velocity, Burn One: 10.6062 km/s </a:t>
+            </a:r>
+            <a:endParaRPr lang="en-US" dirty="0" smtClean="0"/>
+          </a:p>
+          <a:p>
+            <a:endParaRPr lang="en-US" dirty="0"/>
+          </a:p>
+          <a:p>
+            <a:r>
+              <a:rPr lang="en-US" dirty="0" smtClean="0"/>
+              <a:t>Position </a:t>
+            </a:r>
+            <a:r>
+              <a:rPr lang="en-US" dirty="0"/>
+              <a:t>for Burn Two: -4969.7293 3798.6345 2232.9881 km, ECI </a:t>
+            </a:r>
+          </a:p>
+          <a:p>
+            <a:r>
+              <a:rPr lang="en-US" dirty="0" smtClean="0"/>
+              <a:t>Delta </a:t>
+            </a:r>
+            <a:r>
+              <a:rPr lang="en-US" dirty="0"/>
+              <a:t>Velocity, Burn Two: 0.7068 km/s </a:t>
+            </a:r>
+            <a:endParaRPr lang="en-US" dirty="0" smtClean="0"/>
+          </a:p>
+          <a:p>
+            <a:endParaRPr lang="en-US" dirty="0"/>
+          </a:p>
+          <a:p>
+            <a:r>
+              <a:rPr lang="en-US" dirty="0" smtClean="0"/>
+              <a:t>Time </a:t>
+            </a:r>
+            <a:r>
+              <a:rPr lang="en-US" dirty="0"/>
+              <a:t>of Flight: 7750.0334 seconds </a:t>
+            </a:r>
+          </a:p>
+          <a:p>
+            <a:r>
+              <a:rPr lang="en-US" dirty="0" smtClean="0"/>
+              <a:t>True </a:t>
+            </a:r>
+            <a:r>
+              <a:rPr lang="en-US" dirty="0"/>
+              <a:t>Anomaly of First Burn: 3.1010 rad </a:t>
+            </a:r>
+          </a:p>
+          <a:p>
+            <a:r>
+              <a:rPr lang="en-US" dirty="0" smtClean="0"/>
+              <a:t>True </a:t>
+            </a:r>
+            <a:r>
+              <a:rPr lang="en-US" dirty="0"/>
+              <a:t>Anomaly of Second Burn: 0.4520 rad </a:t>
+            </a:r>
+          </a:p>
+          <a:p>
+            <a:r>
+              <a:rPr lang="en-US" dirty="0" smtClean="0"/>
+              <a:t>Burn </a:t>
+            </a:r>
+            <a:r>
+              <a:rPr lang="en-US" dirty="0"/>
+              <a:t>1: 0.02281 -0.01937 10.60612 km/s, ECI </a:t>
+            </a:r>
+          </a:p>
+          <a:p>
+            <a:r>
+              <a:rPr lang="en-US" dirty="0" smtClean="0"/>
+              <a:t>Burn </a:t>
+            </a:r>
+            <a:r>
+              <a:rPr lang="en-US" dirty="0"/>
+              <a:t>2: -0.54520 0.43561 0.11204 km/s, ECI </a:t>
+            </a:r>
+          </a:p>
+        </p:txBody>
+      </p:sp>
+      <p:sp>
+        <p:nvSpPr>
+          <p:cNvPr id="18" name="TextBox 17"/>
+          <p:cNvSpPr txBox="1"/>
+          <p:nvPr/>
+        </p:nvSpPr>
+        <p:spPr>
+          <a:xfrm>
+            <a:off x="25222200" y="4196885"/>
+            <a:ext cx="6629400" cy="646331"/>
+          </a:xfrm>
+          <a:prstGeom prst="rect">
+            <a:avLst/>
+          </a:prstGeom>
+          <a:noFill/>
+        </p:spPr>
+        <p:txBody>
+          <a:bodyPr wrap="square" rtlCol="0">
+            <a:spAutoFit/>
+          </a:bodyPr>
+          <a:lstStyle/>
+          <a:p>
+            <a:pPr marL="285750" indent="-285750">
+              <a:buFont typeface="Arial" panose="020B0604020202020204" pitchFamily="34" charset="0"/>
+              <a:buChar char="•"/>
+            </a:pPr>
+            <a:r>
+              <a:rPr lang="en-US" dirty="0" smtClean="0"/>
+              <a:t>The recovery maneuver had a burn cost of 11.313 km/s and required two different burn events.</a:t>
+            </a:r>
+            <a:endParaRPr lang="en-US" dirty="0"/>
           </a:p>
         </p:txBody>
       </p:sp>
@@ -6789,7 +7623,7 @@
 </file>
 
 <file path=customXml/itemProps2.xml><?xml version="1.0" encoding="utf-8"?>
-<ds:datastoreItem xmlns:ds="http://schemas.openxmlformats.org/officeDocument/2006/customXml" ds:itemID="{BA6C0C64-B176-4C86-99D5-A6070E26EF67}">
+<ds:datastoreItem xmlns:ds="http://schemas.openxmlformats.org/officeDocument/2006/customXml" ds:itemID="{A1EDEAAA-5A8E-4EAC-AACA-6B19275ABF77}">
   <ds:schemaRefs>
     <ds:schemaRef ds:uri="http://www.w3.org/2001/XMLSchema"/>
     <ds:schemaRef ds:uri="http://www.boldonjames.com/2008/01/sie/internal/label"/>

--- a/Poster/Poster Template.pptx
+++ b/Poster/Poster Template.pptx
@@ -211,7 +211,7 @@
           <a:p>
             <a:fld id="{1B47E5ED-7BB7-480E-9ABA-42FB907A65D9}" type="datetimeFigureOut">
               <a:rPr lang="en-US" smtClean="0"/>
-              <a:t>12/6/2018</a:t>
+              <a:t>12/7/2018</a:t>
             </a:fld>
             <a:endParaRPr lang="en-US"/>
           </a:p>
@@ -376,7 +376,7 @@
           <a:p>
             <a:fld id="{CF28E66E-B2C5-4F64-9E97-0389691D7007}" type="datetimeFigureOut">
               <a:rPr lang="en-US" smtClean="0"/>
-              <a:t>12/6/2018</a:t>
+              <a:t>12/7/2018</a:t>
             </a:fld>
             <a:endParaRPr lang="en-US"/>
           </a:p>
@@ -800,7 +800,7 @@
         </p:nvSpPr>
         <p:spPr>
           <a:xfrm>
-            <a:off x="4114800" y="2693671"/>
+            <a:off x="4114800" y="2693672"/>
             <a:ext cx="24688800" cy="5730240"/>
           </a:xfrm>
         </p:spPr>
@@ -843,35 +843,35 @@
               <a:buNone/>
               <a:defRPr sz="5760"/>
             </a:lvl1pPr>
-            <a:lvl2pPr marL="1097280" indent="0" algn="ctr">
+            <a:lvl2pPr marL="1097294" indent="0" algn="ctr">
               <a:buNone/>
               <a:defRPr sz="4800"/>
             </a:lvl2pPr>
-            <a:lvl3pPr marL="2194560" indent="0" algn="ctr">
+            <a:lvl3pPr marL="2194587" indent="0" algn="ctr">
               <a:buNone/>
               <a:defRPr sz="4320"/>
             </a:lvl3pPr>
-            <a:lvl4pPr marL="3291840" indent="0" algn="ctr">
+            <a:lvl4pPr marL="3291882" indent="0" algn="ctr">
               <a:buNone/>
               <a:defRPr sz="3840"/>
             </a:lvl4pPr>
-            <a:lvl5pPr marL="4389120" indent="0" algn="ctr">
+            <a:lvl5pPr marL="4389175" indent="0" algn="ctr">
               <a:buNone/>
               <a:defRPr sz="3840"/>
             </a:lvl5pPr>
-            <a:lvl6pPr marL="5486400" indent="0" algn="ctr">
+            <a:lvl6pPr marL="5486469" indent="0" algn="ctr">
               <a:buNone/>
               <a:defRPr sz="3840"/>
             </a:lvl6pPr>
-            <a:lvl7pPr marL="6583680" indent="0" algn="ctr">
+            <a:lvl7pPr marL="6583762" indent="0" algn="ctr">
               <a:buNone/>
               <a:defRPr sz="3840"/>
             </a:lvl7pPr>
-            <a:lvl8pPr marL="7680960" indent="0" algn="ctr">
+            <a:lvl8pPr marL="7681056" indent="0" algn="ctr">
               <a:buNone/>
               <a:defRPr sz="3840"/>
             </a:lvl8pPr>
-            <a:lvl9pPr marL="8778240" indent="0" algn="ctr">
+            <a:lvl9pPr marL="8778350" indent="0" algn="ctr">
               <a:buNone/>
               <a:defRPr sz="3840"/>
             </a:lvl9pPr>
@@ -902,7 +902,7 @@
           <a:p>
             <a:fld id="{C21A8B2B-5BE1-4832-9D7D-1F1925BEBBFE}" type="datetimeFigureOut">
               <a:rPr lang="en-US" smtClean="0"/>
-              <a:t>12/6/2018</a:t>
+              <a:t>12/7/2018</a:t>
             </a:fld>
             <a:endParaRPr lang="en-US"/>
           </a:p>
@@ -1072,7 +1072,7 @@
           <a:p>
             <a:fld id="{C21A8B2B-5BE1-4832-9D7D-1F1925BEBBFE}" type="datetimeFigureOut">
               <a:rPr lang="en-US" smtClean="0"/>
-              <a:t>12/6/2018</a:t>
+              <a:t>12/7/2018</a:t>
             </a:fld>
             <a:endParaRPr lang="en-US"/>
           </a:p>
@@ -1162,8 +1162,8 @@
         </p:nvSpPr>
         <p:spPr>
           <a:xfrm>
-            <a:off x="23557230" y="876300"/>
-            <a:ext cx="7098030" cy="13948411"/>
+            <a:off x="23557230" y="876301"/>
+            <a:ext cx="7098030" cy="13948412"/>
           </a:xfrm>
         </p:spPr>
         <p:txBody>
@@ -1190,8 +1190,8 @@
         </p:nvSpPr>
         <p:spPr>
           <a:xfrm>
-            <a:off x="2263140" y="876300"/>
-            <a:ext cx="20882610" cy="13948411"/>
+            <a:off x="2263140" y="876301"/>
+            <a:ext cx="20882610" cy="13948412"/>
           </a:xfrm>
         </p:spPr>
         <p:txBody>
@@ -1252,7 +1252,7 @@
           <a:p>
             <a:fld id="{C21A8B2B-5BE1-4832-9D7D-1F1925BEBBFE}" type="datetimeFigureOut">
               <a:rPr lang="en-US" smtClean="0"/>
-              <a:t>12/6/2018</a:t>
+              <a:t>12/7/2018</a:t>
             </a:fld>
             <a:endParaRPr lang="en-US"/>
           </a:p>
@@ -1422,7 +1422,7 @@
           <a:p>
             <a:fld id="{C21A8B2B-5BE1-4832-9D7D-1F1925BEBBFE}" type="datetimeFigureOut">
               <a:rPr lang="en-US" smtClean="0"/>
-              <a:t>12/6/2018</a:t>
+              <a:t>12/7/2018</a:t>
             </a:fld>
             <a:endParaRPr lang="en-US"/>
           </a:p>
@@ -1512,7 +1512,7 @@
         </p:nvSpPr>
         <p:spPr>
           <a:xfrm>
-            <a:off x="2245995" y="4103372"/>
+            <a:off x="2245995" y="4103373"/>
             <a:ext cx="28392120" cy="6846569"/>
           </a:xfrm>
         </p:spPr>
@@ -1544,7 +1544,7 @@
         </p:nvSpPr>
         <p:spPr>
           <a:xfrm>
-            <a:off x="2245995" y="11014712"/>
+            <a:off x="2245995" y="11014714"/>
             <a:ext cx="28392120" cy="3600449"/>
           </a:xfrm>
         </p:spPr>
@@ -1561,7 +1561,7 @@
                 </a:solidFill>
               </a:defRPr>
             </a:lvl1pPr>
-            <a:lvl2pPr marL="1097280" indent="0">
+            <a:lvl2pPr marL="1097294" indent="0">
               <a:buNone/>
               <a:defRPr sz="4800">
                 <a:solidFill>
@@ -1571,7 +1571,7 @@
                 </a:solidFill>
               </a:defRPr>
             </a:lvl2pPr>
-            <a:lvl3pPr marL="2194560" indent="0">
+            <a:lvl3pPr marL="2194587" indent="0">
               <a:buNone/>
               <a:defRPr sz="4320">
                 <a:solidFill>
@@ -1581,7 +1581,7 @@
                 </a:solidFill>
               </a:defRPr>
             </a:lvl3pPr>
-            <a:lvl4pPr marL="3291840" indent="0">
+            <a:lvl4pPr marL="3291882" indent="0">
               <a:buNone/>
               <a:defRPr sz="3840">
                 <a:solidFill>
@@ -1591,7 +1591,7 @@
                 </a:solidFill>
               </a:defRPr>
             </a:lvl4pPr>
-            <a:lvl5pPr marL="4389120" indent="0">
+            <a:lvl5pPr marL="4389175" indent="0">
               <a:buNone/>
               <a:defRPr sz="3840">
                 <a:solidFill>
@@ -1601,7 +1601,7 @@
                 </a:solidFill>
               </a:defRPr>
             </a:lvl5pPr>
-            <a:lvl6pPr marL="5486400" indent="0">
+            <a:lvl6pPr marL="5486469" indent="0">
               <a:buNone/>
               <a:defRPr sz="3840">
                 <a:solidFill>
@@ -1611,7 +1611,7 @@
                 </a:solidFill>
               </a:defRPr>
             </a:lvl6pPr>
-            <a:lvl7pPr marL="6583680" indent="0">
+            <a:lvl7pPr marL="6583762" indent="0">
               <a:buNone/>
               <a:defRPr sz="3840">
                 <a:solidFill>
@@ -1621,7 +1621,7 @@
                 </a:solidFill>
               </a:defRPr>
             </a:lvl7pPr>
-            <a:lvl8pPr marL="7680960" indent="0">
+            <a:lvl8pPr marL="7681056" indent="0">
               <a:buNone/>
               <a:defRPr sz="3840">
                 <a:solidFill>
@@ -1631,7 +1631,7 @@
                 </a:solidFill>
               </a:defRPr>
             </a:lvl8pPr>
-            <a:lvl9pPr marL="8778240" indent="0">
+            <a:lvl9pPr marL="8778350" indent="0">
               <a:buNone/>
               <a:defRPr sz="3840">
                 <a:solidFill>
@@ -1668,7 +1668,7 @@
           <a:p>
             <a:fld id="{C21A8B2B-5BE1-4832-9D7D-1F1925BEBBFE}" type="datetimeFigureOut">
               <a:rPr lang="en-US" smtClean="0"/>
-              <a:t>12/6/2018</a:t>
+              <a:t>12/7/2018</a:t>
             </a:fld>
             <a:endParaRPr lang="en-US"/>
           </a:p>
@@ -1900,7 +1900,7 @@
           <a:p>
             <a:fld id="{C21A8B2B-5BE1-4832-9D7D-1F1925BEBBFE}" type="datetimeFigureOut">
               <a:rPr lang="en-US" smtClean="0"/>
-              <a:t>12/6/2018</a:t>
+              <a:t>12/7/2018</a:t>
             </a:fld>
             <a:endParaRPr lang="en-US"/>
           </a:p>
@@ -1991,7 +1991,7 @@
         <p:spPr>
           <a:xfrm>
             <a:off x="2267428" y="876301"/>
-            <a:ext cx="28392120" cy="3181351"/>
+            <a:ext cx="28392120" cy="3181352"/>
           </a:xfrm>
         </p:spPr>
         <p:txBody>
@@ -2018,7 +2018,7 @@
         </p:nvSpPr>
         <p:spPr>
           <a:xfrm>
-            <a:off x="2267429" y="4034791"/>
+            <a:off x="2267431" y="4034792"/>
             <a:ext cx="13926025" cy="1977389"/>
           </a:xfrm>
         </p:spPr>
@@ -2029,35 +2029,35 @@
               <a:buNone/>
               <a:defRPr sz="5760" b="1"/>
             </a:lvl1pPr>
-            <a:lvl2pPr marL="1097280" indent="0">
+            <a:lvl2pPr marL="1097294" indent="0">
               <a:buNone/>
               <a:defRPr sz="4800" b="1"/>
             </a:lvl2pPr>
-            <a:lvl3pPr marL="2194560" indent="0">
+            <a:lvl3pPr marL="2194587" indent="0">
               <a:buNone/>
               <a:defRPr sz="4320" b="1"/>
             </a:lvl3pPr>
-            <a:lvl4pPr marL="3291840" indent="0">
+            <a:lvl4pPr marL="3291882" indent="0">
               <a:buNone/>
               <a:defRPr sz="3840" b="1"/>
             </a:lvl4pPr>
-            <a:lvl5pPr marL="4389120" indent="0">
+            <a:lvl5pPr marL="4389175" indent="0">
               <a:buNone/>
               <a:defRPr sz="3840" b="1"/>
             </a:lvl5pPr>
-            <a:lvl6pPr marL="5486400" indent="0">
+            <a:lvl6pPr marL="5486469" indent="0">
               <a:buNone/>
               <a:defRPr sz="3840" b="1"/>
             </a:lvl6pPr>
-            <a:lvl7pPr marL="6583680" indent="0">
+            <a:lvl7pPr marL="6583762" indent="0">
               <a:buNone/>
               <a:defRPr sz="3840" b="1"/>
             </a:lvl7pPr>
-            <a:lvl8pPr marL="7680960" indent="0">
+            <a:lvl8pPr marL="7681056" indent="0">
               <a:buNone/>
               <a:defRPr sz="3840" b="1"/>
             </a:lvl8pPr>
-            <a:lvl9pPr marL="8778240" indent="0">
+            <a:lvl9pPr marL="8778350" indent="0">
               <a:buNone/>
               <a:defRPr sz="3840" b="1"/>
             </a:lvl9pPr>
@@ -2083,7 +2083,7 @@
         </p:nvSpPr>
         <p:spPr>
           <a:xfrm>
-            <a:off x="2267429" y="6012180"/>
+            <a:off x="2267431" y="6012181"/>
             <a:ext cx="13926025" cy="8843011"/>
           </a:xfrm>
         </p:spPr>
@@ -2140,7 +2140,7 @@
         </p:nvSpPr>
         <p:spPr>
           <a:xfrm>
-            <a:off x="16664940" y="4034791"/>
+            <a:off x="16664940" y="4034792"/>
             <a:ext cx="13994608" cy="1977389"/>
           </a:xfrm>
         </p:spPr>
@@ -2151,35 +2151,35 @@
               <a:buNone/>
               <a:defRPr sz="5760" b="1"/>
             </a:lvl1pPr>
-            <a:lvl2pPr marL="1097280" indent="0">
+            <a:lvl2pPr marL="1097294" indent="0">
               <a:buNone/>
               <a:defRPr sz="4800" b="1"/>
             </a:lvl2pPr>
-            <a:lvl3pPr marL="2194560" indent="0">
+            <a:lvl3pPr marL="2194587" indent="0">
               <a:buNone/>
               <a:defRPr sz="4320" b="1"/>
             </a:lvl3pPr>
-            <a:lvl4pPr marL="3291840" indent="0">
+            <a:lvl4pPr marL="3291882" indent="0">
               <a:buNone/>
               <a:defRPr sz="3840" b="1"/>
             </a:lvl4pPr>
-            <a:lvl5pPr marL="4389120" indent="0">
+            <a:lvl5pPr marL="4389175" indent="0">
               <a:buNone/>
               <a:defRPr sz="3840" b="1"/>
             </a:lvl5pPr>
-            <a:lvl6pPr marL="5486400" indent="0">
+            <a:lvl6pPr marL="5486469" indent="0">
               <a:buNone/>
               <a:defRPr sz="3840" b="1"/>
             </a:lvl6pPr>
-            <a:lvl7pPr marL="6583680" indent="0">
+            <a:lvl7pPr marL="6583762" indent="0">
               <a:buNone/>
               <a:defRPr sz="3840" b="1"/>
             </a:lvl7pPr>
-            <a:lvl8pPr marL="7680960" indent="0">
+            <a:lvl8pPr marL="7681056" indent="0">
               <a:buNone/>
               <a:defRPr sz="3840" b="1"/>
             </a:lvl8pPr>
-            <a:lvl9pPr marL="8778240" indent="0">
+            <a:lvl9pPr marL="8778350" indent="0">
               <a:buNone/>
               <a:defRPr sz="3840" b="1"/>
             </a:lvl9pPr>
@@ -2205,7 +2205,7 @@
         </p:nvSpPr>
         <p:spPr>
           <a:xfrm>
-            <a:off x="16664940" y="6012180"/>
+            <a:off x="16664940" y="6012181"/>
             <a:ext cx="13994608" cy="8843011"/>
           </a:xfrm>
         </p:spPr>
@@ -2267,7 +2267,7 @@
           <a:p>
             <a:fld id="{C21A8B2B-5BE1-4832-9D7D-1F1925BEBBFE}" type="datetimeFigureOut">
               <a:rPr lang="en-US" smtClean="0"/>
-              <a:t>12/6/2018</a:t>
+              <a:t>12/7/2018</a:t>
             </a:fld>
             <a:endParaRPr lang="en-US"/>
           </a:p>
@@ -2385,7 +2385,7 @@
           <a:p>
             <a:fld id="{C21A8B2B-5BE1-4832-9D7D-1F1925BEBBFE}" type="datetimeFigureOut">
               <a:rPr lang="en-US" smtClean="0"/>
-              <a:t>12/6/2018</a:t>
+              <a:t>12/7/2018</a:t>
             </a:fld>
             <a:endParaRPr lang="en-US"/>
           </a:p>
@@ -2480,7 +2480,7 @@
           <a:p>
             <a:fld id="{C21A8B2B-5BE1-4832-9D7D-1F1925BEBBFE}" type="datetimeFigureOut">
               <a:rPr lang="en-US" smtClean="0"/>
-              <a:t>12/6/2018</a:t>
+              <a:t>12/7/2018</a:t>
             </a:fld>
             <a:endParaRPr lang="en-US"/>
           </a:p>
@@ -2688,7 +2688,7 @@
         <p:spPr>
           <a:xfrm>
             <a:off x="2267429" y="4937760"/>
-            <a:ext cx="10617040" cy="9147811"/>
+            <a:ext cx="10617040" cy="9147812"/>
           </a:xfrm>
         </p:spPr>
         <p:txBody>
@@ -2698,35 +2698,35 @@
               <a:buNone/>
               <a:defRPr sz="3840"/>
             </a:lvl1pPr>
-            <a:lvl2pPr marL="1097280" indent="0">
+            <a:lvl2pPr marL="1097294" indent="0">
               <a:buNone/>
               <a:defRPr sz="3360"/>
             </a:lvl2pPr>
-            <a:lvl3pPr marL="2194560" indent="0">
+            <a:lvl3pPr marL="2194587" indent="0">
               <a:buNone/>
               <a:defRPr sz="2880"/>
             </a:lvl3pPr>
-            <a:lvl4pPr marL="3291840" indent="0">
+            <a:lvl4pPr marL="3291882" indent="0">
               <a:buNone/>
               <a:defRPr sz="2400"/>
             </a:lvl4pPr>
-            <a:lvl5pPr marL="4389120" indent="0">
+            <a:lvl5pPr marL="4389175" indent="0">
               <a:buNone/>
               <a:defRPr sz="2400"/>
             </a:lvl5pPr>
-            <a:lvl6pPr marL="5486400" indent="0">
+            <a:lvl6pPr marL="5486469" indent="0">
               <a:buNone/>
               <a:defRPr sz="2400"/>
             </a:lvl6pPr>
-            <a:lvl7pPr marL="6583680" indent="0">
+            <a:lvl7pPr marL="6583762" indent="0">
               <a:buNone/>
               <a:defRPr sz="2400"/>
             </a:lvl7pPr>
-            <a:lvl8pPr marL="7680960" indent="0">
+            <a:lvl8pPr marL="7681056" indent="0">
               <a:buNone/>
               <a:defRPr sz="2400"/>
             </a:lvl8pPr>
-            <a:lvl9pPr marL="8778240" indent="0">
+            <a:lvl9pPr marL="8778350" indent="0">
               <a:buNone/>
               <a:defRPr sz="2400"/>
             </a:lvl9pPr>
@@ -2757,7 +2757,7 @@
           <a:p>
             <a:fld id="{C21A8B2B-5BE1-4832-9D7D-1F1925BEBBFE}" type="datetimeFigureOut">
               <a:rPr lang="en-US" smtClean="0"/>
-              <a:t>12/6/2018</a:t>
+              <a:t>12/7/2018</a:t>
             </a:fld>
             <a:endParaRPr lang="en-US"/>
           </a:p>
@@ -2890,35 +2890,35 @@
               <a:buNone/>
               <a:defRPr sz="7680"/>
             </a:lvl1pPr>
-            <a:lvl2pPr marL="1097280" indent="0">
+            <a:lvl2pPr marL="1097294" indent="0">
               <a:buNone/>
               <a:defRPr sz="6720"/>
             </a:lvl2pPr>
-            <a:lvl3pPr marL="2194560" indent="0">
+            <a:lvl3pPr marL="2194587" indent="0">
               <a:buNone/>
               <a:defRPr sz="5760"/>
             </a:lvl3pPr>
-            <a:lvl4pPr marL="3291840" indent="0">
+            <a:lvl4pPr marL="3291882" indent="0">
               <a:buNone/>
               <a:defRPr sz="4800"/>
             </a:lvl4pPr>
-            <a:lvl5pPr marL="4389120" indent="0">
+            <a:lvl5pPr marL="4389175" indent="0">
               <a:buNone/>
               <a:defRPr sz="4800"/>
             </a:lvl5pPr>
-            <a:lvl6pPr marL="5486400" indent="0">
+            <a:lvl6pPr marL="5486469" indent="0">
               <a:buNone/>
               <a:defRPr sz="4800"/>
             </a:lvl6pPr>
-            <a:lvl7pPr marL="6583680" indent="0">
+            <a:lvl7pPr marL="6583762" indent="0">
               <a:buNone/>
               <a:defRPr sz="4800"/>
             </a:lvl7pPr>
-            <a:lvl8pPr marL="7680960" indent="0">
+            <a:lvl8pPr marL="7681056" indent="0">
               <a:buNone/>
               <a:defRPr sz="4800"/>
             </a:lvl8pPr>
-            <a:lvl9pPr marL="8778240" indent="0">
+            <a:lvl9pPr marL="8778350" indent="0">
               <a:buNone/>
               <a:defRPr sz="4800"/>
             </a:lvl9pPr>
@@ -2945,7 +2945,7 @@
         <p:spPr>
           <a:xfrm>
             <a:off x="2267429" y="4937760"/>
-            <a:ext cx="10617040" cy="9147811"/>
+            <a:ext cx="10617040" cy="9147812"/>
           </a:xfrm>
         </p:spPr>
         <p:txBody>
@@ -2955,35 +2955,35 @@
               <a:buNone/>
               <a:defRPr sz="3840"/>
             </a:lvl1pPr>
-            <a:lvl2pPr marL="1097280" indent="0">
+            <a:lvl2pPr marL="1097294" indent="0">
               <a:buNone/>
               <a:defRPr sz="3360"/>
             </a:lvl2pPr>
-            <a:lvl3pPr marL="2194560" indent="0">
+            <a:lvl3pPr marL="2194587" indent="0">
               <a:buNone/>
               <a:defRPr sz="2880"/>
             </a:lvl3pPr>
-            <a:lvl4pPr marL="3291840" indent="0">
+            <a:lvl4pPr marL="3291882" indent="0">
               <a:buNone/>
               <a:defRPr sz="2400"/>
             </a:lvl4pPr>
-            <a:lvl5pPr marL="4389120" indent="0">
+            <a:lvl5pPr marL="4389175" indent="0">
               <a:buNone/>
               <a:defRPr sz="2400"/>
             </a:lvl5pPr>
-            <a:lvl6pPr marL="5486400" indent="0">
+            <a:lvl6pPr marL="5486469" indent="0">
               <a:buNone/>
               <a:defRPr sz="2400"/>
             </a:lvl6pPr>
-            <a:lvl7pPr marL="6583680" indent="0">
+            <a:lvl7pPr marL="6583762" indent="0">
               <a:buNone/>
               <a:defRPr sz="2400"/>
             </a:lvl7pPr>
-            <a:lvl8pPr marL="7680960" indent="0">
+            <a:lvl8pPr marL="7681056" indent="0">
               <a:buNone/>
               <a:defRPr sz="2400"/>
             </a:lvl8pPr>
-            <a:lvl9pPr marL="8778240" indent="0">
+            <a:lvl9pPr marL="8778350" indent="0">
               <a:buNone/>
               <a:defRPr sz="2400"/>
             </a:lvl9pPr>
@@ -3014,7 +3014,7 @@
           <a:p>
             <a:fld id="{C21A8B2B-5BE1-4832-9D7D-1F1925BEBBFE}" type="datetimeFigureOut">
               <a:rPr lang="en-US" smtClean="0"/>
-              <a:t>12/6/2018</a:t>
+              <a:t>12/7/2018</a:t>
             </a:fld>
             <a:endParaRPr lang="en-US"/>
           </a:p>
@@ -3110,7 +3110,7 @@
         <p:spPr>
           <a:xfrm>
             <a:off x="2263140" y="876301"/>
-            <a:ext cx="28392120" cy="3181351"/>
+            <a:ext cx="28392120" cy="3181352"/>
           </a:xfrm>
           <a:prstGeom prst="rect">
             <a:avLst/>
@@ -3227,7 +3227,7 @@
           <a:p>
             <a:fld id="{C21A8B2B-5BE1-4832-9D7D-1F1925BEBBFE}" type="datetimeFigureOut">
               <a:rPr lang="en-US" smtClean="0"/>
-              <a:t>12/6/2018</a:t>
+              <a:t>12/7/2018</a:t>
             </a:fld>
             <a:endParaRPr lang="en-US"/>
           </a:p>
@@ -3334,7 +3334,7 @@
   </p:sldLayoutIdLst>
   <p:txStyles>
     <p:titleStyle>
-      <a:lvl1pPr algn="l" defTabSz="2194560" rtl="0" eaLnBrk="1" latinLnBrk="0" hangingPunct="1">
+      <a:lvl1pPr algn="l" defTabSz="2194587" rtl="0" eaLnBrk="1" latinLnBrk="0" hangingPunct="1">
         <a:lnSpc>
           <a:spcPct val="90000"/>
         </a:lnSpc>
@@ -3353,7 +3353,7 @@
       </a:lvl1pPr>
     </p:titleStyle>
     <p:bodyStyle>
-      <a:lvl1pPr marL="548640" indent="-548640" algn="l" defTabSz="2194560" rtl="0" eaLnBrk="1" latinLnBrk="0" hangingPunct="1">
+      <a:lvl1pPr marL="548647" indent="-548647" algn="l" defTabSz="2194587" rtl="0" eaLnBrk="1" latinLnBrk="0" hangingPunct="1">
         <a:lnSpc>
           <a:spcPct val="90000"/>
         </a:lnSpc>
@@ -3371,7 +3371,7 @@
           <a:cs typeface="+mn-cs"/>
         </a:defRPr>
       </a:lvl1pPr>
-      <a:lvl2pPr marL="1645920" indent="-548640" algn="l" defTabSz="2194560" rtl="0" eaLnBrk="1" latinLnBrk="0" hangingPunct="1">
+      <a:lvl2pPr marL="1645940" indent="-548647" algn="l" defTabSz="2194587" rtl="0" eaLnBrk="1" latinLnBrk="0" hangingPunct="1">
         <a:lnSpc>
           <a:spcPct val="90000"/>
         </a:lnSpc>
@@ -3389,7 +3389,7 @@
           <a:cs typeface="+mn-cs"/>
         </a:defRPr>
       </a:lvl2pPr>
-      <a:lvl3pPr marL="2743200" indent="-548640" algn="l" defTabSz="2194560" rtl="0" eaLnBrk="1" latinLnBrk="0" hangingPunct="1">
+      <a:lvl3pPr marL="2743234" indent="-548647" algn="l" defTabSz="2194587" rtl="0" eaLnBrk="1" latinLnBrk="0" hangingPunct="1">
         <a:lnSpc>
           <a:spcPct val="90000"/>
         </a:lnSpc>
@@ -3407,7 +3407,7 @@
           <a:cs typeface="+mn-cs"/>
         </a:defRPr>
       </a:lvl3pPr>
-      <a:lvl4pPr marL="3840480" indent="-548640" algn="l" defTabSz="2194560" rtl="0" eaLnBrk="1" latinLnBrk="0" hangingPunct="1">
+      <a:lvl4pPr marL="3840528" indent="-548647" algn="l" defTabSz="2194587" rtl="0" eaLnBrk="1" latinLnBrk="0" hangingPunct="1">
         <a:lnSpc>
           <a:spcPct val="90000"/>
         </a:lnSpc>
@@ -3425,7 +3425,7 @@
           <a:cs typeface="+mn-cs"/>
         </a:defRPr>
       </a:lvl4pPr>
-      <a:lvl5pPr marL="4937760" indent="-548640" algn="l" defTabSz="2194560" rtl="0" eaLnBrk="1" latinLnBrk="0" hangingPunct="1">
+      <a:lvl5pPr marL="4937822" indent="-548647" algn="l" defTabSz="2194587" rtl="0" eaLnBrk="1" latinLnBrk="0" hangingPunct="1">
         <a:lnSpc>
           <a:spcPct val="90000"/>
         </a:lnSpc>
@@ -3443,7 +3443,7 @@
           <a:cs typeface="+mn-cs"/>
         </a:defRPr>
       </a:lvl5pPr>
-      <a:lvl6pPr marL="6035040" indent="-548640" algn="l" defTabSz="2194560" rtl="0" eaLnBrk="1" latinLnBrk="0" hangingPunct="1">
+      <a:lvl6pPr marL="6035115" indent="-548647" algn="l" defTabSz="2194587" rtl="0" eaLnBrk="1" latinLnBrk="0" hangingPunct="1">
         <a:lnSpc>
           <a:spcPct val="90000"/>
         </a:lnSpc>
@@ -3461,7 +3461,7 @@
           <a:cs typeface="+mn-cs"/>
         </a:defRPr>
       </a:lvl6pPr>
-      <a:lvl7pPr marL="7132320" indent="-548640" algn="l" defTabSz="2194560" rtl="0" eaLnBrk="1" latinLnBrk="0" hangingPunct="1">
+      <a:lvl7pPr marL="7132409" indent="-548647" algn="l" defTabSz="2194587" rtl="0" eaLnBrk="1" latinLnBrk="0" hangingPunct="1">
         <a:lnSpc>
           <a:spcPct val="90000"/>
         </a:lnSpc>
@@ -3479,7 +3479,7 @@
           <a:cs typeface="+mn-cs"/>
         </a:defRPr>
       </a:lvl7pPr>
-      <a:lvl8pPr marL="8229600" indent="-548640" algn="l" defTabSz="2194560" rtl="0" eaLnBrk="1" latinLnBrk="0" hangingPunct="1">
+      <a:lvl8pPr marL="8229702" indent="-548647" algn="l" defTabSz="2194587" rtl="0" eaLnBrk="1" latinLnBrk="0" hangingPunct="1">
         <a:lnSpc>
           <a:spcPct val="90000"/>
         </a:lnSpc>
@@ -3497,7 +3497,7 @@
           <a:cs typeface="+mn-cs"/>
         </a:defRPr>
       </a:lvl8pPr>
-      <a:lvl9pPr marL="9326880" indent="-548640" algn="l" defTabSz="2194560" rtl="0" eaLnBrk="1" latinLnBrk="0" hangingPunct="1">
+      <a:lvl9pPr marL="9326997" indent="-548647" algn="l" defTabSz="2194587" rtl="0" eaLnBrk="1" latinLnBrk="0" hangingPunct="1">
         <a:lnSpc>
           <a:spcPct val="90000"/>
         </a:lnSpc>
@@ -3520,7 +3520,7 @@
       <a:defPPr>
         <a:defRPr lang="en-US"/>
       </a:defPPr>
-      <a:lvl1pPr marL="0" algn="l" defTabSz="2194560" rtl="0" eaLnBrk="1" latinLnBrk="0" hangingPunct="1">
+      <a:lvl1pPr marL="0" algn="l" defTabSz="2194587" rtl="0" eaLnBrk="1" latinLnBrk="0" hangingPunct="1">
         <a:defRPr sz="4320" kern="1200">
           <a:solidFill>
             <a:schemeClr val="tx1"/>
@@ -3530,7 +3530,7 @@
           <a:cs typeface="+mn-cs"/>
         </a:defRPr>
       </a:lvl1pPr>
-      <a:lvl2pPr marL="1097280" algn="l" defTabSz="2194560" rtl="0" eaLnBrk="1" latinLnBrk="0" hangingPunct="1">
+      <a:lvl2pPr marL="1097294" algn="l" defTabSz="2194587" rtl="0" eaLnBrk="1" latinLnBrk="0" hangingPunct="1">
         <a:defRPr sz="4320" kern="1200">
           <a:solidFill>
             <a:schemeClr val="tx1"/>
@@ -3540,7 +3540,7 @@
           <a:cs typeface="+mn-cs"/>
         </a:defRPr>
       </a:lvl2pPr>
-      <a:lvl3pPr marL="2194560" algn="l" defTabSz="2194560" rtl="0" eaLnBrk="1" latinLnBrk="0" hangingPunct="1">
+      <a:lvl3pPr marL="2194587" algn="l" defTabSz="2194587" rtl="0" eaLnBrk="1" latinLnBrk="0" hangingPunct="1">
         <a:defRPr sz="4320" kern="1200">
           <a:solidFill>
             <a:schemeClr val="tx1"/>
@@ -3550,7 +3550,7 @@
           <a:cs typeface="+mn-cs"/>
         </a:defRPr>
       </a:lvl3pPr>
-      <a:lvl4pPr marL="3291840" algn="l" defTabSz="2194560" rtl="0" eaLnBrk="1" latinLnBrk="0" hangingPunct="1">
+      <a:lvl4pPr marL="3291882" algn="l" defTabSz="2194587" rtl="0" eaLnBrk="1" latinLnBrk="0" hangingPunct="1">
         <a:defRPr sz="4320" kern="1200">
           <a:solidFill>
             <a:schemeClr val="tx1"/>
@@ -3560,7 +3560,7 @@
           <a:cs typeface="+mn-cs"/>
         </a:defRPr>
       </a:lvl4pPr>
-      <a:lvl5pPr marL="4389120" algn="l" defTabSz="2194560" rtl="0" eaLnBrk="1" latinLnBrk="0" hangingPunct="1">
+      <a:lvl5pPr marL="4389175" algn="l" defTabSz="2194587" rtl="0" eaLnBrk="1" latinLnBrk="0" hangingPunct="1">
         <a:defRPr sz="4320" kern="1200">
           <a:solidFill>
             <a:schemeClr val="tx1"/>
@@ -3570,7 +3570,7 @@
           <a:cs typeface="+mn-cs"/>
         </a:defRPr>
       </a:lvl5pPr>
-      <a:lvl6pPr marL="5486400" algn="l" defTabSz="2194560" rtl="0" eaLnBrk="1" latinLnBrk="0" hangingPunct="1">
+      <a:lvl6pPr marL="5486469" algn="l" defTabSz="2194587" rtl="0" eaLnBrk="1" latinLnBrk="0" hangingPunct="1">
         <a:defRPr sz="4320" kern="1200">
           <a:solidFill>
             <a:schemeClr val="tx1"/>
@@ -3580,7 +3580,7 @@
           <a:cs typeface="+mn-cs"/>
         </a:defRPr>
       </a:lvl6pPr>
-      <a:lvl7pPr marL="6583680" algn="l" defTabSz="2194560" rtl="0" eaLnBrk="1" latinLnBrk="0" hangingPunct="1">
+      <a:lvl7pPr marL="6583762" algn="l" defTabSz="2194587" rtl="0" eaLnBrk="1" latinLnBrk="0" hangingPunct="1">
         <a:defRPr sz="4320" kern="1200">
           <a:solidFill>
             <a:schemeClr val="tx1"/>
@@ -3590,7 +3590,7 @@
           <a:cs typeface="+mn-cs"/>
         </a:defRPr>
       </a:lvl7pPr>
-      <a:lvl8pPr marL="7680960" algn="l" defTabSz="2194560" rtl="0" eaLnBrk="1" latinLnBrk="0" hangingPunct="1">
+      <a:lvl8pPr marL="7681056" algn="l" defTabSz="2194587" rtl="0" eaLnBrk="1" latinLnBrk="0" hangingPunct="1">
         <a:defRPr sz="4320" kern="1200">
           <a:solidFill>
             <a:schemeClr val="tx1"/>
@@ -3600,7 +3600,7 @@
           <a:cs typeface="+mn-cs"/>
         </a:defRPr>
       </a:lvl8pPr>
-      <a:lvl9pPr marL="8778240" algn="l" defTabSz="2194560" rtl="0" eaLnBrk="1" latinLnBrk="0" hangingPunct="1">
+      <a:lvl9pPr marL="8778350" algn="l" defTabSz="2194587" rtl="0" eaLnBrk="1" latinLnBrk="0" hangingPunct="1">
         <a:defRPr sz="4320" kern="1200">
           <a:solidFill>
             <a:schemeClr val="tx1"/>
@@ -3648,10 +3648,10 @@
         </p:nvGrpSpPr>
         <p:grpSpPr>
           <a:xfrm>
-            <a:off x="0" y="0"/>
-            <a:ext cx="32918400" cy="3358896"/>
-            <a:chOff x="0" y="0"/>
-            <a:chExt cx="32918400" cy="3358896"/>
+            <a:off x="-31955" y="0"/>
+            <a:ext cx="32950355" cy="3313181"/>
+            <a:chOff x="-31955" y="0"/>
+            <a:chExt cx="32950355" cy="5170980"/>
           </a:xfrm>
         </p:grpSpPr>
         <p:grpSp>
@@ -3663,9 +3663,9 @@
           <p:grpSpPr>
             <a:xfrm>
               <a:off x="0" y="0"/>
-              <a:ext cx="32918400" cy="3358896"/>
+              <a:ext cx="32918400" cy="5170980"/>
               <a:chOff x="0" y="0"/>
-              <a:chExt cx="32918400" cy="3358896"/>
+              <a:chExt cx="32918400" cy="5170980"/>
             </a:xfrm>
           </p:grpSpPr>
           <p:sp>
@@ -3677,7 +3677,7 @@
             <p:spPr>
               <a:xfrm>
                 <a:off x="0" y="0"/>
-                <a:ext cx="32918400" cy="2743200"/>
+                <a:ext cx="32918400" cy="4442706"/>
               </a:xfrm>
               <a:prstGeom prst="rect">
                 <a:avLst/>
@@ -3727,7 +3727,7 @@
             <p:spPr>
               <a:xfrm>
                 <a:off x="10439400" y="127242"/>
-                <a:ext cx="12039600" cy="3231654"/>
+                <a:ext cx="12039600" cy="5043738"/>
               </a:xfrm>
               <a:prstGeom prst="rect">
                 <a:avLst/>
@@ -3804,8 +3804,8 @@
           </p:nvSpPr>
           <p:spPr>
             <a:xfrm>
-              <a:off x="0" y="2703421"/>
-              <a:ext cx="32918400" cy="86392"/>
+              <a:off x="-31955" y="4405403"/>
+              <a:ext cx="32918400" cy="86393"/>
             </a:xfrm>
             <a:prstGeom prst="rect">
               <a:avLst/>
@@ -3851,7 +3851,7 @@
         </p:nvGrpSpPr>
         <p:grpSpPr>
           <a:xfrm>
-            <a:off x="914400" y="3145536"/>
+            <a:off x="914401" y="3639940"/>
             <a:ext cx="6934200" cy="6477000"/>
             <a:chOff x="914400" y="3145536"/>
             <a:chExt cx="6934200" cy="6477000"/>
@@ -3971,7 +3971,7 @@
           </p:nvSpPr>
           <p:spPr>
             <a:xfrm>
-              <a:off x="2207514" y="3303508"/>
+              <a:off x="2207514" y="3303509"/>
               <a:ext cx="4724400" cy="646331"/>
             </a:xfrm>
             <a:prstGeom prst="rect">
@@ -4006,7 +4006,7 @@
         </p:nvGrpSpPr>
         <p:grpSpPr>
           <a:xfrm>
-            <a:off x="914400" y="9692640"/>
+            <a:off x="914401" y="10187044"/>
             <a:ext cx="6934200" cy="5481232"/>
             <a:chOff x="914400" y="3145536"/>
             <a:chExt cx="6934200" cy="6477000"/>
@@ -4126,8 +4126,8 @@
           </p:nvSpPr>
           <p:spPr>
             <a:xfrm>
-              <a:off x="2207514" y="3303508"/>
-              <a:ext cx="4724400" cy="646331"/>
+              <a:off x="2207514" y="3303509"/>
+              <a:ext cx="4724400" cy="763749"/>
             </a:xfrm>
             <a:prstGeom prst="rect">
               <a:avLst/>
@@ -4161,7 +4161,7 @@
         </p:nvSpPr>
         <p:spPr>
           <a:xfrm>
-            <a:off x="9075420" y="3145535"/>
+            <a:off x="9075421" y="3639941"/>
             <a:ext cx="6934200" cy="7461505"/>
           </a:xfrm>
           <a:prstGeom prst="rect">
@@ -4209,7 +4209,7 @@
         </p:nvSpPr>
         <p:spPr>
           <a:xfrm>
-            <a:off x="9075420" y="3145535"/>
+            <a:off x="9075421" y="3639941"/>
             <a:ext cx="6934200" cy="914401"/>
           </a:xfrm>
           <a:prstGeom prst="rect">
@@ -4252,8 +4252,8 @@
         </p:nvSpPr>
         <p:spPr>
           <a:xfrm>
-            <a:off x="10368534" y="3352029"/>
-            <a:ext cx="4724400" cy="844856"/>
+            <a:off x="10368536" y="3846434"/>
+            <a:ext cx="4724400" cy="646331"/>
           </a:xfrm>
           <a:prstGeom prst="rect">
             <a:avLst/>
@@ -4268,7 +4268,7 @@
           <a:p>
             <a:pPr algn="ctr"/>
             <a:r>
-              <a:rPr lang="en-US" sz="3600" dirty="0" smtClean="0">
+              <a:rPr lang="en-US" sz="3600" dirty="0">
                 <a:solidFill>
                   <a:schemeClr val="bg1"/>
                 </a:solidFill>
@@ -4291,7 +4291,7 @@
         </p:nvGrpSpPr>
         <p:grpSpPr>
           <a:xfrm>
-            <a:off x="9075420" y="10662832"/>
+            <a:off x="9075421" y="11157237"/>
             <a:ext cx="6934200" cy="4511040"/>
             <a:chOff x="914400" y="3145536"/>
             <a:chExt cx="6934200" cy="6477000"/>
@@ -4412,7 +4412,7 @@
           <p:spPr>
             <a:xfrm>
               <a:off x="2207514" y="3303508"/>
-              <a:ext cx="4724400" cy="646331"/>
+              <a:ext cx="4724400" cy="928009"/>
             </a:xfrm>
             <a:prstGeom prst="rect">
               <a:avLst/>
@@ -4446,7 +4446,7 @@
         </p:nvSpPr>
         <p:spPr>
           <a:xfrm>
-            <a:off x="16908780" y="3136392"/>
+            <a:off x="16908782" y="3630796"/>
             <a:ext cx="6934200" cy="5248656"/>
           </a:xfrm>
           <a:prstGeom prst="rect">
@@ -4494,7 +4494,7 @@
         </p:nvSpPr>
         <p:spPr>
           <a:xfrm>
-            <a:off x="16908780" y="3136392"/>
+            <a:off x="16908782" y="3630796"/>
             <a:ext cx="6934200" cy="914400"/>
           </a:xfrm>
           <a:prstGeom prst="rect">
@@ -4537,7 +4537,7 @@
         </p:nvSpPr>
         <p:spPr>
           <a:xfrm>
-            <a:off x="18201894" y="3294364"/>
+            <a:off x="18201895" y="3788769"/>
             <a:ext cx="4724400" cy="646331"/>
           </a:xfrm>
           <a:prstGeom prst="rect">
@@ -4571,8 +4571,8 @@
         </p:nvSpPr>
         <p:spPr>
           <a:xfrm>
-            <a:off x="16908780" y="8464296"/>
-            <a:ext cx="6934200" cy="6709576"/>
+            <a:off x="16908782" y="8958699"/>
+            <a:ext cx="6934200" cy="6709577"/>
           </a:xfrm>
           <a:prstGeom prst="rect">
             <a:avLst/>
@@ -4619,7 +4619,7 @@
         </p:nvSpPr>
         <p:spPr>
           <a:xfrm>
-            <a:off x="16908780" y="8464295"/>
+            <a:off x="16908782" y="8958700"/>
             <a:ext cx="6934200" cy="947235"/>
           </a:xfrm>
           <a:prstGeom prst="rect">
@@ -4662,8 +4662,8 @@
         </p:nvSpPr>
         <p:spPr>
           <a:xfrm>
-            <a:off x="18201894" y="8612455"/>
-            <a:ext cx="4724400" cy="606182"/>
+            <a:off x="18201895" y="9106860"/>
+            <a:ext cx="4724400" cy="646331"/>
           </a:xfrm>
           <a:prstGeom prst="rect">
             <a:avLst/>
@@ -4688,316 +4688,131 @@
           </a:p>
         </p:txBody>
       </p:sp>
-      <p:grpSp>
-        <p:nvGrpSpPr>
-          <p:cNvPr id="63" name="Group 62"/>
-          <p:cNvGrpSpPr/>
+      <p:sp>
+        <p:nvSpPr>
+          <p:cNvPr id="66" name="Rectangle 65"/>
+          <p:cNvSpPr/>
           <p:nvPr/>
-        </p:nvGrpSpPr>
-        <p:grpSpPr>
+        </p:nvSpPr>
+        <p:spPr>
           <a:xfrm>
-            <a:off x="25069800" y="3150108"/>
-            <a:ext cx="6934200" cy="6477000"/>
-            <a:chOff x="914400" y="3145536"/>
-            <a:chExt cx="6934200" cy="6477000"/>
+            <a:off x="25093424" y="12286282"/>
+            <a:ext cx="6934200" cy="3297578"/>
           </a:xfrm>
-        </p:grpSpPr>
-        <p:grpSp>
-          <p:nvGrpSpPr>
-            <p:cNvPr id="64" name="Group 63"/>
-            <p:cNvGrpSpPr/>
-            <p:nvPr/>
-          </p:nvGrpSpPr>
-          <p:grpSpPr>
-            <a:xfrm>
-              <a:off x="914400" y="3145536"/>
-              <a:ext cx="6934200" cy="6477000"/>
-              <a:chOff x="1447800" y="3352800"/>
-              <a:chExt cx="6934200" cy="6477000"/>
-            </a:xfrm>
-          </p:grpSpPr>
-          <p:sp>
-            <p:nvSpPr>
-              <p:cNvPr id="66" name="Rectangle 65"/>
-              <p:cNvSpPr/>
-              <p:nvPr/>
-            </p:nvSpPr>
-            <p:spPr>
-              <a:xfrm>
-                <a:off x="1447800" y="3352800"/>
-                <a:ext cx="6934200" cy="6477000"/>
-              </a:xfrm>
-              <a:prstGeom prst="rect">
-                <a:avLst/>
-              </a:prstGeom>
-              <a:solidFill>
-                <a:schemeClr val="bg1"/>
-              </a:solidFill>
-              <a:ln w="76200">
+          <a:prstGeom prst="rect">
+            <a:avLst/>
+          </a:prstGeom>
+          <a:solidFill>
+            <a:schemeClr val="bg1"/>
+          </a:solidFill>
+          <a:ln w="76200">
+            <a:solidFill>
+              <a:srgbClr val="002060"/>
+            </a:solidFill>
+          </a:ln>
+        </p:spPr>
+        <p:style>
+          <a:lnRef idx="2">
+            <a:schemeClr val="accent1">
+              <a:shade val="50000"/>
+            </a:schemeClr>
+          </a:lnRef>
+          <a:fillRef idx="1">
+            <a:schemeClr val="accent1"/>
+          </a:fillRef>
+          <a:effectRef idx="0">
+            <a:schemeClr val="accent1"/>
+          </a:effectRef>
+          <a:fontRef idx="minor">
+            <a:schemeClr val="lt1"/>
+          </a:fontRef>
+        </p:style>
+        <p:txBody>
+          <a:bodyPr rtlCol="0" anchor="ctr"/>
+          <a:lstStyle/>
+          <a:p>
+            <a:pPr algn="ctr"/>
+            <a:endParaRPr lang="en-US"/>
+          </a:p>
+        </p:txBody>
+      </p:sp>
+      <p:sp>
+        <p:nvSpPr>
+          <p:cNvPr id="67" name="Rectangle 66"/>
+          <p:cNvSpPr/>
+          <p:nvPr/>
+        </p:nvSpPr>
+        <p:spPr>
+          <a:xfrm>
+            <a:off x="25088854" y="12254828"/>
+            <a:ext cx="6934200" cy="914400"/>
+          </a:xfrm>
+          <a:prstGeom prst="rect">
+            <a:avLst/>
+          </a:prstGeom>
+          <a:solidFill>
+            <a:srgbClr val="002060"/>
+          </a:solidFill>
+        </p:spPr>
+        <p:style>
+          <a:lnRef idx="2">
+            <a:schemeClr val="accent1">
+              <a:shade val="50000"/>
+            </a:schemeClr>
+          </a:lnRef>
+          <a:fillRef idx="1">
+            <a:schemeClr val="accent1"/>
+          </a:fillRef>
+          <a:effectRef idx="0">
+            <a:schemeClr val="accent1"/>
+          </a:effectRef>
+          <a:fontRef idx="minor">
+            <a:schemeClr val="lt1"/>
+          </a:fontRef>
+        </p:style>
+        <p:txBody>
+          <a:bodyPr rtlCol="0" anchor="ctr"/>
+          <a:lstStyle/>
+          <a:p>
+            <a:pPr algn="ctr"/>
+            <a:endParaRPr lang="en-US"/>
+          </a:p>
+        </p:txBody>
+      </p:sp>
+      <p:sp>
+        <p:nvSpPr>
+          <p:cNvPr id="65" name="TextBox 64"/>
+          <p:cNvSpPr txBox="1"/>
+          <p:nvPr/>
+        </p:nvSpPr>
+        <p:spPr>
+          <a:xfrm>
+            <a:off x="26325941" y="12361282"/>
+            <a:ext cx="4724400" cy="646331"/>
+          </a:xfrm>
+          <a:prstGeom prst="rect">
+            <a:avLst/>
+          </a:prstGeom>
+          <a:noFill/>
+        </p:spPr>
+        <p:txBody>
+          <a:bodyPr wrap="square" rtlCol="0">
+            <a:spAutoFit/>
+          </a:bodyPr>
+          <a:lstStyle/>
+          <a:p>
+            <a:pPr algn="ctr"/>
+            <a:r>
+              <a:rPr lang="en-US" sz="3600" dirty="0">
                 <a:solidFill>
-                  <a:srgbClr val="002060"/>
+                  <a:schemeClr val="bg1"/>
                 </a:solidFill>
-              </a:ln>
-            </p:spPr>
-            <p:style>
-              <a:lnRef idx="2">
-                <a:schemeClr val="accent1">
-                  <a:shade val="50000"/>
-                </a:schemeClr>
-              </a:lnRef>
-              <a:fillRef idx="1">
-                <a:schemeClr val="accent1"/>
-              </a:fillRef>
-              <a:effectRef idx="0">
-                <a:schemeClr val="accent1"/>
-              </a:effectRef>
-              <a:fontRef idx="minor">
-                <a:schemeClr val="lt1"/>
-              </a:fontRef>
-            </p:style>
-            <p:txBody>
-              <a:bodyPr rtlCol="0" anchor="ctr"/>
-              <a:lstStyle/>
-              <a:p>
-                <a:pPr algn="ctr"/>
-                <a:endParaRPr lang="en-US"/>
-              </a:p>
-            </p:txBody>
-          </p:sp>
-          <p:sp>
-            <p:nvSpPr>
-              <p:cNvPr id="67" name="Rectangle 66"/>
-              <p:cNvSpPr/>
-              <p:nvPr/>
-            </p:nvSpPr>
-            <p:spPr>
-              <a:xfrm>
-                <a:off x="1447800" y="3352800"/>
-                <a:ext cx="6934200" cy="914400"/>
-              </a:xfrm>
-              <a:prstGeom prst="rect">
-                <a:avLst/>
-              </a:prstGeom>
-              <a:solidFill>
-                <a:srgbClr val="002060"/>
-              </a:solidFill>
-            </p:spPr>
-            <p:style>
-              <a:lnRef idx="2">
-                <a:schemeClr val="accent1">
-                  <a:shade val="50000"/>
-                </a:schemeClr>
-              </a:lnRef>
-              <a:fillRef idx="1">
-                <a:schemeClr val="accent1"/>
-              </a:fillRef>
-              <a:effectRef idx="0">
-                <a:schemeClr val="accent1"/>
-              </a:effectRef>
-              <a:fontRef idx="minor">
-                <a:schemeClr val="lt1"/>
-              </a:fontRef>
-            </p:style>
-            <p:txBody>
-              <a:bodyPr rtlCol="0" anchor="ctr"/>
-              <a:lstStyle/>
-              <a:p>
-                <a:pPr algn="ctr"/>
-                <a:endParaRPr lang="en-US"/>
-              </a:p>
-            </p:txBody>
-          </p:sp>
-        </p:grpSp>
-        <p:sp>
-          <p:nvSpPr>
-            <p:cNvPr id="65" name="TextBox 64"/>
-            <p:cNvSpPr txBox="1"/>
-            <p:nvPr/>
-          </p:nvSpPr>
-          <p:spPr>
-            <a:xfrm>
-              <a:off x="2207514" y="3303508"/>
-              <a:ext cx="4724400" cy="646331"/>
-            </a:xfrm>
-            <a:prstGeom prst="rect">
-              <a:avLst/>
-            </a:prstGeom>
-            <a:noFill/>
-          </p:spPr>
-          <p:txBody>
-            <a:bodyPr wrap="square" rtlCol="0">
-              <a:spAutoFit/>
-            </a:bodyPr>
-            <a:lstStyle/>
-            <a:p>
-              <a:pPr algn="ctr"/>
-              <a:r>
-                <a:rPr lang="en-US" sz="3600" dirty="0">
-                  <a:solidFill>
-                    <a:schemeClr val="bg1"/>
-                  </a:solidFill>
-                </a:rPr>
-                <a:t>Conclusions</a:t>
-              </a:r>
-            </a:p>
-          </p:txBody>
-        </p:sp>
-      </p:grpSp>
-      <p:grpSp>
-        <p:nvGrpSpPr>
-          <p:cNvPr id="68" name="Group 67"/>
-          <p:cNvGrpSpPr/>
-          <p:nvPr/>
-        </p:nvGrpSpPr>
-        <p:grpSpPr>
-          <a:xfrm>
-            <a:off x="25069800" y="9692640"/>
-            <a:ext cx="6934200" cy="6080760"/>
-            <a:chOff x="914400" y="3145536"/>
-            <a:chExt cx="6934200" cy="6477000"/>
-          </a:xfrm>
-        </p:grpSpPr>
-        <p:grpSp>
-          <p:nvGrpSpPr>
-            <p:cNvPr id="69" name="Group 68"/>
-            <p:cNvGrpSpPr/>
-            <p:nvPr/>
-          </p:nvGrpSpPr>
-          <p:grpSpPr>
-            <a:xfrm>
-              <a:off x="914400" y="3145536"/>
-              <a:ext cx="6934200" cy="6477000"/>
-              <a:chOff x="1447800" y="3352800"/>
-              <a:chExt cx="6934200" cy="6477000"/>
-            </a:xfrm>
-          </p:grpSpPr>
-          <p:sp>
-            <p:nvSpPr>
-              <p:cNvPr id="71" name="Rectangle 70"/>
-              <p:cNvSpPr/>
-              <p:nvPr/>
-            </p:nvSpPr>
-            <p:spPr>
-              <a:xfrm>
-                <a:off x="1447800" y="3352800"/>
-                <a:ext cx="6934200" cy="6477000"/>
-              </a:xfrm>
-              <a:prstGeom prst="rect">
-                <a:avLst/>
-              </a:prstGeom>
-              <a:solidFill>
-                <a:schemeClr val="bg1"/>
-              </a:solidFill>
-              <a:ln w="76200">
-                <a:solidFill>
-                  <a:srgbClr val="002060"/>
-                </a:solidFill>
-              </a:ln>
-            </p:spPr>
-            <p:style>
-              <a:lnRef idx="2">
-                <a:schemeClr val="accent1">
-                  <a:shade val="50000"/>
-                </a:schemeClr>
-              </a:lnRef>
-              <a:fillRef idx="1">
-                <a:schemeClr val="accent1"/>
-              </a:fillRef>
-              <a:effectRef idx="0">
-                <a:schemeClr val="accent1"/>
-              </a:effectRef>
-              <a:fontRef idx="minor">
-                <a:schemeClr val="lt1"/>
-              </a:fontRef>
-            </p:style>
-            <p:txBody>
-              <a:bodyPr rtlCol="0" anchor="ctr"/>
-              <a:lstStyle/>
-              <a:p>
-                <a:pPr algn="ctr"/>
-                <a:endParaRPr lang="en-US"/>
-              </a:p>
-            </p:txBody>
-          </p:sp>
-          <p:sp>
-            <p:nvSpPr>
-              <p:cNvPr id="72" name="Rectangle 71"/>
-              <p:cNvSpPr/>
-              <p:nvPr/>
-            </p:nvSpPr>
-            <p:spPr>
-              <a:xfrm>
-                <a:off x="1447800" y="3352800"/>
-                <a:ext cx="6934200" cy="914400"/>
-              </a:xfrm>
-              <a:prstGeom prst="rect">
-                <a:avLst/>
-              </a:prstGeom>
-              <a:solidFill>
-                <a:srgbClr val="002060"/>
-              </a:solidFill>
-            </p:spPr>
-            <p:style>
-              <a:lnRef idx="2">
-                <a:schemeClr val="accent1">
-                  <a:shade val="50000"/>
-                </a:schemeClr>
-              </a:lnRef>
-              <a:fillRef idx="1">
-                <a:schemeClr val="accent1"/>
-              </a:fillRef>
-              <a:effectRef idx="0">
-                <a:schemeClr val="accent1"/>
-              </a:effectRef>
-              <a:fontRef idx="minor">
-                <a:schemeClr val="lt1"/>
-              </a:fontRef>
-            </p:style>
-            <p:txBody>
-              <a:bodyPr rtlCol="0" anchor="ctr"/>
-              <a:lstStyle/>
-              <a:p>
-                <a:pPr algn="ctr"/>
-                <a:endParaRPr lang="en-US"/>
-              </a:p>
-            </p:txBody>
-          </p:sp>
-        </p:grpSp>
-        <p:sp>
-          <p:nvSpPr>
-            <p:cNvPr id="70" name="TextBox 69"/>
-            <p:cNvSpPr txBox="1"/>
-            <p:nvPr/>
-          </p:nvSpPr>
-          <p:spPr>
-            <a:xfrm>
-              <a:off x="2207514" y="3303508"/>
-              <a:ext cx="4724400" cy="646331"/>
-            </a:xfrm>
-            <a:prstGeom prst="rect">
-              <a:avLst/>
-            </a:prstGeom>
-            <a:noFill/>
-          </p:spPr>
-          <p:txBody>
-            <a:bodyPr wrap="square" rtlCol="0">
-              <a:spAutoFit/>
-            </a:bodyPr>
-            <a:lstStyle/>
-            <a:p>
-              <a:pPr algn="ctr"/>
-              <a:r>
-                <a:rPr lang="en-US" sz="3600" dirty="0">
-                  <a:solidFill>
-                    <a:schemeClr val="bg1"/>
-                  </a:solidFill>
-                </a:rPr>
-                <a:t>References</a:t>
-              </a:r>
-            </a:p>
-          </p:txBody>
-        </p:sp>
-      </p:grpSp>
+              </a:rPr>
+              <a:t>Conclusions</a:t>
+            </a:r>
+          </a:p>
+        </p:txBody>
+      </p:sp>
       <p:pic>
         <p:nvPicPr>
           <p:cNvPr id="75" name="Picture 74"/>
@@ -5020,7 +4835,7 @@
         </p:blipFill>
         <p:spPr>
           <a:xfrm>
-            <a:off x="914400" y="400181"/>
+            <a:off x="914401" y="400182"/>
             <a:ext cx="2152648" cy="1989451"/>
           </a:xfrm>
           <a:prstGeom prst="rect">
@@ -5050,7 +4865,7 @@
         </p:blipFill>
         <p:spPr>
           <a:xfrm>
-            <a:off x="29913075" y="364296"/>
+            <a:off x="29913076" y="364297"/>
             <a:ext cx="2152648" cy="1989451"/>
           </a:xfrm>
           <a:prstGeom prst="rect">
@@ -5058,14 +4873,14 @@
           </a:prstGeom>
         </p:spPr>
       </p:pic>
-      <mc:AlternateContent xmlns:mc="http://schemas.openxmlformats.org/markup-compatibility/2006" xmlns:a14="http://schemas.microsoft.com/office/drawing/2010/main">
-        <mc:Choice Requires="a14">
+      <mc:AlternateContent xmlns:mc="http://schemas.openxmlformats.org/markup-compatibility/2006">
+        <mc:Choice xmlns:a14="http://schemas.microsoft.com/office/drawing/2010/main" Requires="a14">
           <p:sp>
             <p:nvSpPr>
               <p:cNvPr id="10" name="TextBox 9">
                 <a:extLst>
                   <a:ext uri="{FF2B5EF4-FFF2-40B4-BE49-F238E27FC236}">
-                    <a16:creationId xmlns:a16="http://schemas.microsoft.com/office/drawing/2014/main" id="{9E258EF7-A164-4991-A4EA-E1DC06145F56}"/>
+                    <a16:creationId xmlns:a16="http://schemas.microsoft.com/office/drawing/2014/main" xmlns="" id="{9E258EF7-A164-4991-A4EA-E1DC06145F56}"/>
                   </a:ext>
                 </a:extLst>
               </p:cNvPr>
@@ -5074,7 +4889,7 @@
             </p:nvSpPr>
             <p:spPr>
               <a:xfrm>
-                <a:off x="1066800" y="4267200"/>
+                <a:off x="1066801" y="4761604"/>
                 <a:ext cx="6629400" cy="5355312"/>
               </a:xfrm>
               <a:prstGeom prst="rect">
@@ -5088,7 +4903,7 @@
               </a:bodyPr>
               <a:lstStyle/>
               <a:p>
-                <a:pPr marL="285750" indent="-285750">
+                <a:pPr marL="285753" indent="-285753">
                   <a:buFont typeface="Arial" panose="020B0604020202020204" pitchFamily="34" charset="0"/>
                   <a:buChar char="•"/>
                 </a:pPr>
@@ -5098,7 +4913,7 @@
                 </a:r>
               </a:p>
               <a:p>
-                <a:pPr marL="742950" lvl="1" indent="-285750">
+                <a:pPr marL="742959" lvl="1" indent="-285753">
                   <a:buFont typeface="Arial" panose="020B0604020202020204" pitchFamily="34" charset="0"/>
                   <a:buChar char="•"/>
                 </a:pPr>
@@ -5116,63 +4931,63 @@
                 </a:r>
               </a:p>
               <a:p>
-                <a:pPr marL="742950" lvl="1" indent="-285750">
+                <a:pPr marL="742959" lvl="1" indent="-285753">
                   <a:buFont typeface="Arial" panose="020B0604020202020204" pitchFamily="34" charset="0"/>
                   <a:buChar char="•"/>
                 </a:pPr>
                 <a:endParaRPr lang="en-US" dirty="0"/>
               </a:p>
               <a:p>
-                <a:pPr marL="742950" lvl="1" indent="-285750">
+                <a:pPr marL="742959" lvl="1" indent="-285753">
                   <a:buFont typeface="Arial" panose="020B0604020202020204" pitchFamily="34" charset="0"/>
                   <a:buChar char="•"/>
                 </a:pPr>
                 <a:endParaRPr lang="en-US" dirty="0"/>
               </a:p>
               <a:p>
-                <a:pPr marL="742950" lvl="1" indent="-285750">
+                <a:pPr marL="742959" lvl="1" indent="-285753">
                   <a:buFont typeface="Arial" panose="020B0604020202020204" pitchFamily="34" charset="0"/>
                   <a:buChar char="•"/>
                 </a:pPr>
                 <a:endParaRPr lang="en-US" dirty="0"/>
               </a:p>
               <a:p>
-                <a:pPr marL="742950" lvl="1" indent="-285750">
+                <a:pPr marL="742959" lvl="1" indent="-285753">
                   <a:buFont typeface="Arial" panose="020B0604020202020204" pitchFamily="34" charset="0"/>
                   <a:buChar char="•"/>
                 </a:pPr>
                 <a:endParaRPr lang="en-US" dirty="0"/>
               </a:p>
               <a:p>
-                <a:pPr marL="742950" lvl="1" indent="-285750">
+                <a:pPr marL="742959" lvl="1" indent="-285753">
                   <a:buFont typeface="Arial" panose="020B0604020202020204" pitchFamily="34" charset="0"/>
                   <a:buChar char="•"/>
                 </a:pPr>
                 <a:endParaRPr lang="en-US" dirty="0"/>
               </a:p>
               <a:p>
-                <a:pPr marL="742950" lvl="1" indent="-285750">
+                <a:pPr marL="742959" lvl="1" indent="-285753">
                   <a:buFont typeface="Arial" panose="020B0604020202020204" pitchFamily="34" charset="0"/>
                   <a:buChar char="•"/>
                 </a:pPr>
                 <a:endParaRPr lang="en-US" dirty="0"/>
               </a:p>
               <a:p>
-                <a:pPr marL="742950" lvl="1" indent="-285750">
+                <a:pPr marL="742959" lvl="1" indent="-285753">
                   <a:buFont typeface="Arial" panose="020B0604020202020204" pitchFamily="34" charset="0"/>
                   <a:buChar char="•"/>
                 </a:pPr>
                 <a:endParaRPr lang="en-US" dirty="0"/>
               </a:p>
               <a:p>
-                <a:pPr marL="742950" lvl="1" indent="-285750">
+                <a:pPr marL="742959" lvl="1" indent="-285753">
                   <a:buFont typeface="Arial" panose="020B0604020202020204" pitchFamily="34" charset="0"/>
                   <a:buChar char="•"/>
                 </a:pPr>
                 <a:endParaRPr lang="en-US" dirty="0"/>
               </a:p>
               <a:p>
-                <a:pPr marL="285750" indent="-285750">
+                <a:pPr marL="285753" indent="-285753">
                   <a:buFont typeface="Arial" panose="020B0604020202020204" pitchFamily="34" charset="0"/>
                   <a:buChar char="•"/>
                 </a:pPr>
@@ -5182,7 +4997,7 @@
                 </a:r>
               </a:p>
               <a:p>
-                <a:pPr marL="742950" lvl="1" indent="-285750">
+                <a:pPr marL="742959" lvl="1" indent="-285753">
                   <a:buFont typeface="Arial" panose="020B0604020202020204" pitchFamily="34" charset="0"/>
                   <a:buChar char="•"/>
                 </a:pPr>
@@ -5195,14 +5010,14 @@
                     <m:sSub>
                       <m:sSubPr>
                         <m:ctrlPr>
-                          <a:rPr lang="en-US" i="1" smtClean="0">
+                          <a:rPr lang="en-US" i="1">
                             <a:latin typeface="Cambria Math" panose="02040503050406030204" pitchFamily="18" charset="0"/>
                           </a:rPr>
                         </m:ctrlPr>
                       </m:sSubPr>
                       <m:e>
                         <m:r>
-                          <a:rPr lang="en-US" b="0" i="1" smtClean="0">
+                          <a:rPr lang="en-US" i="1">
                             <a:latin typeface="Cambria Math" panose="02040503050406030204" pitchFamily="18" charset="0"/>
                           </a:rPr>
                           <m:t>𝑅</m:t>
@@ -5210,7 +5025,7 @@
                       </m:e>
                       <m:sub>
                         <m:r>
-                          <a:rPr lang="en-US" b="0" i="1" smtClean="0">
+                          <a:rPr lang="en-US" i="1">
                             <a:latin typeface="Cambria Math" panose="02040503050406030204" pitchFamily="18" charset="0"/>
                           </a:rPr>
                           <m:t>0</m:t>
@@ -5218,7 +5033,7 @@
                       </m:sub>
                     </m:sSub>
                     <m:r>
-                      <a:rPr lang="en-US" b="0" i="1" smtClean="0">
+                      <a:rPr lang="en-US" i="1">
                         <a:latin typeface="Cambria Math" panose="02040503050406030204" pitchFamily="18" charset="0"/>
                       </a:rPr>
                       <m:t>,</m:t>
@@ -5226,14 +5041,14 @@
                     <m:sSub>
                       <m:sSubPr>
                         <m:ctrlPr>
-                          <a:rPr lang="en-US" b="0" i="1" smtClean="0">
+                          <a:rPr lang="en-US" i="1">
                             <a:latin typeface="Cambria Math" panose="02040503050406030204" pitchFamily="18" charset="0"/>
                           </a:rPr>
                         </m:ctrlPr>
                       </m:sSubPr>
                       <m:e>
                         <m:r>
-                          <a:rPr lang="en-US" b="0" i="1" smtClean="0">
+                          <a:rPr lang="en-US" i="1">
                             <a:latin typeface="Cambria Math" panose="02040503050406030204" pitchFamily="18" charset="0"/>
                           </a:rPr>
                           <m:t>𝑉</m:t>
@@ -5241,7 +5056,7 @@
                       </m:e>
                       <m:sub>
                         <m:r>
-                          <a:rPr lang="en-US" b="0" i="1" smtClean="0">
+                          <a:rPr lang="en-US" i="1">
                             <a:latin typeface="Cambria Math" panose="02040503050406030204" pitchFamily="18" charset="0"/>
                           </a:rPr>
                           <m:t>0</m:t>
@@ -5249,13 +5064,13 @@
                       </m:sub>
                     </m:sSub>
                     <m:r>
-                      <a:rPr lang="en-US" b="0" i="1" smtClean="0">
+                      <a:rPr lang="en-US" i="1">
                         <a:latin typeface="Cambria Math" panose="02040503050406030204" pitchFamily="18" charset="0"/>
                       </a:rPr>
                       <m:t>)</m:t>
                     </m:r>
                     <m:r>
-                      <a:rPr lang="en-US" b="0" i="0" smtClean="0">
+                      <a:rPr lang="en-US">
                         <a:latin typeface="Cambria Math" panose="02040503050406030204" pitchFamily="18" charset="0"/>
                       </a:rPr>
                       <m:t>,</m:t>
@@ -5268,7 +5083,7 @@
                 </a:r>
               </a:p>
               <a:p>
-                <a:pPr marL="285750" indent="-285750">
+                <a:pPr marL="285753" indent="-285753">
                   <a:buFont typeface="Arial" panose="020B0604020202020204" pitchFamily="34" charset="0"/>
                   <a:buChar char="•"/>
                 </a:pPr>
@@ -5277,13 +5092,13 @@
             </p:txBody>
           </p:sp>
         </mc:Choice>
-        <mc:Fallback xmlns="">
+        <mc:Fallback>
           <p:sp>
             <p:nvSpPr>
               <p:cNvPr id="10" name="TextBox 9">
                 <a:extLst>
                   <a:ext uri="{FF2B5EF4-FFF2-40B4-BE49-F238E27FC236}">
-                    <a16:creationId xmlns:a16="http://schemas.microsoft.com/office/drawing/2014/main" id="{9E258EF7-A164-4991-A4EA-E1DC06145F56}"/>
+                    <a16:creationId xmlns:a16="http://schemas.microsoft.com/office/drawing/2014/main" xmlns="" xmlns:a14="http://schemas.microsoft.com/office/drawing/2010/main" id="{9E258EF7-A164-4991-A4EA-E1DC06145F56}"/>
                   </a:ext>
                 </a:extLst>
               </p:cNvPr>
@@ -5294,13 +5109,13 @@
             </p:nvSpPr>
             <p:spPr>
               <a:xfrm>
-                <a:off x="1066800" y="4267200"/>
+                <a:off x="1066801" y="4761604"/>
                 <a:ext cx="6629400" cy="5355312"/>
               </a:xfrm>
               <a:prstGeom prst="rect">
                 <a:avLst/>
               </a:prstGeom>
-              <a:blipFill>
+              <a:blipFill rotWithShape="0">
                 <a:blip r:embed="rId4"/>
                 <a:stretch>
                   <a:fillRect l="-551" t="-569" r="-827"/>
@@ -5327,7 +5142,7 @@
           <p:cNvPr id="58" name="Picture 2" descr="https://e3.365dm.com/18/03/1096x616/skynews-tiangong-china-chinese_4264895.jpg?bypass-service-worker&amp;20180325161729">
             <a:extLst>
               <a:ext uri="{FF2B5EF4-FFF2-40B4-BE49-F238E27FC236}">
-                <a16:creationId xmlns:a16="http://schemas.microsoft.com/office/drawing/2014/main" id="{BDB3761E-B3CC-4D24-8C84-BD8D216B0828}"/>
+                <a16:creationId xmlns:a16="http://schemas.microsoft.com/office/drawing/2014/main" xmlns="" id="{BDB3761E-B3CC-4D24-8C84-BD8D216B0828}"/>
               </a:ext>
             </a:extLst>
           </p:cNvPr>
@@ -5351,7 +5166,7 @@
         </p:blipFill>
         <p:spPr bwMode="auto">
           <a:xfrm>
-            <a:off x="4126230" y="5319379"/>
+            <a:off x="4126231" y="5813783"/>
             <a:ext cx="3429000" cy="1927249"/>
           </a:xfrm>
           <a:prstGeom prst="rect">
@@ -5376,7 +5191,7 @@
               <p:cNvPr id="11" name="TextBox 10">
                 <a:extLst>
                   <a:ext uri="{FF2B5EF4-FFF2-40B4-BE49-F238E27FC236}">
-                    <a16:creationId xmlns:a16="http://schemas.microsoft.com/office/drawing/2014/main" id="{2267FBF5-8145-4ECA-876B-917612680778}"/>
+                    <a16:creationId xmlns:a16="http://schemas.microsoft.com/office/drawing/2014/main" xmlns="" id="{2267FBF5-8145-4ECA-876B-917612680778}"/>
                   </a:ext>
                 </a:extLst>
               </p:cNvPr>
@@ -5385,8 +5200,8 @@
             </p:nvSpPr>
             <p:spPr>
               <a:xfrm>
-                <a:off x="1143000" y="10744200"/>
-                <a:ext cx="6553200" cy="4279248"/>
+                <a:off x="1143002" y="11238605"/>
+                <a:ext cx="6553200" cy="4232569"/>
               </a:xfrm>
               <a:prstGeom prst="rect">
                 <a:avLst/>
@@ -5399,17 +5214,17 @@
               </a:bodyPr>
               <a:lstStyle/>
               <a:p>
-                <a:pPr marL="285750" indent="-285750">
+                <a:pPr marL="285753" indent="-285753">
                   <a:buFont typeface="Arial" panose="020B0604020202020204" pitchFamily="34" charset="0"/>
                   <a:buChar char="•"/>
                 </a:pPr>
                 <a:r>
-                  <a:rPr lang="en-US" dirty="0" smtClean="0"/>
+                  <a:rPr lang="en-US" dirty="0"/>
                   <a:t>Keplerian Elements at epoch:</a:t>
                 </a:r>
               </a:p>
               <a:p>
-                <a:pPr marL="742950" lvl="1" indent="-285750">
+                <a:pPr marL="742959" lvl="1" indent="-285753">
                   <a:buFont typeface="Arial" panose="020B0604020202020204" pitchFamily="34" charset="0"/>
                   <a:buChar char="•"/>
                 </a:pPr>
@@ -5714,38 +5529,38 @@
                     </m:d>
                   </m:oMath>
                 </a14:m>
-                <a:endParaRPr lang="en-US" dirty="0" smtClean="0"/>
+                <a:endParaRPr lang="en-US" dirty="0"/>
               </a:p>
               <a:p>
-                <a:pPr marL="742950" lvl="1" indent="-285750">
-                  <a:buFont typeface="Arial" panose="020B0604020202020204" pitchFamily="34" charset="0"/>
-                  <a:buChar char="•"/>
-                </a:pPr>
-                <a:endParaRPr lang="en-US" dirty="0" smtClean="0"/>
-              </a:p>
-              <a:p>
-                <a:pPr marL="742950" lvl="1" indent="-285750">
+                <a:pPr marL="742959" lvl="1" indent="-285753">
                   <a:buFont typeface="Arial" panose="020B0604020202020204" pitchFamily="34" charset="0"/>
                   <a:buChar char="•"/>
                 </a:pPr>
                 <a:endParaRPr lang="en-US" dirty="0"/>
               </a:p>
               <a:p>
-                <a:pPr marL="285750" indent="-285750">
+                <a:pPr marL="742959" lvl="1" indent="-285753">
+                  <a:buFont typeface="Arial" panose="020B0604020202020204" pitchFamily="34" charset="0"/>
+                  <a:buChar char="•"/>
+                </a:pPr>
+                <a:endParaRPr lang="en-US" dirty="0"/>
+              </a:p>
+              <a:p>
+                <a:pPr marL="285753" indent="-285753">
                   <a:buFont typeface="Arial" panose="020B0604020202020204" pitchFamily="34" charset="0"/>
                   <a:buChar char="•"/>
                 </a:pPr>
                 <a:r>
-                  <a:rPr lang="en-US" dirty="0" err="1" smtClean="0"/>
+                  <a:rPr lang="en-US" dirty="0" err="1"/>
                   <a:t>Keplerian</a:t>
                 </a:r>
                 <a:r>
-                  <a:rPr lang="en-US" dirty="0" smtClean="0"/>
+                  <a:rPr lang="en-US" dirty="0"/>
                   <a:t> Elements after 30 days of decay:</a:t>
                 </a:r>
               </a:p>
               <a:p>
-                <a:pPr marL="742950" lvl="1" indent="-285750">
+                <a:pPr marL="742959" lvl="1" indent="-285753">
                   <a:buFont typeface="Arial" panose="020B0604020202020204" pitchFamily="34" charset="0"/>
                   <a:buChar char="•"/>
                 </a:pPr>
@@ -5961,7 +5776,7 @@
                                       <m:t>6</m:t>
                                     </m:r>
                                     <m:r>
-                                      <a:rPr lang="en-US" b="0" i="1" smtClean="0">
+                                      <a:rPr lang="en-US" i="1">
                                         <a:latin typeface="Cambria Math" panose="02040503050406030204" pitchFamily="18" charset="0"/>
                                       </a:rPr>
                                       <m:t>45</m:t>
@@ -5973,7 +5788,7 @@
                                       <m:t>.</m:t>
                                     </m:r>
                                     <m:r>
-                                      <a:rPr lang="en-US" b="0" i="1" smtClean="0">
+                                      <a:rPr lang="en-US" i="1">
                                         <a:latin typeface="Cambria Math" panose="02040503050406030204" pitchFamily="18" charset="0"/>
                                       </a:rPr>
                                       <m:t>829</m:t>
@@ -5989,7 +5804,7 @@
                                       <m:t>.002</m:t>
                                     </m:r>
                                     <m:r>
-                                      <a:rPr lang="en-US" b="0" i="1" smtClean="0">
+                                      <a:rPr lang="en-US" i="1">
                                         <a:latin typeface="Cambria Math" panose="02040503050406030204" pitchFamily="18" charset="0"/>
                                       </a:rPr>
                                       <m:t>069</m:t>
@@ -6005,7 +5820,7 @@
                                       <m:t>42.7</m:t>
                                     </m:r>
                                     <m:r>
-                                      <a:rPr lang="en-US" b="0" i="1" smtClean="0">
+                                      <a:rPr lang="en-US" i="1">
                                         <a:latin typeface="Cambria Math" panose="02040503050406030204" pitchFamily="18" charset="0"/>
                                       </a:rPr>
                                       <m:t>32</m:t>
@@ -6039,17 +5854,23 @@
                                       <m:rPr>
                                         <m:brk m:alnAt="7"/>
                                       </m:rPr>
-                                      <a:rPr lang="en-US" b="0" i="1" smtClean="0">
+                                      <a:rPr lang="en-US" i="1">
                                         <a:latin typeface="Cambria Math" panose="02040503050406030204" pitchFamily="18" charset="0"/>
                                       </a:rPr>
-                                      <m:t>156.2116</m:t>
+                                      <m:t>1</m:t>
+                                    </m:r>
+                                    <m:r>
+                                      <a:rPr lang="en-US" i="1">
+                                        <a:latin typeface="Cambria Math" panose="02040503050406030204" pitchFamily="18" charset="0"/>
+                                      </a:rPr>
+                                      <m:t>56.2116</m:t>
                                     </m:r>
                                   </m:e>
                                 </m:mr>
                                 <m:mr>
                                   <m:e>
                                     <m:r>
-                                      <a:rPr lang="en-US" b="0" i="1" smtClean="0">
+                                      <a:rPr lang="en-US" i="1">
                                         <a:latin typeface="Cambria Math" panose="02040503050406030204" pitchFamily="18" charset="0"/>
                                       </a:rPr>
                                       <m:t>8.1985</m:t>
@@ -6059,7 +5880,7 @@
                                 <m:mr>
                                   <m:e>
                                     <m:r>
-                                      <a:rPr lang="en-US" b="0" i="1" smtClean="0">
+                                      <a:rPr lang="en-US" i="1">
                                         <a:latin typeface="Cambria Math" panose="02040503050406030204" pitchFamily="18" charset="0"/>
                                       </a:rPr>
                                       <m:t>80.7678</m:t>
@@ -6085,7 +5906,7 @@
               <p:cNvPr id="11" name="TextBox 10">
                 <a:extLst>
                   <a:ext uri="{FF2B5EF4-FFF2-40B4-BE49-F238E27FC236}">
-                    <a16:creationId xmlns:a16="http://schemas.microsoft.com/office/drawing/2014/main" id="{2267FBF5-8145-4ECA-876B-917612680778}"/>
+                    <a16:creationId xmlns:a16="http://schemas.microsoft.com/office/drawing/2014/main" xmlns="" xmlns:a14="http://schemas.microsoft.com/office/drawing/2010/main" id="{2267FBF5-8145-4ECA-876B-917612680778}"/>
                   </a:ext>
                 </a:extLst>
               </p:cNvPr>
@@ -6096,16 +5917,16 @@
             </p:nvSpPr>
             <p:spPr>
               <a:xfrm>
-                <a:off x="1143000" y="10744200"/>
-                <a:ext cx="6553200" cy="4279248"/>
+                <a:off x="1143002" y="11238605"/>
+                <a:ext cx="6553200" cy="4232569"/>
               </a:xfrm>
               <a:prstGeom prst="rect">
                 <a:avLst/>
               </a:prstGeom>
-              <a:blipFill>
+              <a:blipFill rotWithShape="0">
                 <a:blip r:embed="rId6"/>
                 <a:stretch>
-                  <a:fillRect l="-651" t="-856"/>
+                  <a:fillRect l="-651" t="-865"/>
                 </a:stretch>
               </a:blipFill>
             </p:spPr>
@@ -6129,7 +5950,7 @@
           <p:cNvPr id="12" name="TextBox 11">
             <a:extLst>
               <a:ext uri="{FF2B5EF4-FFF2-40B4-BE49-F238E27FC236}">
-                <a16:creationId xmlns:a16="http://schemas.microsoft.com/office/drawing/2014/main" id="{BD07BB07-B91B-4E7B-A663-7AD78F686F1A}"/>
+                <a16:creationId xmlns:a16="http://schemas.microsoft.com/office/drawing/2014/main" xmlns="" id="{BD07BB07-B91B-4E7B-A663-7AD78F686F1A}"/>
               </a:ext>
             </a:extLst>
           </p:cNvPr>
@@ -6138,7 +5959,7 @@
         </p:nvSpPr>
         <p:spPr>
           <a:xfrm>
-            <a:off x="9236710" y="11409708"/>
+            <a:off x="9236711" y="11904111"/>
             <a:ext cx="6309360" cy="2585323"/>
           </a:xfrm>
           <a:prstGeom prst="rect">
@@ -6152,7 +5973,7 @@
           </a:bodyPr>
           <a:lstStyle/>
           <a:p>
-            <a:pPr marL="285750" indent="-285750">
+            <a:pPr marL="285753" indent="-285753">
               <a:buFont typeface="Arial" panose="020B0604020202020204" pitchFamily="34" charset="0"/>
               <a:buChar char="•"/>
             </a:pPr>
@@ -6162,7 +5983,7 @@
             </a:r>
           </a:p>
           <a:p>
-            <a:pPr marL="742950" lvl="1" indent="-285750">
+            <a:pPr marL="742959" lvl="1" indent="-285753">
               <a:buFont typeface="Arial" panose="020B0604020202020204" pitchFamily="34" charset="0"/>
               <a:buChar char="•"/>
             </a:pPr>
@@ -6176,7 +5997,7 @@
             </a:r>
           </a:p>
           <a:p>
-            <a:pPr marL="742950" lvl="1" indent="-285750">
+            <a:pPr marL="742959" lvl="1" indent="-285753">
               <a:buFont typeface="Arial" panose="020B0604020202020204" pitchFamily="34" charset="0"/>
               <a:buChar char="•"/>
             </a:pPr>
@@ -6190,7 +6011,7 @@
             <a:endParaRPr lang="en-US" dirty="0"/>
           </a:p>
           <a:p>
-            <a:pPr marL="285750" indent="-285750">
+            <a:pPr marL="285753" indent="-285753">
               <a:buFont typeface="Arial" panose="020B0604020202020204" pitchFamily="34" charset="0"/>
               <a:buChar char="•"/>
             </a:pPr>
@@ -6200,7 +6021,7 @@
             </a:r>
           </a:p>
           <a:p>
-            <a:pPr marL="742950" lvl="1" indent="-285750">
+            <a:pPr marL="742959" lvl="1" indent="-285753">
               <a:buFont typeface="Arial" panose="020B0604020202020204" pitchFamily="34" charset="0"/>
               <a:buChar char="•"/>
             </a:pPr>
@@ -6218,7 +6039,7 @@
             </a:r>
           </a:p>
           <a:p>
-            <a:pPr marL="742950" lvl="1" indent="-285750">
+            <a:pPr marL="742959" lvl="1" indent="-285753">
               <a:buFont typeface="Arial" panose="020B0604020202020204" pitchFamily="34" charset="0"/>
               <a:buChar char="•"/>
             </a:pPr>
@@ -6228,14 +6049,14 @@
             </a:r>
           </a:p>
           <a:p>
-            <a:pPr marL="742950" lvl="1" indent="-285750">
+            <a:pPr marL="742959" lvl="1" indent="-285753">
               <a:buFont typeface="Arial" panose="020B0604020202020204" pitchFamily="34" charset="0"/>
               <a:buChar char="•"/>
             </a:pPr>
             <a:endParaRPr lang="en-US" dirty="0"/>
           </a:p>
           <a:p>
-            <a:pPr marL="285750" indent="-285750">
+            <a:pPr marL="285753" indent="-285753">
               <a:buFont typeface="Arial" panose="020B0604020202020204" pitchFamily="34" charset="0"/>
               <a:buChar char="•"/>
             </a:pPr>
@@ -6256,7 +6077,7 @@
             </p:nvSpPr>
             <p:spPr>
               <a:xfrm>
-                <a:off x="9227820" y="4115728"/>
+                <a:off x="9227821" y="4610133"/>
                 <a:ext cx="6629400" cy="6220421"/>
               </a:xfrm>
               <a:prstGeom prst="rect">
@@ -6270,194 +6091,90 @@
               </a:bodyPr>
               <a:lstStyle/>
               <a:p>
-                <a:pPr marL="285750" indent="-285750">
+                <a:pPr marL="285753" indent="-285753">
                   <a:buFont typeface="Arial" panose="020B0604020202020204" pitchFamily="34" charset="0"/>
                   <a:buChar char="•"/>
                 </a:pPr>
                 <a:r>
-                  <a:rPr lang="en-US" dirty="0" smtClean="0"/>
+                  <a:rPr lang="en-US" dirty="0"/>
                   <a:t>The decayed and desired orbits were propagated for orbit each.</a:t>
                 </a:r>
               </a:p>
               <a:p>
-                <a:pPr marL="742950" lvl="1" indent="-285750">
+                <a:pPr marL="742959" lvl="1" indent="-285753">
                   <a:buFont typeface="Arial" panose="020B0604020202020204" pitchFamily="34" charset="0"/>
                   <a:buChar char="•"/>
                 </a:pPr>
                 <a:r>
-                  <a:rPr lang="en-US" dirty="0" smtClean="0"/>
+                  <a:rPr lang="en-US" dirty="0"/>
                   <a:t>The true anomaly of the starting and end points were varied over the range of 0 to 2</a:t>
                 </a:r>
                 <a:r>
-                  <a:rPr lang="el-GR" dirty="0" smtClean="0"/>
+                  <a:rPr lang="el-GR" dirty="0"/>
                   <a:t>π</a:t>
                 </a:r>
                 <a:r>
-                  <a:rPr lang="en-US" dirty="0" smtClean="0"/>
+                  <a:rPr lang="en-US" dirty="0"/>
                   <a:t>.</a:t>
                 </a:r>
               </a:p>
               <a:p>
-                <a:pPr marL="285750" indent="-285750">
+                <a:pPr marL="285753" indent="-285753">
                   <a:buFont typeface="Arial" panose="020B0604020202020204" pitchFamily="34" charset="0"/>
                   <a:buChar char="•"/>
                 </a:pPr>
                 <a:r>
-                  <a:rPr lang="en-US" dirty="0" smtClean="0"/>
+                  <a:rPr lang="en-US" dirty="0"/>
                   <a:t>The time of flight (TOF) between the points was varied over roughly 0 to 3 orbital periods (1.5 to 4.5 hours).</a:t>
                 </a:r>
               </a:p>
               <a:p>
-                <a:pPr marL="285750" indent="-285750">
+                <a:pPr marL="285753" indent="-285753">
                   <a:buFont typeface="Arial" panose="020B0604020202020204" pitchFamily="34" charset="0"/>
                   <a:buChar char="•"/>
                 </a:pPr>
                 <a:endParaRPr lang="en-US" dirty="0"/>
               </a:p>
               <a:p>
-                <a:pPr marL="285750" indent="-285750">
+                <a:pPr marL="285753" indent="-285753">
                   <a:buFont typeface="Arial" panose="020B0604020202020204" pitchFamily="34" charset="0"/>
                   <a:buChar char="•"/>
                 </a:pPr>
                 <a:r>
-                  <a:rPr lang="en-US" dirty="0" smtClean="0"/>
+                  <a:rPr lang="en-US" dirty="0"/>
                   <a:t>At each point in space, a set of initial and final position vectors are generated.</a:t>
                 </a:r>
               </a:p>
               <a:p>
-                <a:pPr marL="742950" lvl="1" indent="-285750">
+                <a:pPr marL="742959" lvl="1" indent="-285753">
                   <a:buFont typeface="Arial" panose="020B0604020202020204" pitchFamily="34" charset="0"/>
                   <a:buChar char="•"/>
                 </a:pPr>
                 <a:r>
-                  <a:rPr lang="en-US" dirty="0" smtClean="0"/>
+                  <a:rPr lang="en-US" dirty="0"/>
                   <a:t>These vectors along with the time of flight are fed into a Lambert Solver (via </a:t>
                 </a:r>
                 <a:r>
-                  <a:rPr lang="en-US" dirty="0" err="1" smtClean="0"/>
+                  <a:rPr lang="en-US" dirty="0" err="1"/>
                   <a:t>Izzo</a:t>
                 </a:r>
                 <a:r>
-                  <a:rPr lang="en-US" dirty="0" smtClean="0"/>
+                  <a:rPr lang="en-US" dirty="0"/>
                   <a:t> and Lancaster, Blanchard &amp; Gooding) to find the corresponding velocities to the arc between them.</a:t>
                 </a:r>
               </a:p>
               <a:p>
-                <a:pPr marL="285750" indent="-285750">
+                <a:pPr marL="285753" indent="-285753">
                   <a:buFont typeface="Arial" panose="020B0604020202020204" pitchFamily="34" charset="0"/>
                   <a:buChar char="•"/>
                 </a:pPr>
                 <a:r>
-                  <a:rPr lang="en-US" dirty="0" smtClean="0"/>
+                  <a:rPr lang="en-US" dirty="0"/>
                   <a:t>The resulting velocities were subtracted from the orbital velocity at the corresponding point in the orbit:</a:t>
                 </a:r>
               </a:p>
               <a:p>
-                <a:pPr marL="742950" lvl="1" indent="-285750">
-                  <a:buFont typeface="Arial" panose="020B0604020202020204" pitchFamily="34" charset="0"/>
-                  <a:buChar char="•"/>
-                </a:pPr>
-                <a14:m>
-                  <m:oMath xmlns:m="http://schemas.openxmlformats.org/officeDocument/2006/math">
-                    <m:sSub>
-                      <m:sSubPr>
-                        <m:ctrlPr>
-                          <a:rPr lang="en-US" b="0" i="1" smtClean="0">
-                            <a:latin typeface="Cambria Math" panose="02040503050406030204" pitchFamily="18" charset="0"/>
-                          </a:rPr>
-                        </m:ctrlPr>
-                      </m:sSubPr>
-                      <m:e>
-                        <m:r>
-                          <a:rPr lang="en-US" b="0" i="1" smtClean="0">
-                            <a:latin typeface="Cambria Math" panose="02040503050406030204" pitchFamily="18" charset="0"/>
-                          </a:rPr>
-                          <m:t>𝑑𝑉</m:t>
-                        </m:r>
-                      </m:e>
-                      <m:sub>
-                        <m:r>
-                          <a:rPr lang="en-US" b="0" i="1" smtClean="0">
-                            <a:latin typeface="Cambria Math" panose="02040503050406030204" pitchFamily="18" charset="0"/>
-                          </a:rPr>
-                          <m:t>1</m:t>
-                        </m:r>
-                      </m:sub>
-                    </m:sSub>
-                    <m:r>
-                      <a:rPr lang="en-US" b="0" i="1" smtClean="0">
-                        <a:latin typeface="Cambria Math" panose="02040503050406030204" pitchFamily="18" charset="0"/>
-                      </a:rPr>
-                      <m:t>= </m:t>
-                    </m:r>
-                    <m:sSub>
-                      <m:sSubPr>
-                        <m:ctrlPr>
-                          <a:rPr lang="en-US" b="0" i="1" smtClean="0">
-                            <a:latin typeface="Cambria Math" panose="02040503050406030204" pitchFamily="18" charset="0"/>
-                          </a:rPr>
-                        </m:ctrlPr>
-                      </m:sSubPr>
-                      <m:e>
-                        <m:r>
-                          <a:rPr lang="en-US" b="0" i="1" smtClean="0">
-                            <a:latin typeface="Cambria Math" panose="02040503050406030204" pitchFamily="18" charset="0"/>
-                          </a:rPr>
-                          <m:t>𝑉</m:t>
-                        </m:r>
-                      </m:e>
-                      <m:sub>
-                        <m:r>
-                          <a:rPr lang="en-US" b="0" i="1" smtClean="0">
-                            <a:latin typeface="Cambria Math" panose="02040503050406030204" pitchFamily="18" charset="0"/>
-                          </a:rPr>
-                          <m:t>1,</m:t>
-                        </m:r>
-                        <m:r>
-                          <a:rPr lang="en-US" b="0" i="1" smtClean="0">
-                            <a:latin typeface="Cambria Math" panose="02040503050406030204" pitchFamily="18" charset="0"/>
-                          </a:rPr>
-                          <m:t>𝐿𝑎𝑚𝑏𝑒𝑟𝑡</m:t>
-                        </m:r>
-                      </m:sub>
-                    </m:sSub>
-                    <m:r>
-                      <a:rPr lang="en-US" b="0" i="1" smtClean="0">
-                        <a:latin typeface="Cambria Math" panose="02040503050406030204" pitchFamily="18" charset="0"/>
-                      </a:rPr>
-                      <m:t>−</m:t>
-                    </m:r>
-                    <m:sSub>
-                      <m:sSubPr>
-                        <m:ctrlPr>
-                          <a:rPr lang="en-US" b="0" i="1" smtClean="0">
-                            <a:latin typeface="Cambria Math" panose="02040503050406030204" pitchFamily="18" charset="0"/>
-                          </a:rPr>
-                        </m:ctrlPr>
-                      </m:sSubPr>
-                      <m:e>
-                        <m:r>
-                          <a:rPr lang="en-US" b="0" i="1" smtClean="0">
-                            <a:latin typeface="Cambria Math" panose="02040503050406030204" pitchFamily="18" charset="0"/>
-                          </a:rPr>
-                          <m:t>𝑉</m:t>
-                        </m:r>
-                      </m:e>
-                      <m:sub>
-                        <m:r>
-                          <a:rPr lang="en-US" b="0" i="1" smtClean="0">
-                            <a:latin typeface="Cambria Math" panose="02040503050406030204" pitchFamily="18" charset="0"/>
-                          </a:rPr>
-                          <m:t>𝐷𝑒𝑐𝑎𝑦𝑒𝑑</m:t>
-                        </m:r>
-                      </m:sub>
-                    </m:sSub>
-                  </m:oMath>
-                </a14:m>
-                <a:endParaRPr lang="en-US" b="0" dirty="0" smtClean="0"/>
-              </a:p>
-              <a:p>
-                <a:pPr marL="742950" lvl="1" indent="-285750">
+                <a:pPr marL="742959" lvl="1" indent="-285753">
                   <a:buFont typeface="Arial" panose="020B0604020202020204" pitchFamily="34" charset="0"/>
                   <a:buChar char="•"/>
                 </a:pPr>
@@ -6481,7 +6198,111 @@
                       </m:e>
                       <m:sub>
                         <m:r>
-                          <a:rPr lang="en-US" b="0" i="1" smtClean="0">
+                          <a:rPr lang="en-US" i="1">
+                            <a:latin typeface="Cambria Math" panose="02040503050406030204" pitchFamily="18" charset="0"/>
+                          </a:rPr>
+                          <m:t>1</m:t>
+                        </m:r>
+                      </m:sub>
+                    </m:sSub>
+                    <m:r>
+                      <a:rPr lang="en-US" i="1">
+                        <a:latin typeface="Cambria Math" panose="02040503050406030204" pitchFamily="18" charset="0"/>
+                      </a:rPr>
+                      <m:t>= </m:t>
+                    </m:r>
+                    <m:sSub>
+                      <m:sSubPr>
+                        <m:ctrlPr>
+                          <a:rPr lang="en-US" i="1">
+                            <a:latin typeface="Cambria Math" panose="02040503050406030204" pitchFamily="18" charset="0"/>
+                          </a:rPr>
+                        </m:ctrlPr>
+                      </m:sSubPr>
+                      <m:e>
+                        <m:r>
+                          <a:rPr lang="en-US" i="1">
+                            <a:latin typeface="Cambria Math" panose="02040503050406030204" pitchFamily="18" charset="0"/>
+                          </a:rPr>
+                          <m:t>𝑉</m:t>
+                        </m:r>
+                      </m:e>
+                      <m:sub>
+                        <m:r>
+                          <a:rPr lang="en-US" i="1">
+                            <a:latin typeface="Cambria Math" panose="02040503050406030204" pitchFamily="18" charset="0"/>
+                          </a:rPr>
+                          <m:t>1,</m:t>
+                        </m:r>
+                        <m:r>
+                          <a:rPr lang="en-US" i="1">
+                            <a:latin typeface="Cambria Math" panose="02040503050406030204" pitchFamily="18" charset="0"/>
+                          </a:rPr>
+                          <m:t>𝐿𝑎𝑚𝑏𝑒𝑟𝑡</m:t>
+                        </m:r>
+                      </m:sub>
+                    </m:sSub>
+                    <m:r>
+                      <a:rPr lang="en-US" i="1">
+                        <a:latin typeface="Cambria Math" panose="02040503050406030204" pitchFamily="18" charset="0"/>
+                      </a:rPr>
+                      <m:t>−</m:t>
+                    </m:r>
+                    <m:sSub>
+                      <m:sSubPr>
+                        <m:ctrlPr>
+                          <a:rPr lang="en-US" i="1">
+                            <a:latin typeface="Cambria Math" panose="02040503050406030204" pitchFamily="18" charset="0"/>
+                          </a:rPr>
+                        </m:ctrlPr>
+                      </m:sSubPr>
+                      <m:e>
+                        <m:r>
+                          <a:rPr lang="en-US" i="1">
+                            <a:latin typeface="Cambria Math" panose="02040503050406030204" pitchFamily="18" charset="0"/>
+                          </a:rPr>
+                          <m:t>𝑉</m:t>
+                        </m:r>
+                      </m:e>
+                      <m:sub>
+                        <m:r>
+                          <a:rPr lang="en-US" i="1">
+                            <a:latin typeface="Cambria Math" panose="02040503050406030204" pitchFamily="18" charset="0"/>
+                          </a:rPr>
+                          <m:t>𝐷𝑒𝑐𝑎𝑦𝑒𝑑</m:t>
+                        </m:r>
+                      </m:sub>
+                    </m:sSub>
+                  </m:oMath>
+                </a14:m>
+                <a:endParaRPr lang="en-US" dirty="0"/>
+              </a:p>
+              <a:p>
+                <a:pPr marL="742959" lvl="1" indent="-285753">
+                  <a:buFont typeface="Arial" panose="020B0604020202020204" pitchFamily="34" charset="0"/>
+                  <a:buChar char="•"/>
+                </a:pPr>
+                <a14:m>
+                  <m:oMath xmlns:m="http://schemas.openxmlformats.org/officeDocument/2006/math">
+                    <m:sSub>
+                      <m:sSubPr>
+                        <m:ctrlPr>
+                          <a:rPr lang="en-US" i="1">
+                            <a:latin typeface="Cambria Math" panose="02040503050406030204" pitchFamily="18" charset="0"/>
+                          </a:rPr>
+                        </m:ctrlPr>
+                      </m:sSubPr>
+                      <m:e>
+                        <m:r>
+                          <a:rPr lang="en-US" i="1">
+                            <a:latin typeface="Cambria Math" panose="02040503050406030204" pitchFamily="18" charset="0"/>
+                          </a:rPr>
+                          <m:t>𝑑𝑉</m:t>
+                        </m:r>
+                      </m:e>
+                      <m:sub>
+                        <m:r>
+                          <a:rPr lang="en-US" i="1">
                             <a:latin typeface="Cambria Math" panose="02040503050406030204" pitchFamily="18" charset="0"/>
                           </a:rPr>
                           <m:t>2</m:t>
@@ -6512,7 +6333,7 @@
                       </m:e>
                       <m:sub>
                         <m:r>
-                          <a:rPr lang="en-US" b="0" i="1" smtClean="0">
+                          <a:rPr lang="en-US" i="1">
                             <a:latin typeface="Cambria Math" panose="02040503050406030204" pitchFamily="18" charset="0"/>
                           </a:rPr>
                           <m:t>2</m:t>
@@ -6555,7 +6376,7 @@
                       </m:e>
                       <m:sub>
                         <m:r>
-                          <a:rPr lang="en-US" b="0" i="1" smtClean="0">
+                          <a:rPr lang="en-US" i="1">
                             <a:latin typeface="Cambria Math" panose="02040503050406030204" pitchFamily="18" charset="0"/>
                           </a:rPr>
                           <m:t>𝐷𝑒𝑠𝑖𝑟𝑒𝑑</m:t>
@@ -6564,32 +6385,32 @@
                     </m:sSub>
                   </m:oMath>
                 </a14:m>
-                <a:endParaRPr lang="en-US" dirty="0" smtClean="0"/>
+                <a:endParaRPr lang="en-US" dirty="0"/>
               </a:p>
               <a:p>
-                <a:pPr marL="285750" indent="-285750">
+                <a:pPr marL="285753" indent="-285753">
                   <a:buFont typeface="Arial" panose="020B0604020202020204" pitchFamily="34" charset="0"/>
                   <a:buChar char="•"/>
                 </a:pPr>
                 <a:endParaRPr lang="en-US" dirty="0"/>
               </a:p>
               <a:p>
-                <a:pPr marL="285750" indent="-285750">
+                <a:pPr marL="285753" indent="-285753">
                   <a:buFont typeface="Arial" panose="020B0604020202020204" pitchFamily="34" charset="0"/>
                   <a:buChar char="•"/>
                 </a:pPr>
                 <a:r>
-                  <a:rPr lang="en-US" dirty="0" smtClean="0"/>
+                  <a:rPr lang="en-US" dirty="0"/>
                   <a:t>These impulsive delta velocities were stored, and the combination of their magnitudes were used as a cost function. </a:t>
                 </a:r>
               </a:p>
               <a:p>
-                <a:pPr marL="285750" indent="-285750">
+                <a:pPr marL="285753" indent="-285753">
                   <a:buFont typeface="Arial" panose="020B0604020202020204" pitchFamily="34" charset="0"/>
                   <a:buChar char="•"/>
                 </a:pPr>
                 <a:r>
-                  <a:rPr lang="en-US" dirty="0" smtClean="0"/>
+                  <a:rPr lang="en-US" dirty="0"/>
                   <a:t>After searching over the entire design space, the search mesh was refined iteratively to enclose a smaller region of design space, until a suitable convergence was reached. </a:t>
                 </a:r>
                 <a:endParaRPr lang="en-US" dirty="0"/>
@@ -6608,13 +6429,13 @@
             </p:nvSpPr>
             <p:spPr>
               <a:xfrm>
-                <a:off x="9227820" y="4115728"/>
+                <a:off x="9227821" y="4610133"/>
                 <a:ext cx="6629400" cy="6220421"/>
               </a:xfrm>
               <a:prstGeom prst="rect">
                 <a:avLst/>
               </a:prstGeom>
-              <a:blipFill>
+              <a:blipFill rotWithShape="0">
                 <a:blip r:embed="rId7"/>
                 <a:stretch>
                   <a:fillRect l="-644" t="-490" r="-1380" b="-588"/>
@@ -6644,7 +6465,7 @@
         </p:nvSpPr>
         <p:spPr>
           <a:xfrm>
-            <a:off x="17072610" y="4130040"/>
+            <a:off x="17072611" y="4624445"/>
             <a:ext cx="6633210" cy="3693319"/>
           </a:xfrm>
           <a:prstGeom prst="rect">
@@ -6659,21 +6480,21 @@
           <a:lstStyle/>
           <a:p>
             <a:r>
-              <a:rPr lang="en-US" dirty="0" smtClean="0"/>
+              <a:rPr lang="en-US" dirty="0"/>
               <a:t>Minimum </a:t>
             </a:r>
             <a:r>
               <a:rPr lang="en-US" dirty="0"/>
               <a:t>Burn Cost: 11.3130 km/s </a:t>
             </a:r>
-            <a:endParaRPr lang="en-US" dirty="0" smtClean="0"/>
-          </a:p>
-          <a:p>
             <a:endParaRPr lang="en-US" dirty="0"/>
           </a:p>
           <a:p>
-            <a:r>
-              <a:rPr lang="en-US" dirty="0" smtClean="0"/>
+            <a:endParaRPr lang="en-US" dirty="0"/>
+          </a:p>
+          <a:p>
+            <a:r>
+              <a:rPr lang="en-US" dirty="0"/>
               <a:t>Position </a:t>
             </a:r>
             <a:r>
@@ -6683,21 +6504,21 @@
           </a:p>
           <a:p>
             <a:r>
-              <a:rPr lang="en-US" dirty="0" smtClean="0"/>
+              <a:rPr lang="en-US" dirty="0"/>
               <a:t>Delta </a:t>
             </a:r>
             <a:r>
               <a:rPr lang="en-US" dirty="0"/>
               <a:t>Velocity, Burn One: 10.6062 km/s </a:t>
             </a:r>
-            <a:endParaRPr lang="en-US" dirty="0" smtClean="0"/>
-          </a:p>
-          <a:p>
             <a:endParaRPr lang="en-US" dirty="0"/>
           </a:p>
           <a:p>
-            <a:r>
-              <a:rPr lang="en-US" dirty="0" smtClean="0"/>
+            <a:endParaRPr lang="en-US" dirty="0"/>
+          </a:p>
+          <a:p>
+            <a:r>
+              <a:rPr lang="en-US" dirty="0"/>
               <a:t>Position </a:t>
             </a:r>
             <a:r>
@@ -6707,21 +6528,21 @@
           </a:p>
           <a:p>
             <a:r>
-              <a:rPr lang="en-US" dirty="0" smtClean="0"/>
+              <a:rPr lang="en-US" dirty="0"/>
               <a:t>Delta </a:t>
             </a:r>
             <a:r>
               <a:rPr lang="en-US" dirty="0"/>
               <a:t>Velocity, Burn Two: 0.7068 km/s </a:t>
             </a:r>
-            <a:endParaRPr lang="en-US" dirty="0" smtClean="0"/>
-          </a:p>
-          <a:p>
             <a:endParaRPr lang="en-US" dirty="0"/>
           </a:p>
           <a:p>
-            <a:r>
-              <a:rPr lang="en-US" dirty="0" smtClean="0"/>
+            <a:endParaRPr lang="en-US" dirty="0"/>
+          </a:p>
+          <a:p>
+            <a:r>
+              <a:rPr lang="en-US" dirty="0"/>
               <a:t>Time </a:t>
             </a:r>
             <a:r>
@@ -6731,7 +6552,7 @@
           </a:p>
           <a:p>
             <a:r>
-              <a:rPr lang="en-US" dirty="0" smtClean="0"/>
+              <a:rPr lang="en-US" dirty="0"/>
               <a:t>True </a:t>
             </a:r>
             <a:r>
@@ -6741,7 +6562,7 @@
           </a:p>
           <a:p>
             <a:r>
-              <a:rPr lang="en-US" dirty="0" smtClean="0"/>
+              <a:rPr lang="en-US" dirty="0"/>
               <a:t>True </a:t>
             </a:r>
             <a:r>
@@ -6751,7 +6572,7 @@
           </a:p>
           <a:p>
             <a:r>
-              <a:rPr lang="en-US" dirty="0" smtClean="0"/>
+              <a:rPr lang="en-US" dirty="0"/>
               <a:t>Burn </a:t>
             </a:r>
             <a:r>
@@ -6761,7 +6582,7 @@
           </a:p>
           <a:p>
             <a:r>
-              <a:rPr lang="en-US" dirty="0" smtClean="0"/>
+              <a:rPr lang="en-US" dirty="0"/>
               <a:t>Burn </a:t>
             </a:r>
             <a:r>
@@ -6779,7 +6600,7 @@
         </p:nvSpPr>
         <p:spPr>
           <a:xfrm>
-            <a:off x="25222200" y="4196885"/>
+            <a:off x="25222202" y="13377879"/>
             <a:ext cx="6629400" cy="646331"/>
           </a:xfrm>
           <a:prstGeom prst="rect">
@@ -6793,15 +6614,268 @@
           </a:bodyPr>
           <a:lstStyle/>
           <a:p>
-            <a:pPr marL="285750" indent="-285750">
+            <a:pPr marL="285753" indent="-285753">
               <a:buFont typeface="Arial" panose="020B0604020202020204" pitchFamily="34" charset="0"/>
               <a:buChar char="•"/>
             </a:pPr>
             <a:r>
-              <a:rPr lang="en-US" dirty="0" smtClean="0"/>
+              <a:rPr lang="en-US" dirty="0"/>
               <a:t>The recovery maneuver had a burn cost of 11.313 km/s and required two different burn events.</a:t>
             </a:r>
             <a:endParaRPr lang="en-US" dirty="0"/>
+          </a:p>
+        </p:txBody>
+      </p:sp>
+      <p:pic>
+        <p:nvPicPr>
+          <p:cNvPr id="14" name="Picture 13"/>
+          <p:cNvPicPr>
+            <a:picLocks noChangeAspect="1"/>
+          </p:cNvPicPr>
+          <p:nvPr/>
+        </p:nvPicPr>
+        <p:blipFill>
+          <a:blip r:embed="rId8">
+            <a:extLst>
+              <a:ext uri="{28A0092B-C50C-407E-A947-70E740481C1C}">
+                <a14:useLocalDpi xmlns:a14="http://schemas.microsoft.com/office/drawing/2010/main" val="0"/>
+              </a:ext>
+            </a:extLst>
+          </a:blip>
+          <a:stretch>
+            <a:fillRect/>
+          </a:stretch>
+        </p:blipFill>
+        <p:spPr>
+          <a:xfrm>
+            <a:off x="17881165" y="11267259"/>
+            <a:ext cx="5195205" cy="3896404"/>
+          </a:xfrm>
+          <a:prstGeom prst="rect">
+            <a:avLst/>
+          </a:prstGeom>
+        </p:spPr>
+      </p:pic>
+      <p:sp>
+        <p:nvSpPr>
+          <p:cNvPr id="53" name="Rectangle 52"/>
+          <p:cNvSpPr/>
+          <p:nvPr/>
+        </p:nvSpPr>
+        <p:spPr>
+          <a:xfrm>
+            <a:off x="25093425" y="3630795"/>
+            <a:ext cx="6934200" cy="8624033"/>
+          </a:xfrm>
+          <a:prstGeom prst="rect">
+            <a:avLst/>
+          </a:prstGeom>
+          <a:solidFill>
+            <a:schemeClr val="bg1"/>
+          </a:solidFill>
+          <a:ln w="76200">
+            <a:solidFill>
+              <a:srgbClr val="002060"/>
+            </a:solidFill>
+          </a:ln>
+        </p:spPr>
+        <p:style>
+          <a:lnRef idx="2">
+            <a:schemeClr val="accent1">
+              <a:shade val="50000"/>
+            </a:schemeClr>
+          </a:lnRef>
+          <a:fillRef idx="1">
+            <a:schemeClr val="accent1"/>
+          </a:fillRef>
+          <a:effectRef idx="0">
+            <a:schemeClr val="accent1"/>
+          </a:effectRef>
+          <a:fontRef idx="minor">
+            <a:schemeClr val="lt1"/>
+          </a:fontRef>
+        </p:style>
+        <p:txBody>
+          <a:bodyPr rtlCol="0" anchor="ctr"/>
+          <a:lstStyle/>
+          <a:p>
+            <a:pPr algn="ctr"/>
+            <a:endParaRPr lang="en-US"/>
+          </a:p>
+        </p:txBody>
+      </p:sp>
+      <p:sp>
+        <p:nvSpPr>
+          <p:cNvPr id="54" name="Rectangle 53"/>
+          <p:cNvSpPr/>
+          <p:nvPr/>
+        </p:nvSpPr>
+        <p:spPr>
+          <a:xfrm>
+            <a:off x="25097995" y="3636062"/>
+            <a:ext cx="6934200" cy="947235"/>
+          </a:xfrm>
+          <a:prstGeom prst="rect">
+            <a:avLst/>
+          </a:prstGeom>
+          <a:solidFill>
+            <a:srgbClr val="002060"/>
+          </a:solidFill>
+        </p:spPr>
+        <p:style>
+          <a:lnRef idx="2">
+            <a:schemeClr val="accent1">
+              <a:shade val="50000"/>
+            </a:schemeClr>
+          </a:lnRef>
+          <a:fillRef idx="1">
+            <a:schemeClr val="accent1"/>
+          </a:fillRef>
+          <a:effectRef idx="0">
+            <a:schemeClr val="accent1"/>
+          </a:effectRef>
+          <a:fontRef idx="minor">
+            <a:schemeClr val="lt1"/>
+          </a:fontRef>
+        </p:style>
+        <p:txBody>
+          <a:bodyPr rtlCol="0" anchor="ctr"/>
+          <a:lstStyle/>
+          <a:p>
+            <a:pPr algn="ctr"/>
+            <a:endParaRPr lang="en-US"/>
+          </a:p>
+        </p:txBody>
+      </p:sp>
+      <p:sp>
+        <p:nvSpPr>
+          <p:cNvPr id="59" name="TextBox 58"/>
+          <p:cNvSpPr txBox="1"/>
+          <p:nvPr/>
+        </p:nvSpPr>
+        <p:spPr>
+          <a:xfrm>
+            <a:off x="26391110" y="3784222"/>
+            <a:ext cx="4724400" cy="646331"/>
+          </a:xfrm>
+          <a:prstGeom prst="rect">
+            <a:avLst/>
+          </a:prstGeom>
+          <a:noFill/>
+        </p:spPr>
+        <p:txBody>
+          <a:bodyPr wrap="square" rtlCol="0">
+            <a:spAutoFit/>
+          </a:bodyPr>
+          <a:lstStyle/>
+          <a:p>
+            <a:pPr algn="ctr"/>
+            <a:r>
+              <a:rPr lang="en-US" sz="3600" dirty="0">
+                <a:solidFill>
+                  <a:schemeClr val="bg1"/>
+                </a:solidFill>
+              </a:rPr>
+              <a:t>Plots Continued</a:t>
+            </a:r>
+            <a:endParaRPr lang="en-US" sz="3600" dirty="0">
+              <a:solidFill>
+                <a:schemeClr val="bg1"/>
+              </a:solidFill>
+            </a:endParaRPr>
+          </a:p>
+        </p:txBody>
+      </p:sp>
+      <p:pic>
+        <p:nvPicPr>
+          <p:cNvPr id="15" name="Picture 14"/>
+          <p:cNvPicPr>
+            <a:picLocks noChangeAspect="1"/>
+          </p:cNvPicPr>
+          <p:nvPr/>
+        </p:nvPicPr>
+        <p:blipFill>
+          <a:blip r:embed="rId9">
+            <a:extLst>
+              <a:ext uri="{28A0092B-C50C-407E-A947-70E740481C1C}">
+                <a14:useLocalDpi xmlns:a14="http://schemas.microsoft.com/office/drawing/2010/main" val="0"/>
+              </a:ext>
+            </a:extLst>
+          </a:blip>
+          <a:stretch>
+            <a:fillRect/>
+          </a:stretch>
+        </p:blipFill>
+        <p:spPr>
+          <a:xfrm>
+            <a:off x="26253380" y="4705589"/>
+            <a:ext cx="4689918" cy="3517438"/>
+          </a:xfrm>
+          <a:prstGeom prst="rect">
+            <a:avLst/>
+          </a:prstGeom>
+        </p:spPr>
+      </p:pic>
+      <p:pic>
+        <p:nvPicPr>
+          <p:cNvPr id="16" name="Picture 15"/>
+          <p:cNvPicPr>
+            <a:picLocks noChangeAspect="1"/>
+          </p:cNvPicPr>
+          <p:nvPr/>
+        </p:nvPicPr>
+        <p:blipFill>
+          <a:blip r:embed="rId10">
+            <a:extLst>
+              <a:ext uri="{28A0092B-C50C-407E-A947-70E740481C1C}">
+                <a14:useLocalDpi xmlns:a14="http://schemas.microsoft.com/office/drawing/2010/main" val="0"/>
+              </a:ext>
+            </a:extLst>
+          </a:blip>
+          <a:stretch>
+            <a:fillRect/>
+          </a:stretch>
+        </p:blipFill>
+        <p:spPr>
+          <a:xfrm>
+            <a:off x="26215280" y="8378715"/>
+            <a:ext cx="4842318" cy="3631737"/>
+          </a:xfrm>
+          <a:prstGeom prst="rect">
+            <a:avLst/>
+          </a:prstGeom>
+        </p:spPr>
+      </p:pic>
+      <p:sp>
+        <p:nvSpPr>
+          <p:cNvPr id="19" name="TextBox 18"/>
+          <p:cNvSpPr txBox="1"/>
+          <p:nvPr/>
+        </p:nvSpPr>
+        <p:spPr>
+          <a:xfrm>
+            <a:off x="17157128" y="10054094"/>
+            <a:ext cx="6548693" cy="923330"/>
+          </a:xfrm>
+          <a:prstGeom prst="rect">
+            <a:avLst/>
+          </a:prstGeom>
+          <a:noFill/>
+        </p:spPr>
+        <p:txBody>
+          <a:bodyPr wrap="square" rtlCol="0">
+            <a:spAutoFit/>
+          </a:bodyPr>
+          <a:lstStyle/>
+          <a:p>
+            <a:pPr marL="285753" indent="-285753">
+              <a:buFont typeface="Arial" panose="020B0604020202020204" pitchFamily="34" charset="0"/>
+              <a:buChar char="•"/>
+            </a:pPr>
+            <a:r>
+              <a:rPr lang="en-US" dirty="0"/>
+              <a:t>The following plots show at which true anomaly of the starting point, ending point and time of flight the impulsive maneuver is at a minimum. </a:t>
+            </a:r>
           </a:p>
         </p:txBody>
       </p:sp>
@@ -6815,6 +6889,13 @@
   <p:clrMapOvr>
     <a:masterClrMapping/>
   </p:clrMapOvr>
+  <p:timing>
+    <p:tnLst>
+      <p:par>
+        <p:cTn id="1" dur="indefinite" restart="never" nodeType="tmRoot"/>
+      </p:par>
+    </p:tnLst>
+  </p:timing>
 </p:sld>
 </file>
 
@@ -7602,31 +7683,31 @@
 </file>
 
 <file path=customXml/item1.xml><?xml version="1.0" encoding="utf-8"?>
+<sisl xmlns:xsi="http://www.w3.org/2001/XMLSchema-instance" xmlns:xsd="http://www.w3.org/2001/XMLSchema" xmlns="http://www.boldonjames.com/2008/01/sie/internal/label" sislVersion="0" policy="cde53ac1-bf5f-4aae-9cf1-07509e23a4b0" origin="defaultValue">
+  <element uid="bba94c65-ac3d-4f34-b2e1-8de11ef6f01c" value=""/>
+</sisl>
+</file>
+
+<file path=customXml/item2.xml><?xml version="1.0" encoding="utf-8"?>
 <WrappedLabelHistory xmlns:xsi="http://www.w3.org/2001/XMLSchema-instance" xmlns:xsd="http://www.w3.org/2001/XMLSchema" xmlns="http://www.boldonjames.com/2016/02/Classifier/internal/wrappedLabelHistory">
   <Value>PD94bWwgdmVyc2lvbj0iMS4wIiBlbmNvZGluZz0idXMtYXNjaWkiPz48bGFiZWxIaXN0b3J5IHhtbG5zOnhzaT0iaHR0cDovL3d3dy53My5vcmcvMjAwMS9YTUxTY2hlbWEtaW5zdGFuY2UiIHhtbG5zOnhzZD0iaHR0cDovL3d3dy53My5vcmcvMjAwMS9YTUxTY2hlbWEiIHhtbG5zPSJodHRwOi8vd3d3LmJvbGRvbmphbWVzLmNvbS8yMDE2LzAyL0NsYXNzaWZpZXIvaW50ZXJuYWwvbGFiZWxIaXN0b3J5Ij48aXRlbT48c2lzbCBzaXNsVmVyc2lvbj0iMCIgcG9saWN5PSJjZGU1M2FjMS1iZjVmLTRhYWUtOWNmMS0wNzUwOWUyM2E0YjAiIG9yaWdpbj0iZGVmYXVsdFZhbHVlIj48ZWxlbWVudCB1aWQ9ImJiYTk0YzY1LWFjM2QtNGYzNC1iMmUxLThkZTExZWY2ZjAxYyIgdmFsdWU9IiIgeG1sbnM9Imh0dHA6Ly93d3cuYm9sZG9uamFtZXMuY29tLzIwMDgvMDEvc2llL2ludGVybmFsL2xhYmVsIiAvPjwvc2lzbD48VXNlck5hbWU+VVNcejEwODk4Mjk8L1VzZXJOYW1lPjxEYXRlVGltZT4xMS8yOC8yMDE4IDI6MTY6MTkgUE08L0RhdGVUaW1lPjxMYWJlbFN0cmluZz5PcmlnaW4gSnVyaXNkaWN0aW9uOiBVUyA8L0xhYmVsU3RyaW5nPjwvaXRlbT48L2xhYmVsSGlzdG9yeT4=</Value>
 </WrappedLabelHistory>
 </file>
 
-<file path=customXml/item2.xml><?xml version="1.0" encoding="utf-8"?>
-<sisl xmlns:xsi="http://www.w3.org/2001/XMLSchema-instance" xmlns:xsd="http://www.w3.org/2001/XMLSchema" xmlns="http://www.boldonjames.com/2008/01/sie/internal/label" sislVersion="0" policy="cde53ac1-bf5f-4aae-9cf1-07509e23a4b0" origin="defaultValue">
-  <element uid="bba94c65-ac3d-4f34-b2e1-8de11ef6f01c" value=""/>
-</sisl>
+<file path=customXml/itemProps1.xml><?xml version="1.0" encoding="utf-8"?>
+<ds:datastoreItem xmlns:ds="http://schemas.openxmlformats.org/officeDocument/2006/customXml" ds:itemID="{A1EDEAAA-5A8E-4EAC-AACA-6B19275ABF77}">
+  <ds:schemaRefs>
+    <ds:schemaRef ds:uri="http://www.w3.org/2001/XMLSchema"/>
+    <ds:schemaRef ds:uri="http://www.boldonjames.com/2008/01/sie/internal/label"/>
+  </ds:schemaRefs>
+</ds:datastoreItem>
 </file>
 
-<file path=customXml/itemProps1.xml><?xml version="1.0" encoding="utf-8"?>
+<file path=customXml/itemProps2.xml><?xml version="1.0" encoding="utf-8"?>
 <ds:datastoreItem xmlns:ds="http://schemas.openxmlformats.org/officeDocument/2006/customXml" ds:itemID="{71421722-5443-4C69-B004-1FBA66B7B2A8}">
   <ds:schemaRefs>
     <ds:schemaRef ds:uri="http://www.w3.org/2001/XMLSchema"/>
     <ds:schemaRef ds:uri="http://www.boldonjames.com/2016/02/Classifier/internal/wrappedLabelHistory"/>
   </ds:schemaRefs>
 </ds:datastoreItem>
-</file>
-
-<file path=customXml/itemProps2.xml><?xml version="1.0" encoding="utf-8"?>
-<ds:datastoreItem xmlns:ds="http://schemas.openxmlformats.org/officeDocument/2006/customXml" ds:itemID="{A1EDEAAA-5A8E-4EAC-AACA-6B19275ABF77}">
-  <ds:schemaRefs>
-    <ds:schemaRef ds:uri="http://www.w3.org/2001/XMLSchema"/>
-    <ds:schemaRef ds:uri="http://www.boldonjames.com/2008/01/sie/internal/label"/>
-  </ds:schemaRefs>
-</ds:datastoreItem>
 </file>